--- a/slides/6. Safe RL.pptx
+++ b/slides/6. Safe RL.pptx
@@ -5,7 +5,7 @@
     <p:sldMasterId id="2147483660" r:id="rId1"/>
   </p:sldMasterIdLst>
   <p:notesMasterIdLst>
-    <p:notesMasterId r:id="rId26"/>
+    <p:notesMasterId r:id="rId25"/>
   </p:notesMasterIdLst>
   <p:sldIdLst>
     <p:sldId id="256" r:id="rId2"/>
@@ -26,12 +26,11 @@
     <p:sldId id="285" r:id="rId17"/>
     <p:sldId id="523" r:id="rId18"/>
     <p:sldId id="524" r:id="rId19"/>
-    <p:sldId id="511" r:id="rId20"/>
-    <p:sldId id="506" r:id="rId21"/>
-    <p:sldId id="258" r:id="rId22"/>
-    <p:sldId id="529" r:id="rId23"/>
-    <p:sldId id="300" r:id="rId24"/>
-    <p:sldId id="287" r:id="rId25"/>
+    <p:sldId id="300" r:id="rId20"/>
+    <p:sldId id="511" r:id="rId21"/>
+    <p:sldId id="506" r:id="rId22"/>
+    <p:sldId id="258" r:id="rId23"/>
+    <p:sldId id="529" r:id="rId24"/>
   </p:sldIdLst>
   <p:sldSz cx="12192000" cy="6858000"/>
   <p:notesSz cx="6858000" cy="9144000"/>
@@ -220,7 +219,7 @@
           <a:p>
             <a:fld id="{1B6E2612-5213-4B6B-99A8-BAC5DC9C4481}" type="datetimeFigureOut">
               <a:rPr lang="en-US" smtClean="0"/>
-              <a:t>11/17/2021</a:t>
+              <a:t>11/18/2021</a:t>
             </a:fld>
             <a:endParaRPr lang="en-US"/>
           </a:p>
@@ -4019,7 +4018,7 @@
           <a:p>
             <a:fld id="{4DDB5538-DA78-4C2C-BF6B-9485BBAF1D80}" type="datetimeFigureOut">
               <a:rPr lang="en-US" smtClean="0"/>
-              <a:t>11/17/2021</a:t>
+              <a:t>11/18/2021</a:t>
             </a:fld>
             <a:endParaRPr lang="en-US"/>
           </a:p>
@@ -4308,7 +4307,7 @@
           <a:p>
             <a:fld id="{4DDB5538-DA78-4C2C-BF6B-9485BBAF1D80}" type="datetimeFigureOut">
               <a:rPr lang="en-US" smtClean="0"/>
-              <a:t>11/17/2021</a:t>
+              <a:t>11/18/2021</a:t>
             </a:fld>
             <a:endParaRPr lang="en-US"/>
           </a:p>
@@ -4597,7 +4596,7 @@
           <a:p>
             <a:fld id="{4DDB5538-DA78-4C2C-BF6B-9485BBAF1D80}" type="datetimeFigureOut">
               <a:rPr lang="en-US" smtClean="0"/>
-              <a:t>11/17/2021</a:t>
+              <a:t>11/18/2021</a:t>
             </a:fld>
             <a:endParaRPr lang="en-US"/>
           </a:p>
@@ -4886,7 +4885,7 @@
           <a:p>
             <a:fld id="{4DDB5538-DA78-4C2C-BF6B-9485BBAF1D80}" type="datetimeFigureOut">
               <a:rPr lang="en-US" smtClean="0"/>
-              <a:t>11/17/2021</a:t>
+              <a:t>11/18/2021</a:t>
             </a:fld>
             <a:endParaRPr lang="en-US"/>
           </a:p>
@@ -5123,7 +5122,7 @@
           <a:p>
             <a:fld id="{4DDB5538-DA78-4C2C-BF6B-9485BBAF1D80}" type="datetimeFigureOut">
               <a:rPr lang="en-US" smtClean="0"/>
-              <a:t>11/17/2021</a:t>
+              <a:t>11/18/2021</a:t>
             </a:fld>
             <a:endParaRPr lang="en-US"/>
           </a:p>
@@ -5580,7 +5579,7 @@
           <a:p>
             <a:fld id="{4DDB5538-DA78-4C2C-BF6B-9485BBAF1D80}" type="datetimeFigureOut">
               <a:rPr lang="en-US" smtClean="0"/>
-              <a:t>11/17/2021</a:t>
+              <a:t>11/18/2021</a:t>
             </a:fld>
             <a:endParaRPr lang="en-US"/>
           </a:p>
@@ -8219,7 +8218,7 @@
           <a:p>
             <a:fld id="{4DDB5538-DA78-4C2C-BF6B-9485BBAF1D80}" type="datetimeFigureOut">
               <a:rPr lang="en-US" smtClean="0"/>
-              <a:t>11/17/2021</a:t>
+              <a:t>11/18/2021</a:t>
             </a:fld>
             <a:endParaRPr lang="en-US"/>
           </a:p>
@@ -8469,7 +8468,7 @@
           <a:p>
             <a:fld id="{4DDB5538-DA78-4C2C-BF6B-9485BBAF1D80}" type="datetimeFigureOut">
               <a:rPr lang="en-US" smtClean="0"/>
-              <a:t>11/17/2021</a:t>
+              <a:t>11/18/2021</a:t>
             </a:fld>
             <a:endParaRPr lang="en-US"/>
           </a:p>
@@ -8855,7 +8854,7 @@
           <a:p>
             <a:fld id="{4DDB5538-DA78-4C2C-BF6B-9485BBAF1D80}" type="datetimeFigureOut">
               <a:rPr lang="en-US" smtClean="0"/>
-              <a:t>11/17/2021</a:t>
+              <a:t>11/18/2021</a:t>
             </a:fld>
             <a:endParaRPr lang="en-US"/>
           </a:p>
@@ -9115,7 +9114,7 @@
           <a:p>
             <a:fld id="{4DDB5538-DA78-4C2C-BF6B-9485BBAF1D80}" type="datetimeFigureOut">
               <a:rPr lang="en-US" smtClean="0"/>
-              <a:t>11/17/2021</a:t>
+              <a:t>11/18/2021</a:t>
             </a:fld>
             <a:endParaRPr lang="en-US"/>
           </a:p>
@@ -16306,10 +16305,10 @@
       </p:grpSpPr>
       <p:sp>
         <p:nvSpPr>
-          <p:cNvPr id="2" name="Title 1">
+          <p:cNvPr id="4" name="Title 3">
             <a:extLst>
               <a:ext uri="{FF2B5EF4-FFF2-40B4-BE49-F238E27FC236}">
-                <a16:creationId xmlns:a16="http://schemas.microsoft.com/office/drawing/2014/main" id="{92C94226-1615-4B1E-BA6A-56C21762DA82}"/>
+                <a16:creationId xmlns:a16="http://schemas.microsoft.com/office/drawing/2014/main" id="{E7EBB6C5-1871-444B-AD84-356DE1BC2905}"/>
               </a:ext>
             </a:extLst>
           </p:cNvPr>
@@ -16317,658 +16316,40 @@
             <a:spLocks noGrp="1"/>
           </p:cNvSpPr>
           <p:nvPr>
-            <p:ph type="title"/>
-          </p:nvPr>
-        </p:nvSpPr>
-        <p:spPr/>
-        <p:txBody>
-          <a:bodyPr/>
-          <a:lstStyle/>
-          <a:p>
-            <a:r>
-              <a:rPr lang="en-US" dirty="0"/>
-              <a:t>Further readings recommended</a:t>
-            </a:r>
-          </a:p>
-        </p:txBody>
-      </p:sp>
-      <p:sp>
-        <p:nvSpPr>
-          <p:cNvPr id="3" name="Content Placeholder 2">
-            <a:extLst>
-              <a:ext uri="{FF2B5EF4-FFF2-40B4-BE49-F238E27FC236}">
-                <a16:creationId xmlns:a16="http://schemas.microsoft.com/office/drawing/2014/main" id="{6086F09B-8D16-4CB2-96C8-4D31CCA838AE}"/>
-              </a:ext>
-            </a:extLst>
-          </p:cNvPr>
-          <p:cNvSpPr>
-            <a:spLocks noGrp="1"/>
-          </p:cNvSpPr>
-          <p:nvPr>
-            <p:ph idx="1"/>
+            <p:ph type="ctrTitle"/>
           </p:nvPr>
         </p:nvSpPr>
         <p:spPr>
           <a:xfrm>
-            <a:off x="478369" y="939769"/>
-            <a:ext cx="11473384" cy="5628336"/>
+            <a:off x="478368" y="4656578"/>
+            <a:ext cx="11228913" cy="1001364"/>
           </a:xfrm>
+          <a:noFill/>
         </p:spPr>
         <p:txBody>
           <a:bodyPr/>
           <a:lstStyle/>
           <a:p>
             <a:r>
-              <a:rPr lang="en-US" b="0" i="0" dirty="0" err="1">
-                <a:solidFill>
-                  <a:srgbClr val="222222"/>
-                </a:solidFill>
-                <a:effectLst/>
-                <a:latin typeface="Arial" panose="020B0604020202020204" pitchFamily="34" charset="0"/>
-              </a:rPr>
-              <a:t>Traoré</a:t>
-            </a:r>
-            <a:r>
-              <a:rPr lang="en-US" b="0" i="0" dirty="0">
-                <a:solidFill>
-                  <a:srgbClr val="222222"/>
-                </a:solidFill>
-                <a:effectLst/>
-                <a:latin typeface="Arial" panose="020B0604020202020204" pitchFamily="34" charset="0"/>
-              </a:rPr>
-              <a:t>, R., </a:t>
-            </a:r>
-            <a:r>
-              <a:rPr lang="en-US" b="0" i="0" dirty="0" err="1">
-                <a:solidFill>
-                  <a:srgbClr val="222222"/>
-                </a:solidFill>
-                <a:effectLst/>
-                <a:latin typeface="Arial" panose="020B0604020202020204" pitchFamily="34" charset="0"/>
-              </a:rPr>
-              <a:t>Caselles</a:t>
-            </a:r>
-            <a:r>
-              <a:rPr lang="en-US" b="0" i="0" dirty="0">
-                <a:solidFill>
-                  <a:srgbClr val="222222"/>
-                </a:solidFill>
-                <a:effectLst/>
-                <a:latin typeface="Arial" panose="020B0604020202020204" pitchFamily="34" charset="0"/>
-              </a:rPr>
-              <a:t>-Dupré, H., </a:t>
-            </a:r>
-            <a:r>
-              <a:rPr lang="en-US" b="0" i="0" dirty="0" err="1">
-                <a:solidFill>
-                  <a:srgbClr val="222222"/>
-                </a:solidFill>
-                <a:effectLst/>
-                <a:latin typeface="Arial" panose="020B0604020202020204" pitchFamily="34" charset="0"/>
-              </a:rPr>
-              <a:t>Lesort</a:t>
-            </a:r>
-            <a:r>
-              <a:rPr lang="en-US" b="0" i="0" dirty="0">
-                <a:solidFill>
-                  <a:srgbClr val="222222"/>
-                </a:solidFill>
-                <a:effectLst/>
-                <a:latin typeface="Arial" panose="020B0604020202020204" pitchFamily="34" charset="0"/>
-              </a:rPr>
-              <a:t>, T., Sun, T., Díaz-Rodríguez, N., &amp; </a:t>
-            </a:r>
-            <a:r>
-              <a:rPr lang="en-US" b="0" i="0" dirty="0" err="1">
-                <a:solidFill>
-                  <a:srgbClr val="222222"/>
-                </a:solidFill>
-                <a:effectLst/>
-                <a:latin typeface="Arial" panose="020B0604020202020204" pitchFamily="34" charset="0"/>
-              </a:rPr>
-              <a:t>Filliat</a:t>
-            </a:r>
-            <a:r>
-              <a:rPr lang="en-US" b="0" i="0" dirty="0">
-                <a:solidFill>
-                  <a:srgbClr val="222222"/>
-                </a:solidFill>
-                <a:effectLst/>
-                <a:latin typeface="Arial" panose="020B0604020202020204" pitchFamily="34" charset="0"/>
-              </a:rPr>
-              <a:t>, D. (2019). </a:t>
-            </a:r>
-            <a:r>
-              <a:rPr lang="en-US" b="1" i="0" dirty="0">
-                <a:solidFill>
-                  <a:srgbClr val="222222"/>
-                </a:solidFill>
-                <a:effectLst/>
-                <a:latin typeface="Arial" panose="020B0604020202020204" pitchFamily="34" charset="0"/>
-              </a:rPr>
-              <a:t>Continual reinforcement learning deployed in real-life using policy distillation and sim2real transfer</a:t>
-            </a:r>
-            <a:endParaRPr lang="en-US" dirty="0">
-              <a:solidFill>
-                <a:srgbClr val="222222"/>
-              </a:solidFill>
-              <a:latin typeface="Arial" panose="020B0604020202020204" pitchFamily="34" charset="0"/>
-            </a:endParaRPr>
-          </a:p>
-          <a:p>
-            <a:endParaRPr lang="en-US" b="0" i="0" dirty="0">
-              <a:solidFill>
-                <a:srgbClr val="222222"/>
-              </a:solidFill>
-              <a:effectLst/>
-              <a:latin typeface="Arial" panose="020B0604020202020204" pitchFamily="34" charset="0"/>
-            </a:endParaRPr>
-          </a:p>
-          <a:p>
-            <a:r>
-              <a:rPr lang="en-US" b="0" i="0" dirty="0">
-                <a:solidFill>
-                  <a:srgbClr val="222222"/>
-                </a:solidFill>
-                <a:effectLst/>
-                <a:latin typeface="Arial" panose="020B0604020202020204" pitchFamily="34" charset="0"/>
-              </a:rPr>
-              <a:t>Xiao, C., Lu, P., &amp; He, Q. (2021</a:t>
-            </a:r>
-            <a:r>
-              <a:rPr lang="en-US" b="1" i="0" dirty="0">
-                <a:solidFill>
-                  <a:srgbClr val="222222"/>
-                </a:solidFill>
-                <a:effectLst/>
-                <a:latin typeface="Arial" panose="020B0604020202020204" pitchFamily="34" charset="0"/>
-              </a:rPr>
-              <a:t>). Flying Through a Narrow Gap Using End-to-End Deep Reinforcement Learning Augmented With Curriculum Learning and Sim2Real</a:t>
-            </a:r>
-            <a:r>
-              <a:rPr lang="en-US" b="0" i="0" dirty="0">
-                <a:solidFill>
-                  <a:srgbClr val="222222"/>
-                </a:solidFill>
-                <a:effectLst/>
-                <a:latin typeface="Arial" panose="020B0604020202020204" pitchFamily="34" charset="0"/>
-              </a:rPr>
-              <a:t>. </a:t>
-            </a:r>
-          </a:p>
-          <a:p>
-            <a:r>
-              <a:rPr lang="en-US" b="0" i="1" dirty="0">
-                <a:solidFill>
-                  <a:srgbClr val="222222"/>
-                </a:solidFill>
-                <a:effectLst/>
-                <a:latin typeface="Arial" panose="020B0604020202020204" pitchFamily="34" charset="0"/>
-              </a:rPr>
-              <a:t>IEEE Transactions on Neural Networks and Learning Systems</a:t>
-            </a:r>
-            <a:r>
-              <a:rPr lang="en-US" b="0" i="0" dirty="0">
-                <a:solidFill>
-                  <a:srgbClr val="222222"/>
-                </a:solidFill>
-                <a:effectLst/>
-                <a:latin typeface="Arial" panose="020B0604020202020204" pitchFamily="34" charset="0"/>
-              </a:rPr>
-              <a:t>.</a:t>
-            </a:r>
-          </a:p>
-          <a:p>
-            <a:endParaRPr lang="en-US" b="0" i="0" dirty="0">
-              <a:solidFill>
-                <a:srgbClr val="222222"/>
-              </a:solidFill>
-              <a:effectLst/>
-              <a:latin typeface="Arial" panose="020B0604020202020204" pitchFamily="34" charset="0"/>
-            </a:endParaRPr>
-          </a:p>
-          <a:p>
-            <a:r>
-              <a:rPr lang="en-US" b="1" i="0" u="sng" dirty="0">
-                <a:solidFill>
-                  <a:srgbClr val="222222"/>
-                </a:solidFill>
-                <a:effectLst/>
-                <a:latin typeface="Arial" panose="020B0604020202020204" pitchFamily="34" charset="0"/>
-              </a:rPr>
-              <a:t>Read in more detail and check citations</a:t>
-            </a:r>
-          </a:p>
-          <a:p>
-            <a:r>
-              <a:rPr lang="en-US" sz="1600" b="0" i="0" dirty="0" err="1">
-                <a:solidFill>
-                  <a:srgbClr val="222222"/>
-                </a:solidFill>
-                <a:effectLst/>
-                <a:latin typeface="Arial" panose="020B0604020202020204" pitchFamily="34" charset="0"/>
-              </a:rPr>
-              <a:t>Kaspar</a:t>
-            </a:r>
-            <a:r>
-              <a:rPr lang="en-US" sz="1600" b="0" i="0" dirty="0">
-                <a:solidFill>
-                  <a:srgbClr val="222222"/>
-                </a:solidFill>
-                <a:effectLst/>
-                <a:latin typeface="Arial" panose="020B0604020202020204" pitchFamily="34" charset="0"/>
-              </a:rPr>
-              <a:t>, M., Osorio, J. D. M., &amp; Bock, J. (2020). </a:t>
-            </a:r>
-            <a:r>
-              <a:rPr lang="en-US" sz="1600" b="1" i="0" dirty="0">
-                <a:solidFill>
-                  <a:srgbClr val="222222"/>
-                </a:solidFill>
-                <a:effectLst/>
-                <a:latin typeface="Arial" panose="020B0604020202020204" pitchFamily="34" charset="0"/>
-              </a:rPr>
-              <a:t>Sim2real transfer for reinforcement learning without dynamics randomization.</a:t>
-            </a:r>
-            <a:r>
-              <a:rPr lang="en-US" sz="1600" b="0" i="0" dirty="0">
-                <a:solidFill>
-                  <a:srgbClr val="222222"/>
-                </a:solidFill>
-                <a:effectLst/>
-                <a:latin typeface="Arial" panose="020B0604020202020204" pitchFamily="34" charset="0"/>
-              </a:rPr>
-              <a:t> In </a:t>
-            </a:r>
-            <a:r>
-              <a:rPr lang="en-US" sz="1600" b="0" i="1" dirty="0">
-                <a:solidFill>
-                  <a:srgbClr val="222222"/>
-                </a:solidFill>
-                <a:effectLst/>
-                <a:latin typeface="Arial" panose="020B0604020202020204" pitchFamily="34" charset="0"/>
-              </a:rPr>
-              <a:t>2020 IEEE/RSJ International Conference on Intelligent Robots and Systems (IROS)</a:t>
-            </a:r>
-            <a:r>
-              <a:rPr lang="en-US" sz="1600" b="0" i="0" dirty="0">
-                <a:solidFill>
-                  <a:srgbClr val="222222"/>
-                </a:solidFill>
-                <a:effectLst/>
-                <a:latin typeface="Arial" panose="020B0604020202020204" pitchFamily="34" charset="0"/>
-              </a:rPr>
-              <a:t> (pp. 4383-4388). IEEE.</a:t>
-            </a:r>
-            <a:endParaRPr lang="en-US" sz="1600" dirty="0">
-              <a:solidFill>
-                <a:srgbClr val="222222"/>
-              </a:solidFill>
-              <a:latin typeface="Arial" panose="020B0604020202020204" pitchFamily="34" charset="0"/>
-            </a:endParaRPr>
-          </a:p>
-          <a:p>
-            <a:r>
-              <a:rPr lang="en-US" sz="1600" b="0" i="0" dirty="0" err="1">
-                <a:solidFill>
-                  <a:srgbClr val="222222"/>
-                </a:solidFill>
-                <a:effectLst/>
-                <a:latin typeface="Arial" panose="020B0604020202020204" pitchFamily="34" charset="0"/>
-              </a:rPr>
-              <a:t>Kadian</a:t>
-            </a:r>
-            <a:r>
-              <a:rPr lang="en-US" sz="1600" b="0" i="0" dirty="0">
-                <a:solidFill>
-                  <a:srgbClr val="222222"/>
-                </a:solidFill>
-                <a:effectLst/>
-                <a:latin typeface="Arial" panose="020B0604020202020204" pitchFamily="34" charset="0"/>
-              </a:rPr>
-              <a:t>, A., Truong, J., </a:t>
-            </a:r>
-            <a:r>
-              <a:rPr lang="en-US" sz="1600" b="0" i="0" dirty="0" err="1">
-                <a:solidFill>
-                  <a:srgbClr val="222222"/>
-                </a:solidFill>
-                <a:effectLst/>
-                <a:latin typeface="Arial" panose="020B0604020202020204" pitchFamily="34" charset="0"/>
-              </a:rPr>
-              <a:t>Gokaslan</a:t>
-            </a:r>
-            <a:r>
-              <a:rPr lang="en-US" sz="1600" b="0" i="0" dirty="0">
-                <a:solidFill>
-                  <a:srgbClr val="222222"/>
-                </a:solidFill>
-                <a:effectLst/>
-                <a:latin typeface="Arial" panose="020B0604020202020204" pitchFamily="34" charset="0"/>
-              </a:rPr>
-              <a:t>, A., Clegg, A., </a:t>
-            </a:r>
-            <a:r>
-              <a:rPr lang="en-US" sz="1600" b="0" i="0" dirty="0" err="1">
-                <a:solidFill>
-                  <a:srgbClr val="222222"/>
-                </a:solidFill>
-                <a:effectLst/>
-                <a:latin typeface="Arial" panose="020B0604020202020204" pitchFamily="34" charset="0"/>
-              </a:rPr>
-              <a:t>Wijmans</a:t>
-            </a:r>
-            <a:r>
-              <a:rPr lang="en-US" sz="1600" b="0" i="0" dirty="0">
-                <a:solidFill>
-                  <a:srgbClr val="222222"/>
-                </a:solidFill>
-                <a:effectLst/>
-                <a:latin typeface="Arial" panose="020B0604020202020204" pitchFamily="34" charset="0"/>
-              </a:rPr>
-              <a:t>, E., Lee, S., ... &amp; Batra, D. (2020). </a:t>
-            </a:r>
-            <a:r>
-              <a:rPr lang="en-US" sz="1600" b="1" i="0" dirty="0">
-                <a:solidFill>
-                  <a:srgbClr val="222222"/>
-                </a:solidFill>
-                <a:effectLst/>
-                <a:latin typeface="Arial" panose="020B0604020202020204" pitchFamily="34" charset="0"/>
-              </a:rPr>
-              <a:t>Sim2Real predictivity: Does evaluation in simulation predict real-world performance?</a:t>
-            </a:r>
-            <a:r>
-              <a:rPr lang="en-US" sz="1600" b="0" i="0" dirty="0">
-                <a:solidFill>
-                  <a:srgbClr val="222222"/>
-                </a:solidFill>
-                <a:effectLst/>
-                <a:latin typeface="Arial" panose="020B0604020202020204" pitchFamily="34" charset="0"/>
-              </a:rPr>
-              <a:t>. </a:t>
-            </a:r>
-            <a:r>
-              <a:rPr lang="en-US" sz="1600" b="0" i="1" dirty="0">
-                <a:solidFill>
-                  <a:srgbClr val="222222"/>
-                </a:solidFill>
-                <a:effectLst/>
-                <a:latin typeface="Arial" panose="020B0604020202020204" pitchFamily="34" charset="0"/>
-              </a:rPr>
-              <a:t>IEEE Robotics and Automation Letters</a:t>
-            </a:r>
-            <a:r>
-              <a:rPr lang="en-US" sz="1600" b="0" i="0" dirty="0">
-                <a:solidFill>
-                  <a:srgbClr val="222222"/>
-                </a:solidFill>
-                <a:effectLst/>
-                <a:latin typeface="Arial" panose="020B0604020202020204" pitchFamily="34" charset="0"/>
-              </a:rPr>
-              <a:t>, </a:t>
-            </a:r>
-            <a:r>
-              <a:rPr lang="en-US" sz="1600" b="0" i="1" dirty="0">
-                <a:solidFill>
-                  <a:srgbClr val="222222"/>
-                </a:solidFill>
-                <a:effectLst/>
-                <a:latin typeface="Arial" panose="020B0604020202020204" pitchFamily="34" charset="0"/>
-              </a:rPr>
-              <a:t>5</a:t>
-            </a:r>
-            <a:r>
-              <a:rPr lang="en-US" sz="1600" b="0" i="0" dirty="0">
-                <a:solidFill>
-                  <a:srgbClr val="222222"/>
-                </a:solidFill>
-                <a:effectLst/>
-                <a:latin typeface="Arial" panose="020B0604020202020204" pitchFamily="34" charset="0"/>
-              </a:rPr>
-              <a:t>(4), 6670-6677.</a:t>
-            </a:r>
-          </a:p>
-          <a:p>
-            <a:r>
-              <a:rPr lang="en-US" sz="1600" b="0" i="0" dirty="0">
-                <a:solidFill>
-                  <a:srgbClr val="222222"/>
-                </a:solidFill>
-                <a:effectLst/>
-                <a:latin typeface="Arial" panose="020B0604020202020204" pitchFamily="34" charset="0"/>
-              </a:rPr>
-              <a:t>Balaji, B., Mallya, S., </a:t>
-            </a:r>
-            <a:r>
-              <a:rPr lang="en-US" sz="1600" b="0" i="0" dirty="0" err="1">
-                <a:solidFill>
-                  <a:srgbClr val="222222"/>
-                </a:solidFill>
-                <a:effectLst/>
-                <a:latin typeface="Arial" panose="020B0604020202020204" pitchFamily="34" charset="0"/>
-              </a:rPr>
-              <a:t>Genc</a:t>
-            </a:r>
-            <a:r>
-              <a:rPr lang="en-US" sz="1600" b="0" i="0" dirty="0">
-                <a:solidFill>
-                  <a:srgbClr val="222222"/>
-                </a:solidFill>
-                <a:effectLst/>
-                <a:latin typeface="Arial" panose="020B0604020202020204" pitchFamily="34" charset="0"/>
-              </a:rPr>
-              <a:t>, S., Gupta, S., Dirac, L., </a:t>
-            </a:r>
-            <a:r>
-              <a:rPr lang="en-US" sz="1600" b="0" i="0" dirty="0" err="1">
-                <a:solidFill>
-                  <a:srgbClr val="222222"/>
-                </a:solidFill>
-                <a:effectLst/>
-                <a:latin typeface="Arial" panose="020B0604020202020204" pitchFamily="34" charset="0"/>
-              </a:rPr>
-              <a:t>Khare</a:t>
-            </a:r>
-            <a:r>
-              <a:rPr lang="en-US" sz="1600" b="0" i="0" dirty="0">
-                <a:solidFill>
-                  <a:srgbClr val="222222"/>
-                </a:solidFill>
-                <a:effectLst/>
-                <a:latin typeface="Arial" panose="020B0604020202020204" pitchFamily="34" charset="0"/>
-              </a:rPr>
-              <a:t>, V., ... &amp; </a:t>
-            </a:r>
-            <a:r>
-              <a:rPr lang="en-US" sz="1600" b="0" i="0" dirty="0" err="1">
-                <a:solidFill>
-                  <a:srgbClr val="222222"/>
-                </a:solidFill>
-                <a:effectLst/>
-                <a:latin typeface="Arial" panose="020B0604020202020204" pitchFamily="34" charset="0"/>
-              </a:rPr>
-              <a:t>Karuppasamy</a:t>
-            </a:r>
-            <a:r>
-              <a:rPr lang="en-US" sz="1600" b="0" i="0" dirty="0">
-                <a:solidFill>
-                  <a:srgbClr val="222222"/>
-                </a:solidFill>
-                <a:effectLst/>
-                <a:latin typeface="Arial" panose="020B0604020202020204" pitchFamily="34" charset="0"/>
-              </a:rPr>
-              <a:t>, D. (2019</a:t>
-            </a:r>
-            <a:r>
-              <a:rPr lang="en-US" sz="1600" b="1" i="0" dirty="0">
-                <a:solidFill>
-                  <a:srgbClr val="222222"/>
-                </a:solidFill>
-                <a:effectLst/>
-                <a:latin typeface="Arial" panose="020B0604020202020204" pitchFamily="34" charset="0"/>
-              </a:rPr>
-              <a:t>). </a:t>
-            </a:r>
-            <a:r>
-              <a:rPr lang="en-US" sz="1600" b="1" i="0" dirty="0" err="1">
-                <a:solidFill>
-                  <a:srgbClr val="222222"/>
-                </a:solidFill>
-                <a:effectLst/>
-                <a:latin typeface="Arial" panose="020B0604020202020204" pitchFamily="34" charset="0"/>
-              </a:rPr>
-              <a:t>Deepracer</a:t>
-            </a:r>
-            <a:r>
-              <a:rPr lang="en-US" sz="1600" b="1" i="0" dirty="0">
-                <a:solidFill>
-                  <a:srgbClr val="222222"/>
-                </a:solidFill>
-                <a:effectLst/>
-                <a:latin typeface="Arial" panose="020B0604020202020204" pitchFamily="34" charset="0"/>
-              </a:rPr>
-              <a:t>: Educational autonomous racing platform for experimentation with sim2real reinforcement learning</a:t>
-            </a:r>
-            <a:r>
-              <a:rPr lang="en-US" sz="1600" b="0" i="0" dirty="0">
-                <a:solidFill>
-                  <a:srgbClr val="222222"/>
-                </a:solidFill>
-                <a:effectLst/>
-                <a:latin typeface="Arial" panose="020B0604020202020204" pitchFamily="34" charset="0"/>
-              </a:rPr>
-              <a:t>. </a:t>
-            </a:r>
-            <a:r>
-              <a:rPr lang="en-US" sz="1600" b="0" i="1" dirty="0" err="1">
-                <a:solidFill>
-                  <a:srgbClr val="222222"/>
-                </a:solidFill>
-                <a:effectLst/>
-                <a:latin typeface="Arial" panose="020B0604020202020204" pitchFamily="34" charset="0"/>
-              </a:rPr>
-              <a:t>arXiv</a:t>
-            </a:r>
-            <a:r>
-              <a:rPr lang="en-US" sz="1600" b="0" i="1" dirty="0">
-                <a:solidFill>
-                  <a:srgbClr val="222222"/>
-                </a:solidFill>
-                <a:effectLst/>
-                <a:latin typeface="Arial" panose="020B0604020202020204" pitchFamily="34" charset="0"/>
-              </a:rPr>
-              <a:t> preprint arXiv:1911.01562</a:t>
-            </a:r>
-            <a:r>
-              <a:rPr lang="en-US" sz="1600" b="0" i="0" dirty="0">
-                <a:solidFill>
-                  <a:srgbClr val="222222"/>
-                </a:solidFill>
-                <a:effectLst/>
-                <a:latin typeface="Arial" panose="020B0604020202020204" pitchFamily="34" charset="0"/>
-              </a:rPr>
-              <a:t>.</a:t>
+              <a:rPr lang="en-US" dirty="0"/>
+              <a:t>END</a:t>
             </a:r>
           </a:p>
         </p:txBody>
       </p:sp>
-      <p:sp>
-        <p:nvSpPr>
-          <p:cNvPr id="4" name="TextBox 3">
-            <a:extLst>
-              <a:ext uri="{FF2B5EF4-FFF2-40B4-BE49-F238E27FC236}">
-                <a16:creationId xmlns:a16="http://schemas.microsoft.com/office/drawing/2014/main" id="{33BE7D7F-AC40-4D26-9336-90B0F41BF4C9}"/>
-              </a:ext>
-            </a:extLst>
-          </p:cNvPr>
-          <p:cNvSpPr txBox="1"/>
-          <p:nvPr/>
-        </p:nvSpPr>
-        <p:spPr bwMode="gray">
-          <a:xfrm>
-            <a:off x="3415325" y="1684160"/>
-            <a:ext cx="7940429" cy="369332"/>
-          </a:xfrm>
-          <a:prstGeom prst="rect">
-            <a:avLst/>
-          </a:prstGeom>
-          <a:solidFill>
-            <a:schemeClr val="accent3">
-              <a:lumMod val="60000"/>
-              <a:lumOff val="40000"/>
-            </a:schemeClr>
-          </a:solidFill>
-          <a:ln>
-            <a:solidFill>
-              <a:schemeClr val="accent3">
-                <a:lumMod val="50000"/>
-              </a:schemeClr>
-            </a:solidFill>
-          </a:ln>
-        </p:spPr>
-        <p:txBody>
-          <a:bodyPr wrap="square">
-            <a:spAutoFit/>
-          </a:bodyPr>
-          <a:lstStyle/>
-          <a:p>
-            <a:pPr algn="ctr"/>
-            <a:r>
-              <a:rPr lang="en-US" b="1" dirty="0"/>
-              <a:t>How to prevent catastrophic forgetting in sim2real</a:t>
-            </a:r>
-            <a:endParaRPr lang="en-US" dirty="0"/>
-          </a:p>
-        </p:txBody>
-      </p:sp>
-      <p:pic>
-        <p:nvPicPr>
-          <p:cNvPr id="6" name="Picture 5">
-            <a:extLst>
-              <a:ext uri="{FF2B5EF4-FFF2-40B4-BE49-F238E27FC236}">
-                <a16:creationId xmlns:a16="http://schemas.microsoft.com/office/drawing/2014/main" id="{6CB9FCBF-4D20-4A30-934C-5C09CCFB3F06}"/>
-              </a:ext>
-            </a:extLst>
-          </p:cNvPr>
-          <p:cNvPicPr>
-            <a:picLocks noChangeAspect="1"/>
-          </p:cNvPicPr>
-          <p:nvPr/>
-        </p:nvPicPr>
-        <p:blipFill>
-          <a:blip r:embed="rId2"/>
-          <a:stretch>
-            <a:fillRect/>
-          </a:stretch>
-        </p:blipFill>
-        <p:spPr>
-          <a:xfrm>
-            <a:off x="7612185" y="2481570"/>
-            <a:ext cx="3549021" cy="1894860"/>
-          </a:xfrm>
-          <a:prstGeom prst="rect">
-            <a:avLst/>
-          </a:prstGeom>
-          <a:ln>
-            <a:solidFill>
-              <a:schemeClr val="accent3">
-                <a:lumMod val="50000"/>
-              </a:schemeClr>
-            </a:solidFill>
-          </a:ln>
-        </p:spPr>
-      </p:pic>
     </p:spTree>
     <p:extLst>
       <p:ext uri="{BB962C8B-B14F-4D97-AF65-F5344CB8AC3E}">
-        <p14:creationId xmlns:p14="http://schemas.microsoft.com/office/powerpoint/2010/main" val="2593839450"/>
+        <p14:creationId xmlns:p14="http://schemas.microsoft.com/office/powerpoint/2010/main" val="3752993035"/>
       </p:ext>
     </p:extLst>
   </p:cSld>
   <p:clrMapOvr>
     <a:masterClrMapping/>
   </p:clrMapOvr>
+  <p:transition spd="slow">
+    <p:wipe dir="d"/>
+  </p:transition>
 </p:sld>
 </file>
 
@@ -17779,7 +17160,7 @@
           <p:cNvPr id="2" name="Title 1">
             <a:extLst>
               <a:ext uri="{FF2B5EF4-FFF2-40B4-BE49-F238E27FC236}">
-                <a16:creationId xmlns:a16="http://schemas.microsoft.com/office/drawing/2014/main" id="{11A8CBFF-0157-4F46-BA09-2E0740AE8DBF}"/>
+                <a16:creationId xmlns:a16="http://schemas.microsoft.com/office/drawing/2014/main" id="{92C94226-1615-4B1E-BA6A-56C21762DA82}"/>
               </a:ext>
             </a:extLst>
           </p:cNvPr>
@@ -17797,7 +17178,7 @@
           <a:p>
             <a:r>
               <a:rPr lang="en-US" dirty="0"/>
-              <a:t>Preliminary Work-Packages</a:t>
+              <a:t>Further readings recommended</a:t>
             </a:r>
           </a:p>
         </p:txBody>
@@ -17807,7 +17188,7 @@
           <p:cNvPr id="3" name="Content Placeholder 2">
             <a:extLst>
               <a:ext uri="{FF2B5EF4-FFF2-40B4-BE49-F238E27FC236}">
-                <a16:creationId xmlns:a16="http://schemas.microsoft.com/office/drawing/2014/main" id="{A3D61C00-2676-49F3-820E-54CB294C68D4}"/>
+                <a16:creationId xmlns:a16="http://schemas.microsoft.com/office/drawing/2014/main" id="{6086F09B-8D16-4CB2-96C8-4D31CCA838AE}"/>
               </a:ext>
             </a:extLst>
           </p:cNvPr>
@@ -17820,8 +17201,8 @@
         </p:nvSpPr>
         <p:spPr>
           <a:xfrm>
-            <a:off x="478369" y="1213308"/>
-            <a:ext cx="11473384" cy="5387629"/>
+            <a:off x="478369" y="939769"/>
+            <a:ext cx="11473384" cy="5628336"/>
           </a:xfrm>
         </p:spPr>
         <p:txBody>
@@ -17829,70 +17210,610 @@
           <a:lstStyle/>
           <a:p>
             <a:r>
+              <a:rPr lang="en-US" b="0" i="0" dirty="0" err="1">
+                <a:solidFill>
+                  <a:srgbClr val="222222"/>
+                </a:solidFill>
+                <a:effectLst/>
+                <a:latin typeface="Arial" panose="020B0604020202020204" pitchFamily="34" charset="0"/>
+              </a:rPr>
+              <a:t>Traoré</a:t>
+            </a:r>
+            <a:r>
+              <a:rPr lang="en-US" b="0" i="0" dirty="0">
+                <a:solidFill>
+                  <a:srgbClr val="222222"/>
+                </a:solidFill>
+                <a:effectLst/>
+                <a:latin typeface="Arial" panose="020B0604020202020204" pitchFamily="34" charset="0"/>
+              </a:rPr>
+              <a:t>, R., </a:t>
+            </a:r>
+            <a:r>
+              <a:rPr lang="en-US" b="0" i="0" dirty="0" err="1">
+                <a:solidFill>
+                  <a:srgbClr val="222222"/>
+                </a:solidFill>
+                <a:effectLst/>
+                <a:latin typeface="Arial" panose="020B0604020202020204" pitchFamily="34" charset="0"/>
+              </a:rPr>
+              <a:t>Caselles</a:t>
+            </a:r>
+            <a:r>
+              <a:rPr lang="en-US" b="0" i="0" dirty="0">
+                <a:solidFill>
+                  <a:srgbClr val="222222"/>
+                </a:solidFill>
+                <a:effectLst/>
+                <a:latin typeface="Arial" panose="020B0604020202020204" pitchFamily="34" charset="0"/>
+              </a:rPr>
+              <a:t>-Dupré, H., </a:t>
+            </a:r>
+            <a:r>
+              <a:rPr lang="en-US" b="0" i="0" dirty="0" err="1">
+                <a:solidFill>
+                  <a:srgbClr val="222222"/>
+                </a:solidFill>
+                <a:effectLst/>
+                <a:latin typeface="Arial" panose="020B0604020202020204" pitchFamily="34" charset="0"/>
+              </a:rPr>
+              <a:t>Lesort</a:t>
+            </a:r>
+            <a:r>
+              <a:rPr lang="en-US" b="0" i="0" dirty="0">
+                <a:solidFill>
+                  <a:srgbClr val="222222"/>
+                </a:solidFill>
+                <a:effectLst/>
+                <a:latin typeface="Arial" panose="020B0604020202020204" pitchFamily="34" charset="0"/>
+              </a:rPr>
+              <a:t>, T., Sun, T., Díaz-Rodríguez, N., &amp; </a:t>
+            </a:r>
+            <a:r>
+              <a:rPr lang="en-US" b="0" i="0" dirty="0" err="1">
+                <a:solidFill>
+                  <a:srgbClr val="222222"/>
+                </a:solidFill>
+                <a:effectLst/>
+                <a:latin typeface="Arial" panose="020B0604020202020204" pitchFamily="34" charset="0"/>
+              </a:rPr>
+              <a:t>Filliat</a:t>
+            </a:r>
+            <a:r>
+              <a:rPr lang="en-US" b="0" i="0" dirty="0">
+                <a:solidFill>
+                  <a:srgbClr val="222222"/>
+                </a:solidFill>
+                <a:effectLst/>
+                <a:latin typeface="Arial" panose="020B0604020202020204" pitchFamily="34" charset="0"/>
+              </a:rPr>
+              <a:t>, D. (2019). </a:t>
+            </a:r>
+            <a:r>
+              <a:rPr lang="en-US" b="1" i="0" dirty="0">
+                <a:solidFill>
+                  <a:srgbClr val="222222"/>
+                </a:solidFill>
+                <a:effectLst/>
+                <a:latin typeface="Arial" panose="020B0604020202020204" pitchFamily="34" charset="0"/>
+              </a:rPr>
+              <a:t>Continual reinforcement learning deployed in real-life using policy distillation and sim2real transfer</a:t>
+            </a:r>
+            <a:endParaRPr lang="en-US" dirty="0">
+              <a:solidFill>
+                <a:srgbClr val="222222"/>
+              </a:solidFill>
+              <a:latin typeface="Arial" panose="020B0604020202020204" pitchFamily="34" charset="0"/>
+            </a:endParaRPr>
+          </a:p>
+          <a:p>
+            <a:endParaRPr lang="en-US" b="0" i="0" dirty="0">
+              <a:solidFill>
+                <a:srgbClr val="222222"/>
+              </a:solidFill>
+              <a:effectLst/>
+              <a:latin typeface="Arial" panose="020B0604020202020204" pitchFamily="34" charset="0"/>
+            </a:endParaRPr>
+          </a:p>
+          <a:p>
+            <a:r>
+              <a:rPr lang="en-US" b="0" i="0" dirty="0">
+                <a:solidFill>
+                  <a:srgbClr val="222222"/>
+                </a:solidFill>
+                <a:effectLst/>
+                <a:latin typeface="Arial" panose="020B0604020202020204" pitchFamily="34" charset="0"/>
+              </a:rPr>
+              <a:t>Xiao, C., Lu, P., &amp; He, Q. (2021</a:t>
+            </a:r>
+            <a:r>
+              <a:rPr lang="en-US" b="1" i="0" dirty="0">
+                <a:solidFill>
+                  <a:srgbClr val="222222"/>
+                </a:solidFill>
+                <a:effectLst/>
+                <a:latin typeface="Arial" panose="020B0604020202020204" pitchFamily="34" charset="0"/>
+              </a:rPr>
+              <a:t>). Flying Through a Narrow Gap Using End-to-End Deep Reinforcement Learning Augmented With Curriculum Learning and Sim2Real</a:t>
+            </a:r>
+            <a:r>
+              <a:rPr lang="en-US" b="0" i="0" dirty="0">
+                <a:solidFill>
+                  <a:srgbClr val="222222"/>
+                </a:solidFill>
+                <a:effectLst/>
+                <a:latin typeface="Arial" panose="020B0604020202020204" pitchFamily="34" charset="0"/>
+              </a:rPr>
+              <a:t>. </a:t>
+            </a:r>
+          </a:p>
+          <a:p>
+            <a:r>
+              <a:rPr lang="en-US" b="0" i="1" dirty="0">
+                <a:solidFill>
+                  <a:srgbClr val="222222"/>
+                </a:solidFill>
+                <a:effectLst/>
+                <a:latin typeface="Arial" panose="020B0604020202020204" pitchFamily="34" charset="0"/>
+              </a:rPr>
+              <a:t>IEEE Transactions on Neural Networks and Learning Systems</a:t>
+            </a:r>
+            <a:r>
+              <a:rPr lang="en-US" b="0" i="0" dirty="0">
+                <a:solidFill>
+                  <a:srgbClr val="222222"/>
+                </a:solidFill>
+                <a:effectLst/>
+                <a:latin typeface="Arial" panose="020B0604020202020204" pitchFamily="34" charset="0"/>
+              </a:rPr>
+              <a:t>.</a:t>
+            </a:r>
+          </a:p>
+          <a:p>
+            <a:endParaRPr lang="en-US" b="0" i="0" dirty="0">
+              <a:solidFill>
+                <a:srgbClr val="222222"/>
+              </a:solidFill>
+              <a:effectLst/>
+              <a:latin typeface="Arial" panose="020B0604020202020204" pitchFamily="34" charset="0"/>
+            </a:endParaRPr>
+          </a:p>
+          <a:p>
+            <a:r>
+              <a:rPr lang="en-US" b="1" i="0" u="sng" dirty="0">
+                <a:solidFill>
+                  <a:srgbClr val="222222"/>
+                </a:solidFill>
+                <a:effectLst/>
+                <a:latin typeface="Arial" panose="020B0604020202020204" pitchFamily="34" charset="0"/>
+              </a:rPr>
+              <a:t>Read in more detail and check citations</a:t>
+            </a:r>
+          </a:p>
+          <a:p>
+            <a:r>
+              <a:rPr lang="en-US" sz="1600" b="0" i="0" dirty="0" err="1">
+                <a:solidFill>
+                  <a:srgbClr val="222222"/>
+                </a:solidFill>
+                <a:effectLst/>
+                <a:latin typeface="Arial" panose="020B0604020202020204" pitchFamily="34" charset="0"/>
+              </a:rPr>
+              <a:t>Kaspar</a:t>
+            </a:r>
+            <a:r>
+              <a:rPr lang="en-US" sz="1600" b="0" i="0" dirty="0">
+                <a:solidFill>
+                  <a:srgbClr val="222222"/>
+                </a:solidFill>
+                <a:effectLst/>
+                <a:latin typeface="Arial" panose="020B0604020202020204" pitchFamily="34" charset="0"/>
+              </a:rPr>
+              <a:t>, M., Osorio, J. D. M., &amp; Bock, J. (2020). </a:t>
+            </a:r>
+            <a:r>
+              <a:rPr lang="en-US" sz="1600" b="1" i="0" dirty="0">
+                <a:solidFill>
+                  <a:srgbClr val="222222"/>
+                </a:solidFill>
+                <a:effectLst/>
+                <a:latin typeface="Arial" panose="020B0604020202020204" pitchFamily="34" charset="0"/>
+              </a:rPr>
+              <a:t>Sim2real transfer for reinforcement learning without dynamics randomization.</a:t>
+            </a:r>
+            <a:r>
+              <a:rPr lang="en-US" sz="1600" b="0" i="0" dirty="0">
+                <a:solidFill>
+                  <a:srgbClr val="222222"/>
+                </a:solidFill>
+                <a:effectLst/>
+                <a:latin typeface="Arial" panose="020B0604020202020204" pitchFamily="34" charset="0"/>
+              </a:rPr>
+              <a:t> In </a:t>
+            </a:r>
+            <a:r>
+              <a:rPr lang="en-US" sz="1600" b="0" i="1" dirty="0">
+                <a:solidFill>
+                  <a:srgbClr val="222222"/>
+                </a:solidFill>
+                <a:effectLst/>
+                <a:latin typeface="Arial" panose="020B0604020202020204" pitchFamily="34" charset="0"/>
+              </a:rPr>
+              <a:t>2020 IEEE/RSJ International Conference on Intelligent Robots and Systems (IROS)</a:t>
+            </a:r>
+            <a:r>
+              <a:rPr lang="en-US" sz="1600" b="0" i="0" dirty="0">
+                <a:solidFill>
+                  <a:srgbClr val="222222"/>
+                </a:solidFill>
+                <a:effectLst/>
+                <a:latin typeface="Arial" panose="020B0604020202020204" pitchFamily="34" charset="0"/>
+              </a:rPr>
+              <a:t> (pp. 4383-4388). IEEE.</a:t>
+            </a:r>
+            <a:endParaRPr lang="en-US" sz="1600" dirty="0">
+              <a:solidFill>
+                <a:srgbClr val="222222"/>
+              </a:solidFill>
+              <a:latin typeface="Arial" panose="020B0604020202020204" pitchFamily="34" charset="0"/>
+            </a:endParaRPr>
+          </a:p>
+          <a:p>
+            <a:r>
+              <a:rPr lang="en-US" sz="1600" b="0" i="0" dirty="0" err="1">
+                <a:solidFill>
+                  <a:srgbClr val="222222"/>
+                </a:solidFill>
+                <a:effectLst/>
+                <a:latin typeface="Arial" panose="020B0604020202020204" pitchFamily="34" charset="0"/>
+              </a:rPr>
+              <a:t>Kadian</a:t>
+            </a:r>
+            <a:r>
+              <a:rPr lang="en-US" sz="1600" b="0" i="0" dirty="0">
+                <a:solidFill>
+                  <a:srgbClr val="222222"/>
+                </a:solidFill>
+                <a:effectLst/>
+                <a:latin typeface="Arial" panose="020B0604020202020204" pitchFamily="34" charset="0"/>
+              </a:rPr>
+              <a:t>, A., Truong, J., </a:t>
+            </a:r>
+            <a:r>
+              <a:rPr lang="en-US" sz="1600" b="0" i="0" dirty="0" err="1">
+                <a:solidFill>
+                  <a:srgbClr val="222222"/>
+                </a:solidFill>
+                <a:effectLst/>
+                <a:latin typeface="Arial" panose="020B0604020202020204" pitchFamily="34" charset="0"/>
+              </a:rPr>
+              <a:t>Gokaslan</a:t>
+            </a:r>
+            <a:r>
+              <a:rPr lang="en-US" sz="1600" b="0" i="0" dirty="0">
+                <a:solidFill>
+                  <a:srgbClr val="222222"/>
+                </a:solidFill>
+                <a:effectLst/>
+                <a:latin typeface="Arial" panose="020B0604020202020204" pitchFamily="34" charset="0"/>
+              </a:rPr>
+              <a:t>, A., Clegg, A., </a:t>
+            </a:r>
+            <a:r>
+              <a:rPr lang="en-US" sz="1600" b="0" i="0" dirty="0" err="1">
+                <a:solidFill>
+                  <a:srgbClr val="222222"/>
+                </a:solidFill>
+                <a:effectLst/>
+                <a:latin typeface="Arial" panose="020B0604020202020204" pitchFamily="34" charset="0"/>
+              </a:rPr>
+              <a:t>Wijmans</a:t>
+            </a:r>
+            <a:r>
+              <a:rPr lang="en-US" sz="1600" b="0" i="0" dirty="0">
+                <a:solidFill>
+                  <a:srgbClr val="222222"/>
+                </a:solidFill>
+                <a:effectLst/>
+                <a:latin typeface="Arial" panose="020B0604020202020204" pitchFamily="34" charset="0"/>
+              </a:rPr>
+              <a:t>, E., Lee, S., ... &amp; Batra, D. (2020). </a:t>
+            </a:r>
+            <a:r>
+              <a:rPr lang="en-US" sz="1600" b="1" i="0" dirty="0">
+                <a:solidFill>
+                  <a:srgbClr val="222222"/>
+                </a:solidFill>
+                <a:effectLst/>
+                <a:latin typeface="Arial" panose="020B0604020202020204" pitchFamily="34" charset="0"/>
+              </a:rPr>
+              <a:t>Sim2Real predictivity: Does evaluation in simulation predict real-world performance?</a:t>
+            </a:r>
+            <a:r>
+              <a:rPr lang="en-US" sz="1600" b="0" i="0" dirty="0">
+                <a:solidFill>
+                  <a:srgbClr val="222222"/>
+                </a:solidFill>
+                <a:effectLst/>
+                <a:latin typeface="Arial" panose="020B0604020202020204" pitchFamily="34" charset="0"/>
+              </a:rPr>
+              <a:t>. </a:t>
+            </a:r>
+            <a:r>
+              <a:rPr lang="en-US" sz="1600" b="0" i="1" dirty="0">
+                <a:solidFill>
+                  <a:srgbClr val="222222"/>
+                </a:solidFill>
+                <a:effectLst/>
+                <a:latin typeface="Arial" panose="020B0604020202020204" pitchFamily="34" charset="0"/>
+              </a:rPr>
+              <a:t>IEEE Robotics and Automation Letters</a:t>
+            </a:r>
+            <a:r>
+              <a:rPr lang="en-US" sz="1600" b="0" i="0" dirty="0">
+                <a:solidFill>
+                  <a:srgbClr val="222222"/>
+                </a:solidFill>
+                <a:effectLst/>
+                <a:latin typeface="Arial" panose="020B0604020202020204" pitchFamily="34" charset="0"/>
+              </a:rPr>
+              <a:t>, </a:t>
+            </a:r>
+            <a:r>
+              <a:rPr lang="en-US" sz="1600" b="0" i="1" dirty="0">
+                <a:solidFill>
+                  <a:srgbClr val="222222"/>
+                </a:solidFill>
+                <a:effectLst/>
+                <a:latin typeface="Arial" panose="020B0604020202020204" pitchFamily="34" charset="0"/>
+              </a:rPr>
+              <a:t>5</a:t>
+            </a:r>
+            <a:r>
+              <a:rPr lang="en-US" sz="1600" b="0" i="0" dirty="0">
+                <a:solidFill>
+                  <a:srgbClr val="222222"/>
+                </a:solidFill>
+                <a:effectLst/>
+                <a:latin typeface="Arial" panose="020B0604020202020204" pitchFamily="34" charset="0"/>
+              </a:rPr>
+              <a:t>(4), 6670-6677.</a:t>
+            </a:r>
+          </a:p>
+          <a:p>
+            <a:r>
+              <a:rPr lang="en-US" sz="1600" b="0" i="0" dirty="0">
+                <a:solidFill>
+                  <a:srgbClr val="222222"/>
+                </a:solidFill>
+                <a:effectLst/>
+                <a:latin typeface="Arial" panose="020B0604020202020204" pitchFamily="34" charset="0"/>
+              </a:rPr>
+              <a:t>Balaji, B., Mallya, S., </a:t>
+            </a:r>
+            <a:r>
+              <a:rPr lang="en-US" sz="1600" b="0" i="0" dirty="0" err="1">
+                <a:solidFill>
+                  <a:srgbClr val="222222"/>
+                </a:solidFill>
+                <a:effectLst/>
+                <a:latin typeface="Arial" panose="020B0604020202020204" pitchFamily="34" charset="0"/>
+              </a:rPr>
+              <a:t>Genc</a:t>
+            </a:r>
+            <a:r>
+              <a:rPr lang="en-US" sz="1600" b="0" i="0" dirty="0">
+                <a:solidFill>
+                  <a:srgbClr val="222222"/>
+                </a:solidFill>
+                <a:effectLst/>
+                <a:latin typeface="Arial" panose="020B0604020202020204" pitchFamily="34" charset="0"/>
+              </a:rPr>
+              <a:t>, S., Gupta, S., Dirac, L., </a:t>
+            </a:r>
+            <a:r>
+              <a:rPr lang="en-US" sz="1600" b="0" i="0" dirty="0" err="1">
+                <a:solidFill>
+                  <a:srgbClr val="222222"/>
+                </a:solidFill>
+                <a:effectLst/>
+                <a:latin typeface="Arial" panose="020B0604020202020204" pitchFamily="34" charset="0"/>
+              </a:rPr>
+              <a:t>Khare</a:t>
+            </a:r>
+            <a:r>
+              <a:rPr lang="en-US" sz="1600" b="0" i="0" dirty="0">
+                <a:solidFill>
+                  <a:srgbClr val="222222"/>
+                </a:solidFill>
+                <a:effectLst/>
+                <a:latin typeface="Arial" panose="020B0604020202020204" pitchFamily="34" charset="0"/>
+              </a:rPr>
+              <a:t>, V., ... &amp; </a:t>
+            </a:r>
+            <a:r>
+              <a:rPr lang="en-US" sz="1600" b="0" i="0" dirty="0" err="1">
+                <a:solidFill>
+                  <a:srgbClr val="222222"/>
+                </a:solidFill>
+                <a:effectLst/>
+                <a:latin typeface="Arial" panose="020B0604020202020204" pitchFamily="34" charset="0"/>
+              </a:rPr>
+              <a:t>Karuppasamy</a:t>
+            </a:r>
+            <a:r>
+              <a:rPr lang="en-US" sz="1600" b="0" i="0" dirty="0">
+                <a:solidFill>
+                  <a:srgbClr val="222222"/>
+                </a:solidFill>
+                <a:effectLst/>
+                <a:latin typeface="Arial" panose="020B0604020202020204" pitchFamily="34" charset="0"/>
+              </a:rPr>
+              <a:t>, D. (2019</a:t>
+            </a:r>
+            <a:r>
+              <a:rPr lang="en-US" sz="1600" b="1" i="0" dirty="0">
+                <a:solidFill>
+                  <a:srgbClr val="222222"/>
+                </a:solidFill>
+                <a:effectLst/>
+                <a:latin typeface="Arial" panose="020B0604020202020204" pitchFamily="34" charset="0"/>
+              </a:rPr>
+              <a:t>). </a:t>
+            </a:r>
+            <a:r>
+              <a:rPr lang="en-US" sz="1600" b="1" i="0" dirty="0" err="1">
+                <a:solidFill>
+                  <a:srgbClr val="222222"/>
+                </a:solidFill>
+                <a:effectLst/>
+                <a:latin typeface="Arial" panose="020B0604020202020204" pitchFamily="34" charset="0"/>
+              </a:rPr>
+              <a:t>Deepracer</a:t>
+            </a:r>
+            <a:r>
+              <a:rPr lang="en-US" sz="1600" b="1" i="0" dirty="0">
+                <a:solidFill>
+                  <a:srgbClr val="222222"/>
+                </a:solidFill>
+                <a:effectLst/>
+                <a:latin typeface="Arial" panose="020B0604020202020204" pitchFamily="34" charset="0"/>
+              </a:rPr>
+              <a:t>: Educational autonomous racing platform for experimentation with sim2real reinforcement learning</a:t>
+            </a:r>
+            <a:r>
+              <a:rPr lang="en-US" sz="1600" b="0" i="0" dirty="0">
+                <a:solidFill>
+                  <a:srgbClr val="222222"/>
+                </a:solidFill>
+                <a:effectLst/>
+                <a:latin typeface="Arial" panose="020B0604020202020204" pitchFamily="34" charset="0"/>
+              </a:rPr>
+              <a:t>. </a:t>
+            </a:r>
+            <a:r>
+              <a:rPr lang="en-US" sz="1600" b="0" i="1" dirty="0" err="1">
+                <a:solidFill>
+                  <a:srgbClr val="222222"/>
+                </a:solidFill>
+                <a:effectLst/>
+                <a:latin typeface="Arial" panose="020B0604020202020204" pitchFamily="34" charset="0"/>
+              </a:rPr>
+              <a:t>arXiv</a:t>
+            </a:r>
+            <a:r>
+              <a:rPr lang="en-US" sz="1600" b="0" i="1" dirty="0">
+                <a:solidFill>
+                  <a:srgbClr val="222222"/>
+                </a:solidFill>
+                <a:effectLst/>
+                <a:latin typeface="Arial" panose="020B0604020202020204" pitchFamily="34" charset="0"/>
+              </a:rPr>
+              <a:t> preprint arXiv:1911.01562</a:t>
+            </a:r>
+            <a:r>
+              <a:rPr lang="en-US" sz="1600" b="0" i="0" dirty="0">
+                <a:solidFill>
+                  <a:srgbClr val="222222"/>
+                </a:solidFill>
+                <a:effectLst/>
+                <a:latin typeface="Arial" panose="020B0604020202020204" pitchFamily="34" charset="0"/>
+              </a:rPr>
+              <a:t>.</a:t>
+            </a:r>
+          </a:p>
+        </p:txBody>
+      </p:sp>
+      <p:sp>
+        <p:nvSpPr>
+          <p:cNvPr id="4" name="TextBox 3">
+            <a:extLst>
+              <a:ext uri="{FF2B5EF4-FFF2-40B4-BE49-F238E27FC236}">
+                <a16:creationId xmlns:a16="http://schemas.microsoft.com/office/drawing/2014/main" id="{33BE7D7F-AC40-4D26-9336-90B0F41BF4C9}"/>
+              </a:ext>
+            </a:extLst>
+          </p:cNvPr>
+          <p:cNvSpPr txBox="1"/>
+          <p:nvPr/>
+        </p:nvSpPr>
+        <p:spPr bwMode="gray">
+          <a:xfrm>
+            <a:off x="3415325" y="1684160"/>
+            <a:ext cx="7940429" cy="369332"/>
+          </a:xfrm>
+          <a:prstGeom prst="rect">
+            <a:avLst/>
+          </a:prstGeom>
+          <a:solidFill>
+            <a:schemeClr val="accent3">
+              <a:lumMod val="60000"/>
+              <a:lumOff val="40000"/>
+            </a:schemeClr>
+          </a:solidFill>
+          <a:ln>
+            <a:solidFill>
+              <a:schemeClr val="accent3">
+                <a:lumMod val="50000"/>
+              </a:schemeClr>
+            </a:solidFill>
+          </a:ln>
+        </p:spPr>
+        <p:txBody>
+          <a:bodyPr wrap="square">
+            <a:spAutoFit/>
+          </a:bodyPr>
+          <a:lstStyle/>
+          <a:p>
+            <a:pPr algn="ctr"/>
+            <a:r>
               <a:rPr lang="en-US" b="1" dirty="0"/>
-              <a:t>1- Hidden Markov Model</a:t>
-            </a:r>
-          </a:p>
-          <a:p>
-            <a:r>
-              <a:rPr lang="en-US" dirty="0"/>
-              <a:t>Study how to move the HMM implemented in the Python side to the Java side</a:t>
-            </a:r>
-          </a:p>
-          <a:p>
-            <a:r>
-              <a:rPr lang="en-US" b="1" dirty="0"/>
-              <a:t>2- Failure Inject Mechanism</a:t>
-            </a:r>
-          </a:p>
-          <a:p>
-            <a:r>
-              <a:rPr lang="en-US" dirty="0"/>
-              <a:t>Study how to generate failure injects that reflect that failure propagation patterns</a:t>
-            </a:r>
-          </a:p>
-          <a:p>
-            <a:r>
-              <a:rPr lang="en-US" b="1" dirty="0"/>
-              <a:t>3- Reinforcement Learning</a:t>
-            </a:r>
-          </a:p>
-          <a:p>
-            <a:r>
-              <a:rPr lang="en-US" dirty="0"/>
-              <a:t>Study how to replace the Supervised Learning controller (Regression) with a Self-Supervised One (RL)</a:t>
-            </a:r>
-          </a:p>
-          <a:p>
-            <a:r>
-              <a:rPr lang="en-US" b="1" dirty="0"/>
-              <a:t>4- Monitoring</a:t>
-            </a:r>
-          </a:p>
-          <a:p>
-            <a:r>
-              <a:rPr lang="en-US" dirty="0"/>
-              <a:t>Study how to visualize the utility, risk, and mechanism gap between the Real and Simulated (Digital-Twin)</a:t>
-            </a:r>
-          </a:p>
-          <a:p>
-            <a:r>
-              <a:rPr lang="en-US" b="1" dirty="0"/>
-              <a:t>5- Adversarial Tests </a:t>
-            </a:r>
-          </a:p>
-          <a:p>
-            <a:r>
-              <a:rPr lang="en-US" dirty="0"/>
-              <a:t>Study how to generate stress tests that show how policies that have equivalent predictive outcome at training present distinct outcomes at adversarial test sets</a:t>
-            </a:r>
+              <a:t>How to prevent catastrophic forgetting in sim2real</a:t>
+            </a:r>
+            <a:endParaRPr lang="en-US" dirty="0"/>
           </a:p>
         </p:txBody>
       </p:sp>
+      <p:pic>
+        <p:nvPicPr>
+          <p:cNvPr id="6" name="Picture 5">
+            <a:extLst>
+              <a:ext uri="{FF2B5EF4-FFF2-40B4-BE49-F238E27FC236}">
+                <a16:creationId xmlns:a16="http://schemas.microsoft.com/office/drawing/2014/main" id="{6CB9FCBF-4D20-4A30-934C-5C09CCFB3F06}"/>
+              </a:ext>
+            </a:extLst>
+          </p:cNvPr>
+          <p:cNvPicPr>
+            <a:picLocks noChangeAspect="1"/>
+          </p:cNvPicPr>
+          <p:nvPr/>
+        </p:nvPicPr>
+        <p:blipFill>
+          <a:blip r:embed="rId2"/>
+          <a:stretch>
+            <a:fillRect/>
+          </a:stretch>
+        </p:blipFill>
+        <p:spPr>
+          <a:xfrm>
+            <a:off x="7612185" y="2481570"/>
+            <a:ext cx="3549021" cy="1894860"/>
+          </a:xfrm>
+          <a:prstGeom prst="rect">
+            <a:avLst/>
+          </a:prstGeom>
+          <a:ln>
+            <a:solidFill>
+              <a:schemeClr val="accent3">
+                <a:lumMod val="50000"/>
+              </a:schemeClr>
+            </a:solidFill>
+          </a:ln>
+        </p:spPr>
+      </p:pic>
     </p:spTree>
     <p:extLst>
       <p:ext uri="{BB962C8B-B14F-4D97-AF65-F5344CB8AC3E}">
-        <p14:creationId xmlns:p14="http://schemas.microsoft.com/office/powerpoint/2010/main" val="3304893578"/>
+        <p14:creationId xmlns:p14="http://schemas.microsoft.com/office/powerpoint/2010/main" val="2593839450"/>
       </p:ext>
     </p:extLst>
   </p:cSld>
@@ -17921,6 +17842,151 @@
       </p:grpSpPr>
       <p:sp>
         <p:nvSpPr>
+          <p:cNvPr id="2" name="Title 1">
+            <a:extLst>
+              <a:ext uri="{FF2B5EF4-FFF2-40B4-BE49-F238E27FC236}">
+                <a16:creationId xmlns:a16="http://schemas.microsoft.com/office/drawing/2014/main" id="{11A8CBFF-0157-4F46-BA09-2E0740AE8DBF}"/>
+              </a:ext>
+            </a:extLst>
+          </p:cNvPr>
+          <p:cNvSpPr>
+            <a:spLocks noGrp="1"/>
+          </p:cNvSpPr>
+          <p:nvPr>
+            <p:ph type="title"/>
+          </p:nvPr>
+        </p:nvSpPr>
+        <p:spPr/>
+        <p:txBody>
+          <a:bodyPr/>
+          <a:lstStyle/>
+          <a:p>
+            <a:r>
+              <a:rPr lang="en-US" dirty="0"/>
+              <a:t>Preliminary Work-Packages</a:t>
+            </a:r>
+          </a:p>
+        </p:txBody>
+      </p:sp>
+      <p:sp>
+        <p:nvSpPr>
+          <p:cNvPr id="3" name="Content Placeholder 2">
+            <a:extLst>
+              <a:ext uri="{FF2B5EF4-FFF2-40B4-BE49-F238E27FC236}">
+                <a16:creationId xmlns:a16="http://schemas.microsoft.com/office/drawing/2014/main" id="{A3D61C00-2676-49F3-820E-54CB294C68D4}"/>
+              </a:ext>
+            </a:extLst>
+          </p:cNvPr>
+          <p:cNvSpPr>
+            <a:spLocks noGrp="1"/>
+          </p:cNvSpPr>
+          <p:nvPr>
+            <p:ph idx="1"/>
+          </p:nvPr>
+        </p:nvSpPr>
+        <p:spPr>
+          <a:xfrm>
+            <a:off x="478369" y="1213308"/>
+            <a:ext cx="11473384" cy="5387629"/>
+          </a:xfrm>
+        </p:spPr>
+        <p:txBody>
+          <a:bodyPr/>
+          <a:lstStyle/>
+          <a:p>
+            <a:r>
+              <a:rPr lang="en-US" b="1" dirty="0"/>
+              <a:t>1- Hidden Markov Model</a:t>
+            </a:r>
+          </a:p>
+          <a:p>
+            <a:r>
+              <a:rPr lang="en-US" dirty="0"/>
+              <a:t>Study how to move the HMM implemented in the Python side to the Java side</a:t>
+            </a:r>
+          </a:p>
+          <a:p>
+            <a:r>
+              <a:rPr lang="en-US" b="1" dirty="0"/>
+              <a:t>2- Failure Inject Mechanism</a:t>
+            </a:r>
+          </a:p>
+          <a:p>
+            <a:r>
+              <a:rPr lang="en-US" dirty="0"/>
+              <a:t>Study how to generate failure injects that reflect that failure propagation patterns</a:t>
+            </a:r>
+          </a:p>
+          <a:p>
+            <a:r>
+              <a:rPr lang="en-US" b="1" dirty="0"/>
+              <a:t>3- Reinforcement Learning</a:t>
+            </a:r>
+          </a:p>
+          <a:p>
+            <a:r>
+              <a:rPr lang="en-US" dirty="0"/>
+              <a:t>Study how to replace the Supervised Learning controller (Regression) with a Self-Supervised One (RL)</a:t>
+            </a:r>
+          </a:p>
+          <a:p>
+            <a:r>
+              <a:rPr lang="en-US" b="1" dirty="0"/>
+              <a:t>4- Monitoring</a:t>
+            </a:r>
+          </a:p>
+          <a:p>
+            <a:r>
+              <a:rPr lang="en-US" dirty="0"/>
+              <a:t>Study how to visualize the utility, risk, and mechanism gap between the Real and Simulated (Digital-Twin)</a:t>
+            </a:r>
+          </a:p>
+          <a:p>
+            <a:r>
+              <a:rPr lang="en-US" b="1" dirty="0"/>
+              <a:t>5- Adversarial Tests </a:t>
+            </a:r>
+          </a:p>
+          <a:p>
+            <a:r>
+              <a:rPr lang="en-US" dirty="0"/>
+              <a:t>Study how to generate stress tests that show how policies that have equivalent predictive outcome at training present distinct outcomes at adversarial test sets</a:t>
+            </a:r>
+          </a:p>
+        </p:txBody>
+      </p:sp>
+    </p:spTree>
+    <p:extLst>
+      <p:ext uri="{BB962C8B-B14F-4D97-AF65-F5344CB8AC3E}">
+        <p14:creationId xmlns:p14="http://schemas.microsoft.com/office/powerpoint/2010/main" val="3304893578"/>
+      </p:ext>
+    </p:extLst>
+  </p:cSld>
+  <p:clrMapOvr>
+    <a:masterClrMapping/>
+  </p:clrMapOvr>
+</p:sld>
+</file>
+
+<file path=ppt/slides/slide22.xml><?xml version="1.0" encoding="utf-8"?>
+<p:sld xmlns:a="http://schemas.openxmlformats.org/drawingml/2006/main" xmlns:r="http://schemas.openxmlformats.org/officeDocument/2006/relationships" xmlns:p="http://schemas.openxmlformats.org/presentationml/2006/main">
+  <p:cSld>
+    <p:spTree>
+      <p:nvGrpSpPr>
+        <p:cNvPr id="1" name=""/>
+        <p:cNvGrpSpPr/>
+        <p:nvPr/>
+      </p:nvGrpSpPr>
+      <p:grpSpPr>
+        <a:xfrm>
+          <a:off x="0" y="0"/>
+          <a:ext cx="0" cy="0"/>
+          <a:chOff x="0" y="0"/>
+          <a:chExt cx="0" cy="0"/>
+        </a:xfrm>
+      </p:grpSpPr>
+      <p:sp>
+        <p:nvSpPr>
           <p:cNvPr id="8" name="Text Placeholder 7"/>
           <p:cNvSpPr>
             <a:spLocks noGrp="1"/>
@@ -18130,7 +18196,7 @@
           <a:p>
             <a:fld id="{B6764590-B09C-4C10-8479-FDA70719B682}" type="slidenum">
               <a:rPr lang="de-DE" smtClean="0"/>
-              <a:t>21</a:t>
+              <a:t>22</a:t>
             </a:fld>
             <a:endParaRPr lang="de-DE"/>
           </a:p>
@@ -18283,7 +18349,7 @@
 </p:sld>
 </file>
 
-<file path=ppt/slides/slide22.xml><?xml version="1.0" encoding="utf-8"?>
+<file path=ppt/slides/slide23.xml><?xml version="1.0" encoding="utf-8"?>
 <p:sld xmlns:a="http://schemas.openxmlformats.org/drawingml/2006/main" xmlns:r="http://schemas.openxmlformats.org/officeDocument/2006/relationships" xmlns:p="http://schemas.openxmlformats.org/presentationml/2006/main">
   <p:cSld>
     <p:spTree>
@@ -18546,234 +18612,6 @@
   <p:transition>
     <p:fade/>
   </p:transition>
-</p:sld>
-</file>
-
-<file path=ppt/slides/slide23.xml><?xml version="1.0" encoding="utf-8"?>
-<p:sld xmlns:a="http://schemas.openxmlformats.org/drawingml/2006/main" xmlns:r="http://schemas.openxmlformats.org/officeDocument/2006/relationships" xmlns:p="http://schemas.openxmlformats.org/presentationml/2006/main">
-  <p:cSld>
-    <p:spTree>
-      <p:nvGrpSpPr>
-        <p:cNvPr id="1" name=""/>
-        <p:cNvGrpSpPr/>
-        <p:nvPr/>
-      </p:nvGrpSpPr>
-      <p:grpSpPr>
-        <a:xfrm>
-          <a:off x="0" y="0"/>
-          <a:ext cx="0" cy="0"/>
-          <a:chOff x="0" y="0"/>
-          <a:chExt cx="0" cy="0"/>
-        </a:xfrm>
-      </p:grpSpPr>
-      <p:sp>
-        <p:nvSpPr>
-          <p:cNvPr id="4" name="Title 3">
-            <a:extLst>
-              <a:ext uri="{FF2B5EF4-FFF2-40B4-BE49-F238E27FC236}">
-                <a16:creationId xmlns:a16="http://schemas.microsoft.com/office/drawing/2014/main" id="{E7EBB6C5-1871-444B-AD84-356DE1BC2905}"/>
-              </a:ext>
-            </a:extLst>
-          </p:cNvPr>
-          <p:cNvSpPr>
-            <a:spLocks noGrp="1"/>
-          </p:cNvSpPr>
-          <p:nvPr>
-            <p:ph type="ctrTitle"/>
-          </p:nvPr>
-        </p:nvSpPr>
-        <p:spPr>
-          <a:xfrm>
-            <a:off x="478368" y="4656578"/>
-            <a:ext cx="11228913" cy="1001364"/>
-          </a:xfrm>
-          <a:noFill/>
-        </p:spPr>
-        <p:txBody>
-          <a:bodyPr/>
-          <a:lstStyle/>
-          <a:p>
-            <a:r>
-              <a:rPr lang="en-US" dirty="0"/>
-              <a:t>END</a:t>
-            </a:r>
-          </a:p>
-        </p:txBody>
-      </p:sp>
-    </p:spTree>
-    <p:extLst>
-      <p:ext uri="{BB962C8B-B14F-4D97-AF65-F5344CB8AC3E}">
-        <p14:creationId xmlns:p14="http://schemas.microsoft.com/office/powerpoint/2010/main" val="3752993035"/>
-      </p:ext>
-    </p:extLst>
-  </p:cSld>
-  <p:clrMapOvr>
-    <a:masterClrMapping/>
-  </p:clrMapOvr>
-  <p:transition spd="slow">
-    <p:wipe dir="d"/>
-  </p:transition>
-</p:sld>
-</file>
-
-<file path=ppt/slides/slide24.xml><?xml version="1.0" encoding="utf-8"?>
-<p:sld xmlns:a="http://schemas.openxmlformats.org/drawingml/2006/main" xmlns:r="http://schemas.openxmlformats.org/officeDocument/2006/relationships" xmlns:p="http://schemas.openxmlformats.org/presentationml/2006/main">
-  <p:cSld>
-    <p:spTree>
-      <p:nvGrpSpPr>
-        <p:cNvPr id="1" name=""/>
-        <p:cNvGrpSpPr/>
-        <p:nvPr/>
-      </p:nvGrpSpPr>
-      <p:grpSpPr>
-        <a:xfrm>
-          <a:off x="0" y="0"/>
-          <a:ext cx="0" cy="0"/>
-          <a:chOff x="0" y="0"/>
-          <a:chExt cx="0" cy="0"/>
-        </a:xfrm>
-      </p:grpSpPr>
-      <p:sp>
-        <p:nvSpPr>
-          <p:cNvPr id="2" name="Title 1">
-            <a:extLst>
-              <a:ext uri="{FF2B5EF4-FFF2-40B4-BE49-F238E27FC236}">
-                <a16:creationId xmlns:a16="http://schemas.microsoft.com/office/drawing/2014/main" id="{E322B738-C400-4B84-B983-3AA5487A1AD1}"/>
-              </a:ext>
-            </a:extLst>
-          </p:cNvPr>
-          <p:cNvSpPr>
-            <a:spLocks noGrp="1"/>
-          </p:cNvSpPr>
-          <p:nvPr>
-            <p:ph type="title"/>
-          </p:nvPr>
-        </p:nvSpPr>
-        <p:spPr/>
-        <p:txBody>
-          <a:bodyPr/>
-          <a:lstStyle/>
-          <a:p>
-            <a:r>
-              <a:rPr lang="en-US" dirty="0"/>
-              <a:t>Previous task</a:t>
-            </a:r>
-          </a:p>
-        </p:txBody>
-      </p:sp>
-      <p:sp>
-        <p:nvSpPr>
-          <p:cNvPr id="3" name="Content Placeholder 2">
-            <a:extLst>
-              <a:ext uri="{FF2B5EF4-FFF2-40B4-BE49-F238E27FC236}">
-                <a16:creationId xmlns:a16="http://schemas.microsoft.com/office/drawing/2014/main" id="{FBCFE5B0-EB76-4AD6-87A9-DDCF8EBAEB6C}"/>
-              </a:ext>
-            </a:extLst>
-          </p:cNvPr>
-          <p:cNvSpPr>
-            <a:spLocks noGrp="1"/>
-          </p:cNvSpPr>
-          <p:nvPr>
-            <p:ph idx="1"/>
-          </p:nvPr>
-        </p:nvSpPr>
-        <p:spPr>
-          <a:xfrm>
-            <a:off x="478369" y="1213308"/>
-            <a:ext cx="11473384" cy="3900042"/>
-          </a:xfrm>
-        </p:spPr>
-        <p:txBody>
-          <a:bodyPr/>
-          <a:lstStyle/>
-          <a:p>
-            <a:r>
-              <a:rPr lang="en-US" dirty="0"/>
-              <a:t>Think about answers to the for the following questions:</a:t>
-            </a:r>
-            <a:endParaRPr lang="en-US" b="1" dirty="0"/>
-          </a:p>
-          <a:p>
-            <a:pPr marL="457200" indent="-457200">
-              <a:buFont typeface="+mj-lt"/>
-              <a:buAutoNum type="arabicPeriod"/>
-            </a:pPr>
-            <a:r>
-              <a:rPr lang="en-US" dirty="0"/>
-              <a:t>How to generate test-data?</a:t>
-            </a:r>
-          </a:p>
-          <a:p>
-            <a:pPr marL="457200" indent="-457200">
-              <a:buFont typeface="+mj-lt"/>
-              <a:buAutoNum type="arabicPeriod"/>
-            </a:pPr>
-            <a:r>
-              <a:rPr lang="en-US" dirty="0"/>
-              <a:t>How to generate distribution shifts? How much shift (how to measure it)?</a:t>
-            </a:r>
-          </a:p>
-          <a:p>
-            <a:pPr marL="457200" indent="-457200">
-              <a:buFont typeface="+mj-lt"/>
-              <a:buAutoNum type="arabicPeriod"/>
-            </a:pPr>
-            <a:r>
-              <a:rPr lang="en-US" dirty="0"/>
-              <a:t>How to train distinct models that perform equally well on test data?</a:t>
-            </a:r>
-          </a:p>
-          <a:p>
-            <a:pPr marL="457200" indent="-457200">
-              <a:buFont typeface="+mj-lt"/>
-              <a:buAutoNum type="arabicPeriod"/>
-            </a:pPr>
-            <a:r>
-              <a:rPr lang="en-US" dirty="0"/>
-              <a:t>How do you know that two models are distinct?</a:t>
-            </a:r>
-          </a:p>
-          <a:p>
-            <a:pPr marL="457200" indent="-457200">
-              <a:buFont typeface="+mj-lt"/>
-              <a:buAutoNum type="arabicPeriod"/>
-            </a:pPr>
-            <a:r>
-              <a:rPr lang="en-US" dirty="0"/>
-              <a:t>How do you know that they perform equally well on the test data?</a:t>
-            </a:r>
-          </a:p>
-          <a:p>
-            <a:pPr marL="457200" indent="-457200">
-              <a:buFont typeface="+mj-lt"/>
-              <a:buAutoNum type="arabicPeriod"/>
-            </a:pPr>
-            <a:r>
-              <a:rPr lang="en-US" dirty="0"/>
-              <a:t>Preliminary assignment and ideas for the work-packages</a:t>
-            </a:r>
-          </a:p>
-          <a:p>
-            <a:endParaRPr lang="en-US" dirty="0"/>
-          </a:p>
-          <a:p>
-            <a:r>
-              <a:rPr lang="en-US" dirty="0"/>
-              <a:t>Suggested Deadline = Nov 16 (present during lecture)</a:t>
-            </a:r>
-          </a:p>
-        </p:txBody>
-      </p:sp>
-    </p:spTree>
-    <p:extLst>
-      <p:ext uri="{BB962C8B-B14F-4D97-AF65-F5344CB8AC3E}">
-        <p14:creationId xmlns:p14="http://schemas.microsoft.com/office/powerpoint/2010/main" val="2113557211"/>
-      </p:ext>
-    </p:extLst>
-  </p:cSld>
-  <p:clrMapOvr>
-    <a:masterClrMapping/>
-  </p:clrMapOvr>
 </p:sld>
 </file>
 

--- a/slides/6. Safe RL.pptx
+++ b/slides/6. Safe RL.pptx
@@ -5,7 +5,7 @@
     <p:sldMasterId id="2147483660" r:id="rId1"/>
   </p:sldMasterIdLst>
   <p:notesMasterIdLst>
-    <p:notesMasterId r:id="rId25"/>
+    <p:notesMasterId r:id="rId24"/>
   </p:notesMasterIdLst>
   <p:sldIdLst>
     <p:sldId id="256" r:id="rId2"/>
@@ -30,7 +30,6 @@
     <p:sldId id="511" r:id="rId21"/>
     <p:sldId id="506" r:id="rId22"/>
     <p:sldId id="258" r:id="rId23"/>
-    <p:sldId id="529" r:id="rId24"/>
   </p:sldIdLst>
   <p:sldSz cx="12192000" cy="6858000"/>
   <p:notesSz cx="6858000" cy="9144000"/>
@@ -16181,7 +16180,7 @@
           <a:p>
             <a:r>
               <a:rPr lang="en-US" dirty="0"/>
-              <a:t>Next Tasks</a:t>
+              <a:t>Next Tasks (papers are in the Zotero repo)</a:t>
             </a:r>
           </a:p>
         </p:txBody>
@@ -16205,16 +16204,149 @@
         <p:spPr>
           <a:xfrm>
             <a:off x="478369" y="1213308"/>
-            <a:ext cx="11473384" cy="3002360"/>
+            <a:ext cx="11473384" cy="5231176"/>
           </a:xfrm>
         </p:spPr>
         <p:txBody>
           <a:bodyPr/>
           <a:lstStyle/>
           <a:p>
-            <a:r>
-              <a:rPr lang="en-US" dirty="0"/>
-              <a:t>Choose one of the Safety-RL papers to read and write a gist (8 lines)</a:t>
+            <a:pPr marL="0" marR="0" lvl="0" indent="0" algn="l" defTabSz="914400" rtl="0" eaLnBrk="1" fontAlgn="auto" latinLnBrk="0" hangingPunct="1">
+              <a:lnSpc>
+                <a:spcPct val="100000"/>
+              </a:lnSpc>
+              <a:spcBef>
+                <a:spcPts val="0"/>
+              </a:spcBef>
+              <a:spcAft>
+                <a:spcPts val="0"/>
+              </a:spcAft>
+              <a:buClrTx/>
+              <a:buSzTx/>
+              <a:buFontTx/>
+              <a:buNone/>
+              <a:tabLst/>
+              <a:defRPr/>
+            </a:pPr>
+            <a:r>
+              <a:rPr lang="en-US" sz="1800" b="1" dirty="0">
+                <a:latin typeface="+mj-lt"/>
+              </a:rPr>
+              <a:t>1. Safety Challenges in AI and RL</a:t>
+            </a:r>
+          </a:p>
+          <a:p>
+            <a:pPr marL="0" marR="0" lvl="0" indent="0" algn="l" defTabSz="914400" rtl="0" eaLnBrk="1" fontAlgn="auto" latinLnBrk="0" hangingPunct="1">
+              <a:lnSpc>
+                <a:spcPct val="100000"/>
+              </a:lnSpc>
+              <a:spcBef>
+                <a:spcPts val="0"/>
+              </a:spcBef>
+              <a:spcAft>
+                <a:spcPts val="0"/>
+              </a:spcAft>
+              <a:buClrTx/>
+              <a:buSzTx/>
+              <a:buFontTx/>
+              <a:buNone/>
+              <a:tabLst/>
+              <a:defRPr/>
+            </a:pPr>
+            <a:r>
+              <a:rPr lang="en-US" sz="1800" dirty="0">
+                <a:effectLst/>
+                <a:latin typeface="+mj-lt"/>
+              </a:rPr>
+              <a:t>- </a:t>
+            </a:r>
+            <a:r>
+              <a:rPr lang="en-US" sz="1800" dirty="0" err="1">
+                <a:effectLst/>
+                <a:latin typeface="+mj-lt"/>
+              </a:rPr>
+              <a:t>Dulac</a:t>
+            </a:r>
+            <a:r>
+              <a:rPr lang="en-US" sz="1800" dirty="0">
+                <a:effectLst/>
+                <a:latin typeface="+mj-lt"/>
+              </a:rPr>
+              <a:t>-Arnold, Mankowitz, Hester, 2019, </a:t>
+            </a:r>
+            <a:r>
+              <a:rPr lang="en-US" sz="1800" dirty="0">
+                <a:latin typeface="+mj-lt"/>
+              </a:rPr>
+              <a:t>Challenges of Real-World Reinforcement Learning</a:t>
+            </a:r>
+            <a:endParaRPr lang="it-IT" sz="1800" dirty="0">
+              <a:latin typeface="+mj-lt"/>
+            </a:endParaRPr>
+          </a:p>
+          <a:p>
+            <a:pPr marL="0" marR="0" lvl="0" indent="0" algn="l" defTabSz="914400" rtl="0" eaLnBrk="1" fontAlgn="auto" latinLnBrk="0" hangingPunct="1">
+              <a:lnSpc>
+                <a:spcPct val="100000"/>
+              </a:lnSpc>
+              <a:spcBef>
+                <a:spcPts val="0"/>
+              </a:spcBef>
+              <a:spcAft>
+                <a:spcPts val="0"/>
+              </a:spcAft>
+              <a:buClrTx/>
+              <a:buSzTx/>
+              <a:buFontTx/>
+              <a:buNone/>
+              <a:tabLst/>
+              <a:defRPr/>
+            </a:pPr>
+            <a:r>
+              <a:rPr lang="it-IT" sz="1800" dirty="0">
+                <a:latin typeface="+mj-lt"/>
+              </a:rPr>
+              <a:t>- Amodei et al., 2016, Concrete </a:t>
+            </a:r>
+            <a:r>
+              <a:rPr lang="it-IT" sz="1800" dirty="0" err="1">
+                <a:latin typeface="+mj-lt"/>
+              </a:rPr>
+              <a:t>Problems</a:t>
+            </a:r>
+            <a:r>
+              <a:rPr lang="it-IT" sz="1800" dirty="0">
+                <a:latin typeface="+mj-lt"/>
+              </a:rPr>
+              <a:t> in AI </a:t>
+            </a:r>
+            <a:r>
+              <a:rPr lang="it-IT" sz="1800" dirty="0" err="1">
+                <a:latin typeface="+mj-lt"/>
+              </a:rPr>
+              <a:t>Safety</a:t>
+            </a:r>
+            <a:r>
+              <a:rPr lang="it-IT" sz="1800" dirty="0">
+                <a:latin typeface="+mj-lt"/>
+              </a:rPr>
+              <a:t> - https://arxiv.org/abs/1606.06565</a:t>
+            </a:r>
+            <a:endParaRPr lang="en-US" sz="1800" dirty="0">
+              <a:latin typeface="+mj-lt"/>
+            </a:endParaRPr>
+          </a:p>
+          <a:p>
+            <a:endParaRPr lang="en-US" dirty="0">
+              <a:latin typeface="+mj-lt"/>
+            </a:endParaRPr>
+          </a:p>
+          <a:p>
+            <a:r>
+              <a:rPr lang="en-US" b="1" dirty="0">
+                <a:latin typeface="+mj-lt"/>
+              </a:rPr>
+              <a:t>2. Choose one of the Safety-RL papers to read and write a gist (8 lines)</a:t>
             </a:r>
           </a:p>
           <a:p>
@@ -16223,15 +16355,21 @@
               <a:buChar char="•"/>
             </a:pPr>
             <a:r>
-              <a:rPr lang="en-US" dirty="0"/>
+              <a:rPr lang="en-US" dirty="0">
+                <a:latin typeface="+mj-lt"/>
+              </a:rPr>
               <a:t>Context (domain and how it might relate to </a:t>
             </a:r>
             <a:r>
-              <a:rPr lang="en-US" dirty="0" err="1"/>
+              <a:rPr lang="en-US" dirty="0" err="1">
+                <a:latin typeface="+mj-lt"/>
+              </a:rPr>
               <a:t>mRubis</a:t>
             </a:r>
             <a:r>
-              <a:rPr lang="en-US" dirty="0"/>
+              <a:rPr lang="en-US" dirty="0">
+                <a:latin typeface="+mj-lt"/>
+              </a:rPr>
               <a:t>) </a:t>
             </a:r>
           </a:p>
@@ -16241,7 +16379,9 @@
               <a:buChar char="•"/>
             </a:pPr>
             <a:r>
-              <a:rPr lang="en-US" dirty="0"/>
+              <a:rPr lang="en-US" dirty="0">
+                <a:latin typeface="+mj-lt"/>
+              </a:rPr>
               <a:t>Problem (what, why it matters, why is it challenging)</a:t>
             </a:r>
           </a:p>
@@ -16251,25 +16391,56 @@
               <a:buChar char="•"/>
             </a:pPr>
             <a:r>
-              <a:rPr lang="en-US" dirty="0"/>
+              <a:rPr lang="en-US" dirty="0">
+                <a:latin typeface="+mj-lt"/>
+              </a:rPr>
               <a:t>Approach (why is it a good idea/insight, how it works, how it compares with others)</a:t>
             </a:r>
           </a:p>
           <a:p>
+            <a:r>
+              <a:rPr lang="en-US" b="1" dirty="0">
+                <a:latin typeface="+mj-lt"/>
+              </a:rPr>
+              <a:t>3. Choose one of the Sim2Real papers and write a gist (8 lines)</a:t>
+            </a:r>
+          </a:p>
+          <a:p>
+            <a:endParaRPr lang="en-US" dirty="0">
+              <a:latin typeface="+mj-lt"/>
+            </a:endParaRPr>
+          </a:p>
+          <a:p>
+            <a:r>
+              <a:rPr lang="en-US" dirty="0">
+                <a:latin typeface="+mj-lt"/>
+              </a:rPr>
+              <a:t>For tasks 2 and 3, please check the following folders in Zotero:</a:t>
+            </a:r>
+          </a:p>
+          <a:p>
             <a:pPr marL="342900" indent="-342900">
-              <a:buFont typeface="Arial" panose="020B0604020202020204" pitchFamily="34" charset="0"/>
-              <a:buChar char="•"/>
+              <a:buFontTx/>
+              <a:buChar char="-"/>
             </a:pPr>
-            <a:endParaRPr lang="en-US" dirty="0"/>
-          </a:p>
-          <a:p>
-            <a:r>
-              <a:rPr lang="en-US" dirty="0"/>
-              <a:t>Choose on of the Sim2Real papers and write a gist (8 lines)</a:t>
-            </a:r>
-          </a:p>
-          <a:p>
-            <a:endParaRPr lang="en-US" dirty="0"/>
+            <a:r>
+              <a:rPr lang="en-US" dirty="0">
+                <a:latin typeface="+mj-lt"/>
+              </a:rPr>
+              <a:t>Safety (reinforcement learning)</a:t>
+            </a:r>
+          </a:p>
+          <a:p>
+            <a:pPr marL="342900" indent="-342900">
+              <a:buFontTx/>
+              <a:buChar char="-"/>
+            </a:pPr>
+            <a:r>
+              <a:rPr lang="en-US" dirty="0">
+                <a:latin typeface="+mj-lt"/>
+              </a:rPr>
+              <a:t>Sim2Real</a:t>
+            </a:r>
           </a:p>
         </p:txBody>
       </p:sp>
@@ -18346,272 +18517,6 @@
       <p:transition/>
     </mc:Fallback>
   </mc:AlternateContent>
-</p:sld>
-</file>
-
-<file path=ppt/slides/slide23.xml><?xml version="1.0" encoding="utf-8"?>
-<p:sld xmlns:a="http://schemas.openxmlformats.org/drawingml/2006/main" xmlns:r="http://schemas.openxmlformats.org/officeDocument/2006/relationships" xmlns:p="http://schemas.openxmlformats.org/presentationml/2006/main">
-  <p:cSld>
-    <p:spTree>
-      <p:nvGrpSpPr>
-        <p:cNvPr id="1" name=""/>
-        <p:cNvGrpSpPr/>
-        <p:nvPr/>
-      </p:nvGrpSpPr>
-      <p:grpSpPr>
-        <a:xfrm>
-          <a:off x="0" y="0"/>
-          <a:ext cx="0" cy="0"/>
-          <a:chOff x="0" y="0"/>
-          <a:chExt cx="0" cy="0"/>
-        </a:xfrm>
-      </p:grpSpPr>
-      <p:sp>
-        <p:nvSpPr>
-          <p:cNvPr id="2" name="Text Placeholder 1">
-            <a:extLst>
-              <a:ext uri="{FF2B5EF4-FFF2-40B4-BE49-F238E27FC236}">
-                <a16:creationId xmlns:a16="http://schemas.microsoft.com/office/drawing/2014/main" id="{6389F93E-E8EC-4EA3-B94D-5D9C8EE09183}"/>
-              </a:ext>
-            </a:extLst>
-          </p:cNvPr>
-          <p:cNvSpPr>
-            <a:spLocks noGrp="1"/>
-          </p:cNvSpPr>
-          <p:nvPr>
-            <p:ph type="body" sz="quarter" idx="13"/>
-          </p:nvPr>
-        </p:nvSpPr>
-        <p:spPr>
-          <a:xfrm>
-            <a:off x="478369" y="1225486"/>
-            <a:ext cx="11474451" cy="3034036"/>
-          </a:xfrm>
-        </p:spPr>
-        <p:txBody>
-          <a:bodyPr/>
-          <a:lstStyle/>
-          <a:p>
-            <a:pPr marL="0" marR="0" lvl="0" indent="0" algn="l" defTabSz="914400" rtl="0" eaLnBrk="1" fontAlgn="auto" latinLnBrk="0" hangingPunct="1">
-              <a:lnSpc>
-                <a:spcPct val="100000"/>
-              </a:lnSpc>
-              <a:spcBef>
-                <a:spcPts val="0"/>
-              </a:spcBef>
-              <a:spcAft>
-                <a:spcPts val="0"/>
-              </a:spcAft>
-              <a:buClrTx/>
-              <a:buSzTx/>
-              <a:buFontTx/>
-              <a:buNone/>
-              <a:tabLst/>
-              <a:defRPr/>
-            </a:pPr>
-            <a:r>
-              <a:rPr lang="en-US" sz="1900" b="1" dirty="0">
-                <a:latin typeface="+mj-lt"/>
-              </a:rPr>
-              <a:t>Read the papers</a:t>
-            </a:r>
-          </a:p>
-          <a:p>
-            <a:pPr marL="0" marR="0" lvl="0" indent="0" algn="l" defTabSz="914400" rtl="0" eaLnBrk="1" fontAlgn="auto" latinLnBrk="0" hangingPunct="1">
-              <a:lnSpc>
-                <a:spcPct val="100000"/>
-              </a:lnSpc>
-              <a:spcBef>
-                <a:spcPts val="0"/>
-              </a:spcBef>
-              <a:spcAft>
-                <a:spcPts val="0"/>
-              </a:spcAft>
-              <a:buClrTx/>
-              <a:buSzTx/>
-              <a:buFontTx/>
-              <a:buNone/>
-              <a:tabLst/>
-              <a:defRPr/>
-            </a:pPr>
-            <a:r>
-              <a:rPr lang="en-US" sz="1900" dirty="0">
-                <a:effectLst/>
-                <a:latin typeface="+mj-lt"/>
-              </a:rPr>
-              <a:t>- </a:t>
-            </a:r>
-            <a:r>
-              <a:rPr lang="en-US" sz="1900" dirty="0" err="1">
-                <a:effectLst/>
-                <a:latin typeface="+mj-lt"/>
-              </a:rPr>
-              <a:t>Dulac</a:t>
-            </a:r>
-            <a:r>
-              <a:rPr lang="en-US" sz="1900" dirty="0">
-                <a:effectLst/>
-                <a:latin typeface="+mj-lt"/>
-              </a:rPr>
-              <a:t>-Arnold, Mankowitz, Hester, 2019, </a:t>
-            </a:r>
-            <a:r>
-              <a:rPr lang="en-US" sz="1900" dirty="0">
-                <a:latin typeface="+mj-lt"/>
-              </a:rPr>
-              <a:t>Challenges of Real-World Reinforcement Learning</a:t>
-            </a:r>
-            <a:endParaRPr lang="it-IT" sz="1900" dirty="0">
-              <a:latin typeface="+mj-lt"/>
-            </a:endParaRPr>
-          </a:p>
-          <a:p>
-            <a:pPr marL="0" marR="0" lvl="0" indent="0" algn="l" defTabSz="914400" rtl="0" eaLnBrk="1" fontAlgn="auto" latinLnBrk="0" hangingPunct="1">
-              <a:lnSpc>
-                <a:spcPct val="100000"/>
-              </a:lnSpc>
-              <a:spcBef>
-                <a:spcPts val="0"/>
-              </a:spcBef>
-              <a:spcAft>
-                <a:spcPts val="0"/>
-              </a:spcAft>
-              <a:buClrTx/>
-              <a:buSzTx/>
-              <a:buFontTx/>
-              <a:buNone/>
-              <a:tabLst/>
-              <a:defRPr/>
-            </a:pPr>
-            <a:r>
-              <a:rPr lang="it-IT" sz="1900" dirty="0">
-                <a:latin typeface="+mj-lt"/>
-              </a:rPr>
-              <a:t>- Amodei et al., 2016, Concrete </a:t>
-            </a:r>
-            <a:r>
-              <a:rPr lang="it-IT" sz="1900" dirty="0" err="1">
-                <a:latin typeface="+mj-lt"/>
-              </a:rPr>
-              <a:t>Problems</a:t>
-            </a:r>
-            <a:r>
-              <a:rPr lang="it-IT" sz="1900" dirty="0">
-                <a:latin typeface="+mj-lt"/>
-              </a:rPr>
-              <a:t> in AI </a:t>
-            </a:r>
-            <a:r>
-              <a:rPr lang="it-IT" sz="1900" dirty="0" err="1">
-                <a:latin typeface="+mj-lt"/>
-              </a:rPr>
-              <a:t>Safety</a:t>
-            </a:r>
-            <a:r>
-              <a:rPr lang="it-IT" sz="1900" dirty="0">
-                <a:latin typeface="+mj-lt"/>
-              </a:rPr>
-              <a:t> - https://arxiv.org/abs/1606.06565</a:t>
-            </a:r>
-            <a:endParaRPr lang="en-US" sz="1900" dirty="0">
-              <a:latin typeface="+mj-lt"/>
-            </a:endParaRPr>
-          </a:p>
-          <a:p>
-            <a:endParaRPr lang="en-US" sz="1900" dirty="0">
-              <a:latin typeface="+mj-lt"/>
-            </a:endParaRPr>
-          </a:p>
-          <a:p>
-            <a:pPr marL="0" indent="0">
-              <a:buNone/>
-            </a:pPr>
-            <a:r>
-              <a:rPr lang="en-US" sz="1900" b="1" dirty="0">
-                <a:latin typeface="+mj-lt"/>
-              </a:rPr>
-              <a:t>Select a paper to read individually</a:t>
-            </a:r>
-          </a:p>
-          <a:p>
-            <a:pPr marL="0" indent="0">
-              <a:buNone/>
-            </a:pPr>
-            <a:r>
-              <a:rPr lang="en-US" sz="1900" dirty="0">
-                <a:latin typeface="+mj-lt"/>
-              </a:rPr>
-              <a:t>- One of the Safe RL </a:t>
-            </a:r>
-          </a:p>
-          <a:p>
-            <a:pPr marL="0" indent="0">
-              <a:buNone/>
-            </a:pPr>
-            <a:r>
-              <a:rPr lang="en-US" sz="1900" dirty="0">
-                <a:latin typeface="+mj-lt"/>
-              </a:rPr>
-              <a:t>- Or others from </a:t>
-            </a:r>
-            <a:r>
-              <a:rPr lang="en-US" sz="1900">
-                <a:latin typeface="+mj-lt"/>
-              </a:rPr>
-              <a:t>a list Chris will provide</a:t>
-            </a:r>
-            <a:endParaRPr lang="en-US" sz="1900" dirty="0">
-              <a:latin typeface="+mj-lt"/>
-            </a:endParaRPr>
-          </a:p>
-          <a:p>
-            <a:endParaRPr lang="en-US" sz="1900" dirty="0">
-              <a:latin typeface="+mj-lt"/>
-            </a:endParaRPr>
-          </a:p>
-        </p:txBody>
-      </p:sp>
-      <p:sp>
-        <p:nvSpPr>
-          <p:cNvPr id="3" name="Title 2">
-            <a:extLst>
-              <a:ext uri="{FF2B5EF4-FFF2-40B4-BE49-F238E27FC236}">
-                <a16:creationId xmlns:a16="http://schemas.microsoft.com/office/drawing/2014/main" id="{1A05762B-6BAA-4DA6-9A25-DE6FD5A219B6}"/>
-              </a:ext>
-            </a:extLst>
-          </p:cNvPr>
-          <p:cNvSpPr>
-            <a:spLocks noGrp="1"/>
-          </p:cNvSpPr>
-          <p:nvPr>
-            <p:ph type="title"/>
-          </p:nvPr>
-        </p:nvSpPr>
-        <p:spPr/>
-        <p:txBody>
-          <a:bodyPr/>
-          <a:lstStyle/>
-          <a:p>
-            <a:r>
-              <a:rPr lang="en-US" dirty="0"/>
-              <a:t>Tasks</a:t>
-            </a:r>
-          </a:p>
-        </p:txBody>
-      </p:sp>
-    </p:spTree>
-    <p:extLst>
-      <p:ext uri="{BB962C8B-B14F-4D97-AF65-F5344CB8AC3E}">
-        <p14:creationId xmlns:p14="http://schemas.microsoft.com/office/powerpoint/2010/main" val="2171664389"/>
-      </p:ext>
-    </p:extLst>
-  </p:cSld>
-  <p:clrMapOvr>
-    <a:masterClrMapping/>
-  </p:clrMapOvr>
-  <p:transition>
-    <p:fade/>
-  </p:transition>
 </p:sld>
 </file>
 

--- a/slides/6. Safe RL.pptx
+++ b/slides/6. Safe RL.pptx
@@ -5,7 +5,7 @@
     <p:sldMasterId id="2147483660" r:id="rId1"/>
   </p:sldMasterIdLst>
   <p:notesMasterIdLst>
-    <p:notesMasterId r:id="rId24"/>
+    <p:notesMasterId r:id="rId25"/>
   </p:notesMasterIdLst>
   <p:sldIdLst>
     <p:sldId id="256" r:id="rId2"/>
@@ -20,16 +20,17 @@
     <p:sldId id="509" r:id="rId11"/>
     <p:sldId id="314" r:id="rId12"/>
     <p:sldId id="528" r:id="rId13"/>
-    <p:sldId id="286" r:id="rId14"/>
-    <p:sldId id="522" r:id="rId15"/>
-    <p:sldId id="284" r:id="rId16"/>
-    <p:sldId id="285" r:id="rId17"/>
-    <p:sldId id="523" r:id="rId18"/>
-    <p:sldId id="524" r:id="rId19"/>
-    <p:sldId id="300" r:id="rId20"/>
-    <p:sldId id="511" r:id="rId21"/>
-    <p:sldId id="506" r:id="rId22"/>
-    <p:sldId id="258" r:id="rId23"/>
+    <p:sldId id="529" r:id="rId14"/>
+    <p:sldId id="286" r:id="rId15"/>
+    <p:sldId id="522" r:id="rId16"/>
+    <p:sldId id="284" r:id="rId17"/>
+    <p:sldId id="285" r:id="rId18"/>
+    <p:sldId id="523" r:id="rId19"/>
+    <p:sldId id="524" r:id="rId20"/>
+    <p:sldId id="300" r:id="rId21"/>
+    <p:sldId id="511" r:id="rId22"/>
+    <p:sldId id="506" r:id="rId23"/>
+    <p:sldId id="258" r:id="rId24"/>
   </p:sldIdLst>
   <p:sldSz cx="12192000" cy="6858000"/>
   <p:notesSz cx="6858000" cy="9144000"/>
@@ -218,7 +219,7 @@
           <a:p>
             <a:fld id="{1B6E2612-5213-4B6B-99A8-BAC5DC9C4481}" type="datetimeFigureOut">
               <a:rPr lang="en-US" smtClean="0"/>
-              <a:t>11/18/2021</a:t>
+              <a:t>2/23/2022</a:t>
             </a:fld>
             <a:endParaRPr lang="en-US"/>
           </a:p>
@@ -675,7 +676,7 @@
           <a:p>
             <a:fld id="{9271DED1-4C91-4561-A99B-E6676363E223}" type="slidenum">
               <a:rPr lang="en-US" smtClean="0"/>
-              <a:t>15</a:t>
+              <a:t>16</a:t>
             </a:fld>
             <a:endParaRPr lang="en-US"/>
           </a:p>
@@ -772,7 +773,7 @@
           <a:p>
             <a:fld id="{6F5E3EB3-4474-4F6D-B7CC-AA304012D246}" type="slidenum">
               <a:rPr lang="en-US" smtClean="0"/>
-              <a:t>16</a:t>
+              <a:t>17</a:t>
             </a:fld>
             <a:endParaRPr lang="en-US"/>
           </a:p>
@@ -920,7 +921,7 @@
           <a:p>
             <a:fld id="{6F5E3EB3-4474-4F6D-B7CC-AA304012D246}" type="slidenum">
               <a:rPr lang="en-US" smtClean="0"/>
-              <a:t>17</a:t>
+              <a:t>18</a:t>
             </a:fld>
             <a:endParaRPr lang="en-US"/>
           </a:p>
@@ -2274,7 +2275,7 @@
           <a:p>
             <a:fld id="{6F5E3EB3-4474-4F6D-B7CC-AA304012D246}" type="slidenum">
               <a:rPr lang="en-US" smtClean="0"/>
-              <a:t>14</a:t>
+              <a:t>15</a:t>
             </a:fld>
             <a:endParaRPr lang="en-US"/>
           </a:p>
@@ -4017,7 +4018,7 @@
           <a:p>
             <a:fld id="{4DDB5538-DA78-4C2C-BF6B-9485BBAF1D80}" type="datetimeFigureOut">
               <a:rPr lang="en-US" smtClean="0"/>
-              <a:t>11/18/2021</a:t>
+              <a:t>2/23/2022</a:t>
             </a:fld>
             <a:endParaRPr lang="en-US"/>
           </a:p>
@@ -4306,7 +4307,7 @@
           <a:p>
             <a:fld id="{4DDB5538-DA78-4C2C-BF6B-9485BBAF1D80}" type="datetimeFigureOut">
               <a:rPr lang="en-US" smtClean="0"/>
-              <a:t>11/18/2021</a:t>
+              <a:t>2/23/2022</a:t>
             </a:fld>
             <a:endParaRPr lang="en-US"/>
           </a:p>
@@ -4595,7 +4596,7 @@
           <a:p>
             <a:fld id="{4DDB5538-DA78-4C2C-BF6B-9485BBAF1D80}" type="datetimeFigureOut">
               <a:rPr lang="en-US" smtClean="0"/>
-              <a:t>11/18/2021</a:t>
+              <a:t>2/23/2022</a:t>
             </a:fld>
             <a:endParaRPr lang="en-US"/>
           </a:p>
@@ -4884,7 +4885,7 @@
           <a:p>
             <a:fld id="{4DDB5538-DA78-4C2C-BF6B-9485BBAF1D80}" type="datetimeFigureOut">
               <a:rPr lang="en-US" smtClean="0"/>
-              <a:t>11/18/2021</a:t>
+              <a:t>2/23/2022</a:t>
             </a:fld>
             <a:endParaRPr lang="en-US"/>
           </a:p>
@@ -5121,7 +5122,7 @@
           <a:p>
             <a:fld id="{4DDB5538-DA78-4C2C-BF6B-9485BBAF1D80}" type="datetimeFigureOut">
               <a:rPr lang="en-US" smtClean="0"/>
-              <a:t>11/18/2021</a:t>
+              <a:t>2/23/2022</a:t>
             </a:fld>
             <a:endParaRPr lang="en-US"/>
           </a:p>
@@ -5578,7 +5579,7 @@
           <a:p>
             <a:fld id="{4DDB5538-DA78-4C2C-BF6B-9485BBAF1D80}" type="datetimeFigureOut">
               <a:rPr lang="en-US" smtClean="0"/>
-              <a:t>11/18/2021</a:t>
+              <a:t>2/23/2022</a:t>
             </a:fld>
             <a:endParaRPr lang="en-US"/>
           </a:p>
@@ -8217,7 +8218,7 @@
           <a:p>
             <a:fld id="{4DDB5538-DA78-4C2C-BF6B-9485BBAF1D80}" type="datetimeFigureOut">
               <a:rPr lang="en-US" smtClean="0"/>
-              <a:t>11/18/2021</a:t>
+              <a:t>2/23/2022</a:t>
             </a:fld>
             <a:endParaRPr lang="en-US"/>
           </a:p>
@@ -8467,7 +8468,7 @@
           <a:p>
             <a:fld id="{4DDB5538-DA78-4C2C-BF6B-9485BBAF1D80}" type="datetimeFigureOut">
               <a:rPr lang="en-US" smtClean="0"/>
-              <a:t>11/18/2021</a:t>
+              <a:t>2/23/2022</a:t>
             </a:fld>
             <a:endParaRPr lang="en-US"/>
           </a:p>
@@ -8853,7 +8854,7 @@
           <a:p>
             <a:fld id="{4DDB5538-DA78-4C2C-BF6B-9485BBAF1D80}" type="datetimeFigureOut">
               <a:rPr lang="en-US" smtClean="0"/>
-              <a:t>11/18/2021</a:t>
+              <a:t>2/23/2022</a:t>
             </a:fld>
             <a:endParaRPr lang="en-US"/>
           </a:p>
@@ -9113,7 +9114,7 @@
           <a:p>
             <a:fld id="{4DDB5538-DA78-4C2C-BF6B-9485BBAF1D80}" type="datetimeFigureOut">
               <a:rPr lang="en-US" smtClean="0"/>
-              <a:t>11/18/2021</a:t>
+              <a:t>2/23/2022</a:t>
             </a:fld>
             <a:endParaRPr lang="en-US"/>
           </a:p>
@@ -12914,6 +12915,517 @@
           <p:cNvPr id="2" name="Title 1">
             <a:extLst>
               <a:ext uri="{FF2B5EF4-FFF2-40B4-BE49-F238E27FC236}">
+                <a16:creationId xmlns:a16="http://schemas.microsoft.com/office/drawing/2014/main" id="{ADFA64D9-F54C-47AF-B013-A4E18BF73C0B}"/>
+              </a:ext>
+            </a:extLst>
+          </p:cNvPr>
+          <p:cNvSpPr>
+            <a:spLocks noGrp="1"/>
+          </p:cNvSpPr>
+          <p:nvPr>
+            <p:ph type="title"/>
+          </p:nvPr>
+        </p:nvSpPr>
+        <p:spPr/>
+        <p:txBody>
+          <a:bodyPr/>
+          <a:lstStyle/>
+          <a:p>
+            <a:r>
+              <a:rPr lang="en-US" dirty="0"/>
+              <a:t>Deep Neural Network Challenges - References</a:t>
+            </a:r>
+          </a:p>
+        </p:txBody>
+      </p:sp>
+      <p:sp>
+        <p:nvSpPr>
+          <p:cNvPr id="3" name="Content Placeholder 2">
+            <a:extLst>
+              <a:ext uri="{FF2B5EF4-FFF2-40B4-BE49-F238E27FC236}">
+                <a16:creationId xmlns:a16="http://schemas.microsoft.com/office/drawing/2014/main" id="{1C299D57-19DD-4226-A9DB-C5ADC28ABC7F}"/>
+              </a:ext>
+            </a:extLst>
+          </p:cNvPr>
+          <p:cNvSpPr>
+            <a:spLocks noGrp="1"/>
+          </p:cNvSpPr>
+          <p:nvPr>
+            <p:ph idx="1"/>
+          </p:nvPr>
+        </p:nvSpPr>
+        <p:spPr>
+          <a:xfrm>
+            <a:off x="478369" y="1215198"/>
+            <a:ext cx="4923810" cy="4847481"/>
+          </a:xfrm>
+        </p:spPr>
+        <p:txBody>
+          <a:bodyPr/>
+          <a:lstStyle/>
+          <a:p>
+            <a:r>
+              <a:rPr lang="en-US" sz="1800" b="0" i="0" dirty="0">
+                <a:solidFill>
+                  <a:srgbClr val="0D0D0D"/>
+                </a:solidFill>
+                <a:effectLst/>
+                <a:latin typeface="IvarText"/>
+              </a:rPr>
+              <a:t>[0] https://spectrum.ieee.org/ai-failures</a:t>
+            </a:r>
+          </a:p>
+          <a:p>
+            <a:r>
+              <a:rPr lang="en-US" sz="1800" b="0" i="0" dirty="0">
+                <a:solidFill>
+                  <a:srgbClr val="0D0D0D"/>
+                </a:solidFill>
+                <a:effectLst/>
+                <a:latin typeface="IvarText"/>
+              </a:rPr>
+              <a:t>[1] https://ieeexplore.ieee.org/document/8578273</a:t>
+            </a:r>
+          </a:p>
+          <a:p>
+            <a:r>
+              <a:rPr lang="en-US" sz="1800" b="0" i="0" dirty="0">
+                <a:solidFill>
+                  <a:srgbClr val="0D0D0D"/>
+                </a:solidFill>
+                <a:effectLst/>
+                <a:latin typeface="IvarText"/>
+              </a:rPr>
+              <a:t>[2] https://arxiv.org/abs/1710.08864</a:t>
+            </a:r>
+          </a:p>
+          <a:p>
+            <a:r>
+              <a:rPr lang="en-US" sz="1800" b="0" i="0" dirty="0">
+                <a:solidFill>
+                  <a:srgbClr val="0D0D0D"/>
+                </a:solidFill>
+                <a:effectLst/>
+                <a:latin typeface="IvarText"/>
+              </a:rPr>
+              <a:t>[3] http://anhnguyen.me/project/fooling/</a:t>
+            </a:r>
+          </a:p>
+          <a:p>
+            <a:r>
+              <a:rPr lang="en-US" sz="1800" b="0" i="0" dirty="0">
+                <a:solidFill>
+                  <a:srgbClr val="0D0D0D"/>
+                </a:solidFill>
+                <a:effectLst/>
+                <a:latin typeface="IvarText"/>
+              </a:rPr>
+              <a:t>[4] https://spectrum.ieee.org/the-human-os/biomedical/imaging/medical-imaging-ai-software-vulnerable-to-covert-attacks</a:t>
+            </a:r>
+          </a:p>
+          <a:p>
+            <a:r>
+              <a:rPr lang="en-US" sz="1800" b="0" i="0" dirty="0">
+                <a:solidFill>
+                  <a:srgbClr val="0D0D0D"/>
+                </a:solidFill>
+                <a:effectLst/>
+                <a:latin typeface="IvarText"/>
+              </a:rPr>
+              <a:t>[5] https://spectrum.ieee.org/racial-bias-found-in-algorithms-that-determine-health-care-for-millions-of-patients</a:t>
+            </a:r>
+          </a:p>
+          <a:p>
+            <a:r>
+              <a:rPr lang="en-US" sz="1800" dirty="0">
+                <a:solidFill>
+                  <a:srgbClr val="0D0D0D"/>
+                </a:solidFill>
+                <a:latin typeface="IvarText"/>
+              </a:rPr>
+              <a:t>[6] https://spectrum.ieee.org/what-is-deepfake</a:t>
+            </a:r>
+          </a:p>
+          <a:p>
+            <a:r>
+              <a:rPr lang="en-US" sz="1800" dirty="0">
+                <a:solidFill>
+                  <a:srgbClr val="0D0D0D"/>
+                </a:solidFill>
+                <a:latin typeface="IvarText"/>
+              </a:rPr>
+              <a:t>[7] http://anhnguyen.me/project/sam/</a:t>
+            </a:r>
+          </a:p>
+        </p:txBody>
+      </p:sp>
+      <p:sp>
+        <p:nvSpPr>
+          <p:cNvPr id="4" name="Content Placeholder 2">
+            <a:extLst>
+              <a:ext uri="{FF2B5EF4-FFF2-40B4-BE49-F238E27FC236}">
+                <a16:creationId xmlns:a16="http://schemas.microsoft.com/office/drawing/2014/main" id="{A2AC8ACA-68C1-4F08-A69F-82A147C8FE48}"/>
+              </a:ext>
+            </a:extLst>
+          </p:cNvPr>
+          <p:cNvSpPr txBox="1">
+            <a:spLocks/>
+          </p:cNvSpPr>
+          <p:nvPr/>
+        </p:nvSpPr>
+        <p:spPr bwMode="gray">
+          <a:xfrm>
+            <a:off x="5996853" y="1215198"/>
+            <a:ext cx="4923810" cy="5193729"/>
+          </a:xfrm>
+          <a:prstGeom prst="rect">
+            <a:avLst/>
+          </a:prstGeom>
+        </p:spPr>
+        <p:txBody>
+          <a:bodyPr vert="horz" lIns="0" tIns="0" rIns="0" bIns="0" rtlCol="0" anchor="t" anchorCtr="0">
+            <a:spAutoFit/>
+          </a:bodyPr>
+          <a:lstStyle>
+            <a:lvl1pPr marL="0" indent="0" algn="l" defTabSz="1219170" rtl="0" eaLnBrk="1" latinLnBrk="0" hangingPunct="1">
+              <a:lnSpc>
+                <a:spcPts val="2667"/>
+              </a:lnSpc>
+              <a:spcBef>
+                <a:spcPts val="400"/>
+              </a:spcBef>
+              <a:spcAft>
+                <a:spcPts val="400"/>
+              </a:spcAft>
+              <a:buFont typeface="Arial" panose="020B0604020202020204" pitchFamily="34" charset="0"/>
+              <a:buNone/>
+              <a:defRPr sz="1867" kern="1200">
+                <a:solidFill>
+                  <a:schemeClr val="tx1"/>
+                </a:solidFill>
+                <a:latin typeface="+mn-lt"/>
+                <a:ea typeface="+mn-ea"/>
+                <a:cs typeface="+mn-cs"/>
+              </a:defRPr>
+            </a:lvl1pPr>
+            <a:lvl2pPr marL="241294" indent="-241294" algn="l" defTabSz="1219170" rtl="0" eaLnBrk="1" latinLnBrk="0" hangingPunct="1">
+              <a:lnSpc>
+                <a:spcPts val="2667"/>
+              </a:lnSpc>
+              <a:spcBef>
+                <a:spcPts val="400"/>
+              </a:spcBef>
+              <a:spcAft>
+                <a:spcPts val="400"/>
+              </a:spcAft>
+              <a:buClr>
+                <a:schemeClr val="accent1"/>
+              </a:buClr>
+              <a:buSzPct val="100000"/>
+              <a:buFont typeface="Arial" panose="020B0604020202020204" pitchFamily="34" charset="0"/>
+              <a:buChar char="■"/>
+              <a:defRPr sz="1867" kern="1200">
+                <a:solidFill>
+                  <a:schemeClr val="tx1"/>
+                </a:solidFill>
+                <a:latin typeface="+mn-lt"/>
+                <a:ea typeface="+mn-ea"/>
+                <a:cs typeface="+mn-cs"/>
+              </a:defRPr>
+            </a:lvl2pPr>
+            <a:lvl3pPr marL="479988" indent="-239994" algn="l" defTabSz="1219170" rtl="0" eaLnBrk="1" latinLnBrk="0" hangingPunct="1">
+              <a:lnSpc>
+                <a:spcPts val="2667"/>
+              </a:lnSpc>
+              <a:spcBef>
+                <a:spcPts val="400"/>
+              </a:spcBef>
+              <a:spcAft>
+                <a:spcPts val="400"/>
+              </a:spcAft>
+              <a:buClr>
+                <a:schemeClr val="accent1"/>
+              </a:buClr>
+              <a:buSzPct val="100000"/>
+              <a:buFont typeface="Arial" panose="020B0604020202020204" pitchFamily="34" charset="0"/>
+              <a:buChar char="□"/>
+              <a:defRPr sz="1867" kern="1200">
+                <a:solidFill>
+                  <a:schemeClr val="tx1"/>
+                </a:solidFill>
+                <a:latin typeface="+mn-lt"/>
+                <a:ea typeface="+mn-ea"/>
+                <a:cs typeface="+mn-cs"/>
+              </a:defRPr>
+            </a:lvl3pPr>
+            <a:lvl4pPr marL="717533" indent="-239994" algn="l" defTabSz="1219170" rtl="0" eaLnBrk="1" latinLnBrk="0" hangingPunct="1">
+              <a:lnSpc>
+                <a:spcPts val="2667"/>
+              </a:lnSpc>
+              <a:spcBef>
+                <a:spcPts val="400"/>
+              </a:spcBef>
+              <a:spcAft>
+                <a:spcPts val="400"/>
+              </a:spcAft>
+              <a:buClr>
+                <a:schemeClr val="accent1"/>
+              </a:buClr>
+              <a:buSzPct val="100000"/>
+              <a:buFont typeface="Arial" panose="020B0604020202020204" pitchFamily="34" charset="0"/>
+              <a:buChar char="–"/>
+              <a:defRPr sz="1867" kern="1200">
+                <a:solidFill>
+                  <a:schemeClr val="tx1"/>
+                </a:solidFill>
+                <a:latin typeface="+mn-lt"/>
+                <a:ea typeface="+mn-ea"/>
+                <a:cs typeface="+mn-cs"/>
+              </a:defRPr>
+            </a:lvl4pPr>
+            <a:lvl5pPr marL="359991" indent="-359991" algn="l" defTabSz="1219170" rtl="0" eaLnBrk="1" latinLnBrk="0" hangingPunct="1">
+              <a:lnSpc>
+                <a:spcPts val="2667"/>
+              </a:lnSpc>
+              <a:spcBef>
+                <a:spcPts val="400"/>
+              </a:spcBef>
+              <a:spcAft>
+                <a:spcPts val="400"/>
+              </a:spcAft>
+              <a:buClr>
+                <a:schemeClr val="accent1"/>
+              </a:buClr>
+              <a:buSzPct val="100000"/>
+              <a:buFont typeface="+mj-lt"/>
+              <a:buAutoNum type="arabicPeriod"/>
+              <a:defRPr sz="1867" kern="1200">
+                <a:solidFill>
+                  <a:schemeClr val="tx1"/>
+                </a:solidFill>
+                <a:latin typeface="+mn-lt"/>
+                <a:ea typeface="+mn-ea"/>
+                <a:cs typeface="+mn-cs"/>
+              </a:defRPr>
+            </a:lvl5pPr>
+            <a:lvl6pPr marL="719982" indent="-359991" algn="l" defTabSz="1219170" rtl="0" eaLnBrk="1" latinLnBrk="0" hangingPunct="1">
+              <a:lnSpc>
+                <a:spcPts val="2667"/>
+              </a:lnSpc>
+              <a:spcBef>
+                <a:spcPts val="400"/>
+              </a:spcBef>
+              <a:spcAft>
+                <a:spcPts val="400"/>
+              </a:spcAft>
+              <a:buClr>
+                <a:schemeClr val="accent1"/>
+              </a:buClr>
+              <a:buSzPct val="100000"/>
+              <a:buFont typeface="+mj-lt"/>
+              <a:buAutoNum type="alphaLcParenR"/>
+              <a:defRPr sz="1867" kern="1200">
+                <a:solidFill>
+                  <a:schemeClr val="tx1"/>
+                </a:solidFill>
+                <a:latin typeface="+mn-lt"/>
+                <a:ea typeface="+mn-ea"/>
+                <a:cs typeface="+mn-cs"/>
+              </a:defRPr>
+            </a:lvl6pPr>
+            <a:lvl7pPr marL="0" indent="0" algn="l" defTabSz="1219170" rtl="0" eaLnBrk="1" latinLnBrk="0" hangingPunct="1">
+              <a:lnSpc>
+                <a:spcPts val="2800"/>
+              </a:lnSpc>
+              <a:spcBef>
+                <a:spcPts val="533"/>
+              </a:spcBef>
+              <a:spcAft>
+                <a:spcPts val="533"/>
+              </a:spcAft>
+              <a:buClr>
+                <a:schemeClr val="accent1"/>
+              </a:buClr>
+              <a:buSzPct val="90000"/>
+              <a:buFont typeface="Arial" panose="020B0604020202020204" pitchFamily="34" charset="0"/>
+              <a:buNone/>
+              <a:defRPr sz="2133" kern="1200" cap="all" baseline="0">
+                <a:solidFill>
+                  <a:schemeClr val="accent1"/>
+                </a:solidFill>
+                <a:latin typeface="+mn-lt"/>
+                <a:ea typeface="+mn-ea"/>
+                <a:cs typeface="+mn-cs"/>
+              </a:defRPr>
+            </a:lvl7pPr>
+            <a:lvl8pPr marL="0" indent="0" algn="l" defTabSz="1219170" rtl="0" eaLnBrk="1" latinLnBrk="0" hangingPunct="1">
+              <a:lnSpc>
+                <a:spcPts val="2800"/>
+              </a:lnSpc>
+              <a:spcBef>
+                <a:spcPts val="533"/>
+              </a:spcBef>
+              <a:spcAft>
+                <a:spcPts val="533"/>
+              </a:spcAft>
+              <a:buFont typeface="Arial" panose="020B0604020202020204" pitchFamily="34" charset="0"/>
+              <a:buNone/>
+              <a:defRPr sz="2133" b="0" kern="1200" cap="all" baseline="0">
+                <a:solidFill>
+                  <a:schemeClr val="accent1"/>
+                </a:solidFill>
+                <a:latin typeface="+mn-lt"/>
+                <a:ea typeface="+mn-ea"/>
+                <a:cs typeface="+mn-cs"/>
+              </a:defRPr>
+            </a:lvl8pPr>
+            <a:lvl9pPr marL="0" indent="0" algn="l" defTabSz="1219170" rtl="0" eaLnBrk="1" latinLnBrk="0" hangingPunct="1">
+              <a:lnSpc>
+                <a:spcPts val="2800"/>
+              </a:lnSpc>
+              <a:spcBef>
+                <a:spcPts val="533"/>
+              </a:spcBef>
+              <a:spcAft>
+                <a:spcPts val="533"/>
+              </a:spcAft>
+              <a:buFont typeface="Arial" panose="020B0604020202020204" pitchFamily="34" charset="0"/>
+              <a:buNone/>
+              <a:defRPr sz="2133" b="0" kern="1200" cap="all" baseline="0">
+                <a:solidFill>
+                  <a:schemeClr val="accent1"/>
+                </a:solidFill>
+                <a:latin typeface="+mn-lt"/>
+                <a:ea typeface="+mn-ea"/>
+                <a:cs typeface="+mn-cs"/>
+              </a:defRPr>
+            </a:lvl9pPr>
+          </a:lstStyle>
+          <a:p>
+            <a:r>
+              <a:rPr lang="en-US" sz="1800" dirty="0">
+                <a:solidFill>
+                  <a:srgbClr val="0D0D0D"/>
+                </a:solidFill>
+                <a:latin typeface="IvarText"/>
+              </a:rPr>
+              <a:t>[8] https://spectrum.ieee.org/fatal-tesla-autopilot-crash-reminds-us-that-robots-arent-perfect</a:t>
+            </a:r>
+          </a:p>
+          <a:p>
+            <a:r>
+              <a:rPr lang="en-US" sz="1800" dirty="0">
+                <a:solidFill>
+                  <a:srgbClr val="0D0D0D"/>
+                </a:solidFill>
+                <a:latin typeface="IvarText"/>
+              </a:rPr>
+              <a:t>[9] https://www.tesla.com/blog/tragic-loss</a:t>
+            </a:r>
+          </a:p>
+          <a:p>
+            <a:r>
+              <a:rPr lang="en-US" sz="1800" dirty="0">
+                <a:solidFill>
+                  <a:srgbClr val="0D0D0D"/>
+                </a:solidFill>
+                <a:latin typeface="IvarText"/>
+              </a:rPr>
+              <a:t>[10] https://arxiv.org/abs/2011.06225</a:t>
+            </a:r>
+          </a:p>
+          <a:p>
+            <a:r>
+              <a:rPr lang="en-US" sz="1800" dirty="0">
+                <a:solidFill>
+                  <a:srgbClr val="0D0D0D"/>
+                </a:solidFill>
+                <a:latin typeface="IvarText"/>
+              </a:rPr>
+              <a:t>[11] https://www.sciencedirect.com/science/article/pii/S0010482521002122</a:t>
+            </a:r>
+          </a:p>
+          <a:p>
+            <a:r>
+              <a:rPr lang="en-US" sz="1800" dirty="0">
+                <a:solidFill>
+                  <a:srgbClr val="0D0D0D"/>
+                </a:solidFill>
+                <a:latin typeface="IvarText"/>
+              </a:rPr>
+              <a:t>[12] https://arxiv.org/abs/2005.02439</a:t>
+            </a:r>
+          </a:p>
+          <a:p>
+            <a:r>
+              <a:rPr lang="en-US" sz="1800" dirty="0">
+                <a:solidFill>
+                  <a:srgbClr val="0D0D0D"/>
+                </a:solidFill>
+                <a:latin typeface="IvarText"/>
+              </a:rPr>
+              <a:t>[13] https://arxiv.org/abs/2010.12779</a:t>
+            </a:r>
+          </a:p>
+          <a:p>
+            <a:r>
+              <a:rPr lang="en-US" sz="1800" dirty="0">
+                <a:solidFill>
+                  <a:srgbClr val="0D0D0D"/>
+                </a:solidFill>
+                <a:latin typeface="IvarText"/>
+              </a:rPr>
+              <a:t>[14] https://viterbischool.usc.edu/news/2020/11/new-test-reveals-ai-still-lacks-common-sense/</a:t>
+            </a:r>
+          </a:p>
+          <a:p>
+            <a:r>
+              <a:rPr lang="en-US" sz="1800" dirty="0">
+                <a:solidFill>
+                  <a:srgbClr val="0D0D0D"/>
+                </a:solidFill>
+                <a:latin typeface="IvarText"/>
+              </a:rPr>
+              <a:t>[15] https://arxiv.org/abs/2103.03874</a:t>
+            </a:r>
+          </a:p>
+        </p:txBody>
+      </p:sp>
+    </p:spTree>
+    <p:extLst>
+      <p:ext uri="{BB962C8B-B14F-4D97-AF65-F5344CB8AC3E}">
+        <p14:creationId xmlns:p14="http://schemas.microsoft.com/office/powerpoint/2010/main" val="1563314528"/>
+      </p:ext>
+    </p:extLst>
+  </p:cSld>
+  <p:clrMapOvr>
+    <a:masterClrMapping/>
+  </p:clrMapOvr>
+</p:sld>
+</file>
+
+<file path=ppt/slides/slide14.xml><?xml version="1.0" encoding="utf-8"?>
+<p:sld xmlns:a="http://schemas.openxmlformats.org/drawingml/2006/main" xmlns:r="http://schemas.openxmlformats.org/officeDocument/2006/relationships" xmlns:p="http://schemas.openxmlformats.org/presentationml/2006/main">
+  <p:cSld>
+    <p:spTree>
+      <p:nvGrpSpPr>
+        <p:cNvPr id="1" name=""/>
+        <p:cNvGrpSpPr/>
+        <p:nvPr/>
+      </p:nvGrpSpPr>
+      <p:grpSpPr>
+        <a:xfrm>
+          <a:off x="0" y="0"/>
+          <a:ext cx="0" cy="0"/>
+          <a:chOff x="0" y="0"/>
+          <a:chExt cx="0" cy="0"/>
+        </a:xfrm>
+      </p:grpSpPr>
+      <p:sp>
+        <p:nvSpPr>
+          <p:cNvPr id="2" name="Title 1">
+            <a:extLst>
+              <a:ext uri="{FF2B5EF4-FFF2-40B4-BE49-F238E27FC236}">
                 <a16:creationId xmlns:a16="http://schemas.microsoft.com/office/drawing/2014/main" id="{BB407A66-2431-49A3-92E9-6E501C3DC346}"/>
               </a:ext>
             </a:extLst>
@@ -13471,7 +13983,7 @@
 </p:sld>
 </file>
 
-<file path=ppt/slides/slide14.xml><?xml version="1.0" encoding="utf-8"?>
+<file path=ppt/slides/slide15.xml><?xml version="1.0" encoding="utf-8"?>
 <p:sld xmlns:a="http://schemas.openxmlformats.org/drawingml/2006/main" xmlns:r="http://schemas.openxmlformats.org/officeDocument/2006/relationships" xmlns:p="http://schemas.openxmlformats.org/presentationml/2006/main">
   <p:cSld>
     <p:spTree>
@@ -13963,7 +14475,7 @@
 </p:sld>
 </file>
 
-<file path=ppt/slides/slide15.xml><?xml version="1.0" encoding="utf-8"?>
+<file path=ppt/slides/slide16.xml><?xml version="1.0" encoding="utf-8"?>
 <p:sld xmlns:a="http://schemas.openxmlformats.org/drawingml/2006/main" xmlns:r="http://schemas.openxmlformats.org/officeDocument/2006/relationships" xmlns:p="http://schemas.openxmlformats.org/presentationml/2006/main">
   <p:cSld>
     <p:spTree>
@@ -14777,7 +15289,7 @@
 </p:sld>
 </file>
 
-<file path=ppt/slides/slide16.xml><?xml version="1.0" encoding="utf-8"?>
+<file path=ppt/slides/slide17.xml><?xml version="1.0" encoding="utf-8"?>
 <p:sld xmlns:a="http://schemas.openxmlformats.org/drawingml/2006/main" xmlns:r="http://schemas.openxmlformats.org/officeDocument/2006/relationships" xmlns:p="http://schemas.openxmlformats.org/presentationml/2006/main">
   <p:cSld>
     <p:spTree>
@@ -15257,7 +15769,7 @@
 </p:sld>
 </file>
 
-<file path=ppt/slides/slide17.xml><?xml version="1.0" encoding="utf-8"?>
+<file path=ppt/slides/slide18.xml><?xml version="1.0" encoding="utf-8"?>
 <p:sld xmlns:a="http://schemas.openxmlformats.org/drawingml/2006/main" xmlns:r="http://schemas.openxmlformats.org/officeDocument/2006/relationships" xmlns:p="http://schemas.openxmlformats.org/presentationml/2006/main">
   <p:cSld>
     <p:spTree>
@@ -16140,7 +16652,7 @@
 </p:sld>
 </file>
 
-<file path=ppt/slides/slide18.xml><?xml version="1.0" encoding="utf-8"?>
+<file path=ppt/slides/slide19.xml><?xml version="1.0" encoding="utf-8"?>
 <p:sld xmlns:a="http://schemas.openxmlformats.org/drawingml/2006/main" xmlns:r="http://schemas.openxmlformats.org/officeDocument/2006/relationships" xmlns:p="http://schemas.openxmlformats.org/presentationml/2006/main">
   <p:cSld>
     <p:spTree>
@@ -16454,73 +16966,6 @@
   <p:clrMapOvr>
     <a:masterClrMapping/>
   </p:clrMapOvr>
-</p:sld>
-</file>
-
-<file path=ppt/slides/slide19.xml><?xml version="1.0" encoding="utf-8"?>
-<p:sld xmlns:a="http://schemas.openxmlformats.org/drawingml/2006/main" xmlns:r="http://schemas.openxmlformats.org/officeDocument/2006/relationships" xmlns:p="http://schemas.openxmlformats.org/presentationml/2006/main">
-  <p:cSld>
-    <p:spTree>
-      <p:nvGrpSpPr>
-        <p:cNvPr id="1" name=""/>
-        <p:cNvGrpSpPr/>
-        <p:nvPr/>
-      </p:nvGrpSpPr>
-      <p:grpSpPr>
-        <a:xfrm>
-          <a:off x="0" y="0"/>
-          <a:ext cx="0" cy="0"/>
-          <a:chOff x="0" y="0"/>
-          <a:chExt cx="0" cy="0"/>
-        </a:xfrm>
-      </p:grpSpPr>
-      <p:sp>
-        <p:nvSpPr>
-          <p:cNvPr id="4" name="Title 3">
-            <a:extLst>
-              <a:ext uri="{FF2B5EF4-FFF2-40B4-BE49-F238E27FC236}">
-                <a16:creationId xmlns:a16="http://schemas.microsoft.com/office/drawing/2014/main" id="{E7EBB6C5-1871-444B-AD84-356DE1BC2905}"/>
-              </a:ext>
-            </a:extLst>
-          </p:cNvPr>
-          <p:cNvSpPr>
-            <a:spLocks noGrp="1"/>
-          </p:cNvSpPr>
-          <p:nvPr>
-            <p:ph type="ctrTitle"/>
-          </p:nvPr>
-        </p:nvSpPr>
-        <p:spPr>
-          <a:xfrm>
-            <a:off x="478368" y="4656578"/>
-            <a:ext cx="11228913" cy="1001364"/>
-          </a:xfrm>
-          <a:noFill/>
-        </p:spPr>
-        <p:txBody>
-          <a:bodyPr/>
-          <a:lstStyle/>
-          <a:p>
-            <a:r>
-              <a:rPr lang="en-US" dirty="0"/>
-              <a:t>END</a:t>
-            </a:r>
-          </a:p>
-        </p:txBody>
-      </p:sp>
-    </p:spTree>
-    <p:extLst>
-      <p:ext uri="{BB962C8B-B14F-4D97-AF65-F5344CB8AC3E}">
-        <p14:creationId xmlns:p14="http://schemas.microsoft.com/office/powerpoint/2010/main" val="3752993035"/>
-      </p:ext>
-    </p:extLst>
-  </p:cSld>
-  <p:clrMapOvr>
-    <a:masterClrMapping/>
-  </p:clrMapOvr>
-  <p:transition spd="slow">
-    <p:wipe dir="d"/>
-  </p:transition>
 </p:sld>
 </file>
 
@@ -17328,6 +17773,73 @@
       </p:grpSpPr>
       <p:sp>
         <p:nvSpPr>
+          <p:cNvPr id="4" name="Title 3">
+            <a:extLst>
+              <a:ext uri="{FF2B5EF4-FFF2-40B4-BE49-F238E27FC236}">
+                <a16:creationId xmlns:a16="http://schemas.microsoft.com/office/drawing/2014/main" id="{E7EBB6C5-1871-444B-AD84-356DE1BC2905}"/>
+              </a:ext>
+            </a:extLst>
+          </p:cNvPr>
+          <p:cNvSpPr>
+            <a:spLocks noGrp="1"/>
+          </p:cNvSpPr>
+          <p:nvPr>
+            <p:ph type="ctrTitle"/>
+          </p:nvPr>
+        </p:nvSpPr>
+        <p:spPr>
+          <a:xfrm>
+            <a:off x="478368" y="4656578"/>
+            <a:ext cx="11228913" cy="1001364"/>
+          </a:xfrm>
+          <a:noFill/>
+        </p:spPr>
+        <p:txBody>
+          <a:bodyPr/>
+          <a:lstStyle/>
+          <a:p>
+            <a:r>
+              <a:rPr lang="en-US" dirty="0"/>
+              <a:t>END</a:t>
+            </a:r>
+          </a:p>
+        </p:txBody>
+      </p:sp>
+    </p:spTree>
+    <p:extLst>
+      <p:ext uri="{BB962C8B-B14F-4D97-AF65-F5344CB8AC3E}">
+        <p14:creationId xmlns:p14="http://schemas.microsoft.com/office/powerpoint/2010/main" val="3752993035"/>
+      </p:ext>
+    </p:extLst>
+  </p:cSld>
+  <p:clrMapOvr>
+    <a:masterClrMapping/>
+  </p:clrMapOvr>
+  <p:transition spd="slow">
+    <p:wipe dir="d"/>
+  </p:transition>
+</p:sld>
+</file>
+
+<file path=ppt/slides/slide21.xml><?xml version="1.0" encoding="utf-8"?>
+<p:sld xmlns:a="http://schemas.openxmlformats.org/drawingml/2006/main" xmlns:r="http://schemas.openxmlformats.org/officeDocument/2006/relationships" xmlns:p="http://schemas.openxmlformats.org/presentationml/2006/main">
+  <p:cSld>
+    <p:spTree>
+      <p:nvGrpSpPr>
+        <p:cNvPr id="1" name=""/>
+        <p:cNvGrpSpPr/>
+        <p:nvPr/>
+      </p:nvGrpSpPr>
+      <p:grpSpPr>
+        <a:xfrm>
+          <a:off x="0" y="0"/>
+          <a:ext cx="0" cy="0"/>
+          <a:chOff x="0" y="0"/>
+          <a:chExt cx="0" cy="0"/>
+        </a:xfrm>
+      </p:grpSpPr>
+      <p:sp>
+        <p:nvSpPr>
           <p:cNvPr id="2" name="Title 1">
             <a:extLst>
               <a:ext uri="{FF2B5EF4-FFF2-40B4-BE49-F238E27FC236}">
@@ -17994,151 +18506,6 @@
 </p:sld>
 </file>
 
-<file path=ppt/slides/slide21.xml><?xml version="1.0" encoding="utf-8"?>
-<p:sld xmlns:a="http://schemas.openxmlformats.org/drawingml/2006/main" xmlns:r="http://schemas.openxmlformats.org/officeDocument/2006/relationships" xmlns:p="http://schemas.openxmlformats.org/presentationml/2006/main">
-  <p:cSld>
-    <p:spTree>
-      <p:nvGrpSpPr>
-        <p:cNvPr id="1" name=""/>
-        <p:cNvGrpSpPr/>
-        <p:nvPr/>
-      </p:nvGrpSpPr>
-      <p:grpSpPr>
-        <a:xfrm>
-          <a:off x="0" y="0"/>
-          <a:ext cx="0" cy="0"/>
-          <a:chOff x="0" y="0"/>
-          <a:chExt cx="0" cy="0"/>
-        </a:xfrm>
-      </p:grpSpPr>
-      <p:sp>
-        <p:nvSpPr>
-          <p:cNvPr id="2" name="Title 1">
-            <a:extLst>
-              <a:ext uri="{FF2B5EF4-FFF2-40B4-BE49-F238E27FC236}">
-                <a16:creationId xmlns:a16="http://schemas.microsoft.com/office/drawing/2014/main" id="{11A8CBFF-0157-4F46-BA09-2E0740AE8DBF}"/>
-              </a:ext>
-            </a:extLst>
-          </p:cNvPr>
-          <p:cNvSpPr>
-            <a:spLocks noGrp="1"/>
-          </p:cNvSpPr>
-          <p:nvPr>
-            <p:ph type="title"/>
-          </p:nvPr>
-        </p:nvSpPr>
-        <p:spPr/>
-        <p:txBody>
-          <a:bodyPr/>
-          <a:lstStyle/>
-          <a:p>
-            <a:r>
-              <a:rPr lang="en-US" dirty="0"/>
-              <a:t>Preliminary Work-Packages</a:t>
-            </a:r>
-          </a:p>
-        </p:txBody>
-      </p:sp>
-      <p:sp>
-        <p:nvSpPr>
-          <p:cNvPr id="3" name="Content Placeholder 2">
-            <a:extLst>
-              <a:ext uri="{FF2B5EF4-FFF2-40B4-BE49-F238E27FC236}">
-                <a16:creationId xmlns:a16="http://schemas.microsoft.com/office/drawing/2014/main" id="{A3D61C00-2676-49F3-820E-54CB294C68D4}"/>
-              </a:ext>
-            </a:extLst>
-          </p:cNvPr>
-          <p:cNvSpPr>
-            <a:spLocks noGrp="1"/>
-          </p:cNvSpPr>
-          <p:nvPr>
-            <p:ph idx="1"/>
-          </p:nvPr>
-        </p:nvSpPr>
-        <p:spPr>
-          <a:xfrm>
-            <a:off x="478369" y="1213308"/>
-            <a:ext cx="11473384" cy="5387629"/>
-          </a:xfrm>
-        </p:spPr>
-        <p:txBody>
-          <a:bodyPr/>
-          <a:lstStyle/>
-          <a:p>
-            <a:r>
-              <a:rPr lang="en-US" b="1" dirty="0"/>
-              <a:t>1- Hidden Markov Model</a:t>
-            </a:r>
-          </a:p>
-          <a:p>
-            <a:r>
-              <a:rPr lang="en-US" dirty="0"/>
-              <a:t>Study how to move the HMM implemented in the Python side to the Java side</a:t>
-            </a:r>
-          </a:p>
-          <a:p>
-            <a:r>
-              <a:rPr lang="en-US" b="1" dirty="0"/>
-              <a:t>2- Failure Inject Mechanism</a:t>
-            </a:r>
-          </a:p>
-          <a:p>
-            <a:r>
-              <a:rPr lang="en-US" dirty="0"/>
-              <a:t>Study how to generate failure injects that reflect that failure propagation patterns</a:t>
-            </a:r>
-          </a:p>
-          <a:p>
-            <a:r>
-              <a:rPr lang="en-US" b="1" dirty="0"/>
-              <a:t>3- Reinforcement Learning</a:t>
-            </a:r>
-          </a:p>
-          <a:p>
-            <a:r>
-              <a:rPr lang="en-US" dirty="0"/>
-              <a:t>Study how to replace the Supervised Learning controller (Regression) with a Self-Supervised One (RL)</a:t>
-            </a:r>
-          </a:p>
-          <a:p>
-            <a:r>
-              <a:rPr lang="en-US" b="1" dirty="0"/>
-              <a:t>4- Monitoring</a:t>
-            </a:r>
-          </a:p>
-          <a:p>
-            <a:r>
-              <a:rPr lang="en-US" dirty="0"/>
-              <a:t>Study how to visualize the utility, risk, and mechanism gap between the Real and Simulated (Digital-Twin)</a:t>
-            </a:r>
-          </a:p>
-          <a:p>
-            <a:r>
-              <a:rPr lang="en-US" b="1" dirty="0"/>
-              <a:t>5- Adversarial Tests </a:t>
-            </a:r>
-          </a:p>
-          <a:p>
-            <a:r>
-              <a:rPr lang="en-US" dirty="0"/>
-              <a:t>Study how to generate stress tests that show how policies that have equivalent predictive outcome at training present distinct outcomes at adversarial test sets</a:t>
-            </a:r>
-          </a:p>
-        </p:txBody>
-      </p:sp>
-    </p:spTree>
-    <p:extLst>
-      <p:ext uri="{BB962C8B-B14F-4D97-AF65-F5344CB8AC3E}">
-        <p14:creationId xmlns:p14="http://schemas.microsoft.com/office/powerpoint/2010/main" val="3304893578"/>
-      </p:ext>
-    </p:extLst>
-  </p:cSld>
-  <p:clrMapOvr>
-    <a:masterClrMapping/>
-  </p:clrMapOvr>
-</p:sld>
-</file>
-
 <file path=ppt/slides/slide22.xml><?xml version="1.0" encoding="utf-8"?>
 <p:sld xmlns:a="http://schemas.openxmlformats.org/drawingml/2006/main" xmlns:r="http://schemas.openxmlformats.org/officeDocument/2006/relationships" xmlns:p="http://schemas.openxmlformats.org/presentationml/2006/main">
   <p:cSld>
@@ -18158,6 +18525,151 @@
       </p:grpSpPr>
       <p:sp>
         <p:nvSpPr>
+          <p:cNvPr id="2" name="Title 1">
+            <a:extLst>
+              <a:ext uri="{FF2B5EF4-FFF2-40B4-BE49-F238E27FC236}">
+                <a16:creationId xmlns:a16="http://schemas.microsoft.com/office/drawing/2014/main" id="{11A8CBFF-0157-4F46-BA09-2E0740AE8DBF}"/>
+              </a:ext>
+            </a:extLst>
+          </p:cNvPr>
+          <p:cNvSpPr>
+            <a:spLocks noGrp="1"/>
+          </p:cNvSpPr>
+          <p:nvPr>
+            <p:ph type="title"/>
+          </p:nvPr>
+        </p:nvSpPr>
+        <p:spPr/>
+        <p:txBody>
+          <a:bodyPr/>
+          <a:lstStyle/>
+          <a:p>
+            <a:r>
+              <a:rPr lang="en-US" dirty="0"/>
+              <a:t>Preliminary Work-Packages</a:t>
+            </a:r>
+          </a:p>
+        </p:txBody>
+      </p:sp>
+      <p:sp>
+        <p:nvSpPr>
+          <p:cNvPr id="3" name="Content Placeholder 2">
+            <a:extLst>
+              <a:ext uri="{FF2B5EF4-FFF2-40B4-BE49-F238E27FC236}">
+                <a16:creationId xmlns:a16="http://schemas.microsoft.com/office/drawing/2014/main" id="{A3D61C00-2676-49F3-820E-54CB294C68D4}"/>
+              </a:ext>
+            </a:extLst>
+          </p:cNvPr>
+          <p:cNvSpPr>
+            <a:spLocks noGrp="1"/>
+          </p:cNvSpPr>
+          <p:nvPr>
+            <p:ph idx="1"/>
+          </p:nvPr>
+        </p:nvSpPr>
+        <p:spPr>
+          <a:xfrm>
+            <a:off x="478369" y="1213308"/>
+            <a:ext cx="11473384" cy="5387629"/>
+          </a:xfrm>
+        </p:spPr>
+        <p:txBody>
+          <a:bodyPr/>
+          <a:lstStyle/>
+          <a:p>
+            <a:r>
+              <a:rPr lang="en-US" b="1" dirty="0"/>
+              <a:t>1- Hidden Markov Model</a:t>
+            </a:r>
+          </a:p>
+          <a:p>
+            <a:r>
+              <a:rPr lang="en-US" dirty="0"/>
+              <a:t>Study how to move the HMM implemented in the Python side to the Java side</a:t>
+            </a:r>
+          </a:p>
+          <a:p>
+            <a:r>
+              <a:rPr lang="en-US" b="1" dirty="0"/>
+              <a:t>2- Failure Inject Mechanism</a:t>
+            </a:r>
+          </a:p>
+          <a:p>
+            <a:r>
+              <a:rPr lang="en-US" dirty="0"/>
+              <a:t>Study how to generate failure injects that reflect that failure propagation patterns</a:t>
+            </a:r>
+          </a:p>
+          <a:p>
+            <a:r>
+              <a:rPr lang="en-US" b="1" dirty="0"/>
+              <a:t>3- Reinforcement Learning</a:t>
+            </a:r>
+          </a:p>
+          <a:p>
+            <a:r>
+              <a:rPr lang="en-US" dirty="0"/>
+              <a:t>Study how to replace the Supervised Learning controller (Regression) with a Self-Supervised One (RL)</a:t>
+            </a:r>
+          </a:p>
+          <a:p>
+            <a:r>
+              <a:rPr lang="en-US" b="1" dirty="0"/>
+              <a:t>4- Monitoring</a:t>
+            </a:r>
+          </a:p>
+          <a:p>
+            <a:r>
+              <a:rPr lang="en-US" dirty="0"/>
+              <a:t>Study how to visualize the utility, risk, and mechanism gap between the Real and Simulated (Digital-Twin)</a:t>
+            </a:r>
+          </a:p>
+          <a:p>
+            <a:r>
+              <a:rPr lang="en-US" b="1" dirty="0"/>
+              <a:t>5- Adversarial Tests </a:t>
+            </a:r>
+          </a:p>
+          <a:p>
+            <a:r>
+              <a:rPr lang="en-US" dirty="0"/>
+              <a:t>Study how to generate stress tests that show how policies that have equivalent predictive outcome at training present distinct outcomes at adversarial test sets</a:t>
+            </a:r>
+          </a:p>
+        </p:txBody>
+      </p:sp>
+    </p:spTree>
+    <p:extLst>
+      <p:ext uri="{BB962C8B-B14F-4D97-AF65-F5344CB8AC3E}">
+        <p14:creationId xmlns:p14="http://schemas.microsoft.com/office/powerpoint/2010/main" val="3304893578"/>
+      </p:ext>
+    </p:extLst>
+  </p:cSld>
+  <p:clrMapOvr>
+    <a:masterClrMapping/>
+  </p:clrMapOvr>
+</p:sld>
+</file>
+
+<file path=ppt/slides/slide23.xml><?xml version="1.0" encoding="utf-8"?>
+<p:sld xmlns:a="http://schemas.openxmlformats.org/drawingml/2006/main" xmlns:r="http://schemas.openxmlformats.org/officeDocument/2006/relationships" xmlns:p="http://schemas.openxmlformats.org/presentationml/2006/main">
+  <p:cSld>
+    <p:spTree>
+      <p:nvGrpSpPr>
+        <p:cNvPr id="1" name=""/>
+        <p:cNvGrpSpPr/>
+        <p:nvPr/>
+      </p:nvGrpSpPr>
+      <p:grpSpPr>
+        <a:xfrm>
+          <a:off x="0" y="0"/>
+          <a:ext cx="0" cy="0"/>
+          <a:chOff x="0" y="0"/>
+          <a:chExt cx="0" cy="0"/>
+        </a:xfrm>
+      </p:grpSpPr>
+      <p:sp>
+        <p:nvSpPr>
           <p:cNvPr id="8" name="Text Placeholder 7"/>
           <p:cNvSpPr>
             <a:spLocks noGrp="1"/>
@@ -18367,7 +18879,7 @@
           <a:p>
             <a:fld id="{B6764590-B09C-4C10-8479-FDA70719B682}" type="slidenum">
               <a:rPr lang="de-DE" smtClean="0"/>
-              <a:t>22</a:t>
+              <a:t>23</a:t>
             </a:fld>
             <a:endParaRPr lang="de-DE"/>
           </a:p>

--- a/slides/6. Safe RL.pptx
+++ b/slides/6. Safe RL.pptx
@@ -5,7 +5,7 @@
     <p:sldMasterId id="2147483660" r:id="rId1"/>
   </p:sldMasterIdLst>
   <p:notesMasterIdLst>
-    <p:notesMasterId r:id="rId25"/>
+    <p:notesMasterId r:id="rId26"/>
   </p:notesMasterIdLst>
   <p:sldIdLst>
     <p:sldId id="256" r:id="rId2"/>
@@ -15,22 +15,23 @@
     <p:sldId id="516" r:id="rId6"/>
     <p:sldId id="517" r:id="rId7"/>
     <p:sldId id="527" r:id="rId8"/>
-    <p:sldId id="520" r:id="rId9"/>
-    <p:sldId id="521" r:id="rId10"/>
-    <p:sldId id="509" r:id="rId11"/>
-    <p:sldId id="314" r:id="rId12"/>
-    <p:sldId id="528" r:id="rId13"/>
-    <p:sldId id="529" r:id="rId14"/>
-    <p:sldId id="286" r:id="rId15"/>
-    <p:sldId id="522" r:id="rId16"/>
-    <p:sldId id="284" r:id="rId17"/>
-    <p:sldId id="285" r:id="rId18"/>
-    <p:sldId id="523" r:id="rId19"/>
-    <p:sldId id="524" r:id="rId20"/>
-    <p:sldId id="300" r:id="rId21"/>
-    <p:sldId id="511" r:id="rId22"/>
-    <p:sldId id="506" r:id="rId23"/>
-    <p:sldId id="258" r:id="rId24"/>
+    <p:sldId id="530" r:id="rId9"/>
+    <p:sldId id="520" r:id="rId10"/>
+    <p:sldId id="521" r:id="rId11"/>
+    <p:sldId id="509" r:id="rId12"/>
+    <p:sldId id="314" r:id="rId13"/>
+    <p:sldId id="528" r:id="rId14"/>
+    <p:sldId id="529" r:id="rId15"/>
+    <p:sldId id="286" r:id="rId16"/>
+    <p:sldId id="522" r:id="rId17"/>
+    <p:sldId id="284" r:id="rId18"/>
+    <p:sldId id="285" r:id="rId19"/>
+    <p:sldId id="523" r:id="rId20"/>
+    <p:sldId id="524" r:id="rId21"/>
+    <p:sldId id="300" r:id="rId22"/>
+    <p:sldId id="511" r:id="rId23"/>
+    <p:sldId id="506" r:id="rId24"/>
+    <p:sldId id="258" r:id="rId25"/>
   </p:sldIdLst>
   <p:sldSz cx="12192000" cy="6858000"/>
   <p:notesSz cx="6858000" cy="9144000"/>
@@ -219,7 +220,7 @@
           <a:p>
             <a:fld id="{1B6E2612-5213-4B6B-99A8-BAC5DC9C4481}" type="datetimeFigureOut">
               <a:rPr lang="en-US" smtClean="0"/>
-              <a:t>2/23/2022</a:t>
+              <a:t>4/13/2022</a:t>
             </a:fld>
             <a:endParaRPr lang="en-US"/>
           </a:p>
@@ -614,47 +615,174 @@
           <a:bodyPr/>
           <a:lstStyle/>
           <a:p>
-            <a:pPr algn="l"/>
-            <a:r>
-              <a:rPr lang="en-US" sz="1800" b="0" i="0" u="none" strike="noStrike" baseline="0" dirty="0">
-                <a:latin typeface="CMR10"/>
-              </a:rPr>
-              <a:t>Chen Tessler, Daniel J. Mankowitz, and </a:t>
-            </a:r>
-            <a:r>
-              <a:rPr lang="en-US" sz="1800" b="0" i="0" u="none" strike="noStrike" baseline="0" dirty="0" err="1">
-                <a:latin typeface="CMR10"/>
-              </a:rPr>
-              <a:t>Shie</a:t>
-            </a:r>
-            <a:r>
-              <a:rPr lang="en-US" sz="1800" b="0" i="0" u="none" strike="noStrike" baseline="0" dirty="0">
-                <a:latin typeface="CMR10"/>
-              </a:rPr>
-              <a:t> </a:t>
-            </a:r>
-            <a:r>
-              <a:rPr lang="en-US" sz="1800" b="0" i="0" u="none" strike="noStrike" baseline="0" dirty="0" err="1">
-                <a:latin typeface="CMR10"/>
-              </a:rPr>
-              <a:t>Mannor</a:t>
-            </a:r>
-            <a:r>
-              <a:rPr lang="en-US" sz="1800" b="0" i="0" u="none" strike="noStrike" baseline="0" dirty="0">
-                <a:latin typeface="CMR6"/>
-              </a:rPr>
-              <a:t>, 2018, </a:t>
-            </a:r>
-            <a:r>
-              <a:rPr lang="en-US" b="1" dirty="0"/>
-              <a:t>Reward Constrained Policy Optimization </a:t>
-            </a:r>
             <a:r>
               <a:rPr lang="en-US" dirty="0"/>
-              <a:t>https://arxiv.org/abs/1805.11074</a:t>
-            </a:r>
-          </a:p>
-          <a:p>
+              <a:t>Shield for performance: </a:t>
+            </a:r>
+          </a:p>
+          <a:p>
+            <a:r>
+              <a:rPr lang="en-US" dirty="0"/>
+              <a:t>- difficulty to add new features (priority to public transport)</a:t>
+            </a:r>
+          </a:p>
+          <a:p>
+            <a:r>
+              <a:rPr lang="en-US" dirty="0"/>
+              <a:t> - poor performance on untrained behavior (learned on uniform traffic, deployed on rush-hour traffic)</a:t>
+            </a:r>
+          </a:p>
+          <a:p>
+            <a:pPr marL="171450" indent="-171450">
+              <a:buFontTx/>
+              <a:buChar char="-"/>
+            </a:pPr>
+            <a:r>
+              <a:rPr lang="en-US" dirty="0"/>
+              <a:t>no local fairness (farm road turns green eventually)</a:t>
+            </a:r>
+          </a:p>
+          <a:p>
+            <a:pPr marL="0" indent="0">
+              <a:buFontTx/>
+              <a:buNone/>
+            </a:pPr>
+            <a:r>
+              <a:rPr lang="en-US" dirty="0"/>
+              <a:t>Time shields:</a:t>
+            </a:r>
+          </a:p>
+          <a:p>
+            <a:pPr marL="171450" indent="-171450">
+              <a:buFontTx/>
+              <a:buChar char="-"/>
+            </a:pPr>
+            <a:r>
+              <a:rPr lang="en-US" dirty="0"/>
+              <a:t>Complex timing is difficult to learn</a:t>
+            </a:r>
+          </a:p>
+          <a:p>
+            <a:pPr marL="171450" indent="-171450">
+              <a:buFontTx/>
+              <a:buChar char="-"/>
+            </a:pPr>
+            <a:r>
+              <a:rPr lang="en-US" dirty="0"/>
+              <a:t>Enforce it with shield from timed automata specs</a:t>
+            </a:r>
+          </a:p>
+          <a:p>
+            <a:r>
+              <a:rPr lang="en-US" dirty="0"/>
+              <a:t>Multi-agent shields (enforce global safety by quantitative interference costs):</a:t>
+            </a:r>
+          </a:p>
+          <a:p>
+            <a:r>
+              <a:rPr lang="en-US" dirty="0"/>
+              <a:t>- Counting cost function</a:t>
+            </a:r>
+          </a:p>
+          <a:p>
+            <a:pPr marL="171450" indent="-171450">
+              <a:buFontTx/>
+              <a:buChar char="-"/>
+            </a:pPr>
+            <a:r>
+              <a:rPr lang="en-US" dirty="0"/>
+              <a:t>Different costs for interferences with different agents</a:t>
+            </a:r>
+          </a:p>
+          <a:p>
+            <a:pPr marL="171450" indent="-171450">
+              <a:buFontTx/>
+              <a:buChar char="-"/>
+            </a:pPr>
+            <a:r>
+              <a:rPr lang="en-US" dirty="0"/>
+              <a:t>Fair shielding (do not always interfere with the same agent repeatedly)</a:t>
+            </a:r>
+          </a:p>
+          <a:p>
+            <a:pPr marL="0" indent="0">
+              <a:buFontTx/>
+              <a:buNone/>
+            </a:pPr>
+            <a:r>
+              <a:rPr lang="en-US" dirty="0"/>
+              <a:t>What information is necessary to synthesize the shield?</a:t>
+            </a:r>
+          </a:p>
+          <a:p>
+            <a:pPr marL="0" indent="0">
+              <a:buFontTx/>
+              <a:buNone/>
+            </a:pPr>
+            <a:r>
+              <a:rPr lang="en-US" dirty="0"/>
+              <a:t>System and environment are adversarial. It does not need any information of any.</a:t>
+            </a:r>
+          </a:p>
+          <a:p>
+            <a:pPr marL="0" indent="0">
+              <a:buFontTx/>
+              <a:buNone/>
+            </a:pPr>
+            <a:endParaRPr lang="en-US" dirty="0"/>
+          </a:p>
+          <a:p>
+            <a:pPr marL="0" indent="0">
+              <a:buFontTx/>
+              <a:buNone/>
+            </a:pPr>
+            <a:r>
+              <a:rPr lang="en-US" dirty="0"/>
+              <a:t>Prior knowledge that guarantees safe learning operation enforce by the shield like the flight envelope.</a:t>
+            </a:r>
+          </a:p>
+          <a:p>
+            <a:pPr marL="0" indent="0">
+              <a:buFontTx/>
+              <a:buNone/>
+            </a:pPr>
+            <a:r>
+              <a:rPr lang="en-US" dirty="0"/>
+              <a:t>Shield could be a robust control, that provide guarantees at the expense of loss of optimality.</a:t>
+            </a:r>
+          </a:p>
+          <a:p>
+            <a:pPr marL="0" indent="0">
+              <a:buFontTx/>
+              <a:buNone/>
+            </a:pPr>
+            <a:r>
+              <a:rPr lang="en-US" dirty="0"/>
+              <a:t>Related to Runtime Verification (He’s work).</a:t>
+            </a:r>
+          </a:p>
+          <a:p>
+            <a:pPr marL="0" indent="0">
+              <a:buFontTx/>
+              <a:buNone/>
+            </a:pPr>
+            <a:endParaRPr lang="en-US" dirty="0"/>
+          </a:p>
+          <a:p>
+            <a:pPr marL="0" indent="0">
+              <a:buFontTx/>
+              <a:buNone/>
+            </a:pPr>
+            <a:r>
+              <a:rPr lang="en-US" dirty="0"/>
+              <a:t>TODO: Add Shield as one approach. Add other approaches from safety-critical community.</a:t>
+            </a:r>
+          </a:p>
+          <a:p>
+            <a:pPr marL="0" indent="0">
+              <a:buFontTx/>
+              <a:buNone/>
+            </a:pPr>
             <a:endParaRPr lang="en-US" dirty="0"/>
           </a:p>
         </p:txBody>
@@ -674,7 +802,7 @@
           <a:bodyPr/>
           <a:lstStyle/>
           <a:p>
-            <a:fld id="{9271DED1-4C91-4561-A99B-E6676363E223}" type="slidenum">
+            <a:fld id="{6F5E3EB3-4474-4F6D-B7CC-AA304012D246}" type="slidenum">
               <a:rPr lang="en-US" smtClean="0"/>
               <a:t>16</a:t>
             </a:fld>
@@ -685,7 +813,7 @@
     </p:spTree>
     <p:extLst>
       <p:ext uri="{BB962C8B-B14F-4D97-AF65-F5344CB8AC3E}">
-        <p14:creationId xmlns:p14="http://schemas.microsoft.com/office/powerpoint/2010/main" val="4272134179"/>
+        <p14:creationId xmlns:p14="http://schemas.microsoft.com/office/powerpoint/2010/main" val="926329545"/>
       </p:ext>
     </p:extLst>
   </p:cSld>
@@ -739,20 +867,48 @@
           <a:bodyPr/>
           <a:lstStyle/>
           <a:p>
-            <a:r>
-              <a:rPr lang="en-US" b="0" dirty="0"/>
-              <a:t>Srinivasan et al. ,2020, Learning to be Safe: Deep RL with a Safety Critic </a:t>
-            </a:r>
-            <a:r>
-              <a:rPr lang="en-US" b="0" dirty="0">
-                <a:hlinkClick r:id="rId3"/>
-              </a:rPr>
-              <a:t>https://arxiv.org/abs/2010.14603</a:t>
-            </a:r>
-            <a:endParaRPr lang="en-US" b="0" dirty="0"/>
-          </a:p>
-          <a:p>
-            <a:endParaRPr lang="en-US" b="0" dirty="0"/>
+            <a:pPr algn="l"/>
+            <a:r>
+              <a:rPr lang="en-US" sz="1800" b="0" i="0" u="none" strike="noStrike" baseline="0" dirty="0">
+                <a:latin typeface="CMR10"/>
+              </a:rPr>
+              <a:t>Chen Tessler, Daniel J. Mankowitz, and </a:t>
+            </a:r>
+            <a:r>
+              <a:rPr lang="en-US" sz="1800" b="0" i="0" u="none" strike="noStrike" baseline="0" dirty="0" err="1">
+                <a:latin typeface="CMR10"/>
+              </a:rPr>
+              <a:t>Shie</a:t>
+            </a:r>
+            <a:r>
+              <a:rPr lang="en-US" sz="1800" b="0" i="0" u="none" strike="noStrike" baseline="0" dirty="0">
+                <a:latin typeface="CMR10"/>
+              </a:rPr>
+              <a:t> </a:t>
+            </a:r>
+            <a:r>
+              <a:rPr lang="en-US" sz="1800" b="0" i="0" u="none" strike="noStrike" baseline="0" dirty="0" err="1">
+                <a:latin typeface="CMR10"/>
+              </a:rPr>
+              <a:t>Mannor</a:t>
+            </a:r>
+            <a:r>
+              <a:rPr lang="en-US" sz="1800" b="0" i="0" u="none" strike="noStrike" baseline="0" dirty="0">
+                <a:latin typeface="CMR6"/>
+              </a:rPr>
+              <a:t>, 2018, </a:t>
+            </a:r>
+            <a:r>
+              <a:rPr lang="en-US" b="1" dirty="0"/>
+              <a:t>Reward Constrained Policy Optimization </a:t>
+            </a:r>
+            <a:r>
+              <a:rPr lang="en-US" dirty="0"/>
+              <a:t>https://arxiv.org/abs/1805.11074</a:t>
+            </a:r>
+          </a:p>
+          <a:p>
+            <a:endParaRPr lang="en-US" dirty="0"/>
           </a:p>
         </p:txBody>
       </p:sp>
@@ -771,7 +927,7 @@
           <a:bodyPr/>
           <a:lstStyle/>
           <a:p>
-            <a:fld id="{6F5E3EB3-4474-4F6D-B7CC-AA304012D246}" type="slidenum">
+            <a:fld id="{9271DED1-4C91-4561-A99B-E6676363E223}" type="slidenum">
               <a:rPr lang="en-US" smtClean="0"/>
               <a:t>17</a:t>
             </a:fld>
@@ -782,7 +938,7 @@
     </p:spTree>
     <p:extLst>
       <p:ext uri="{BB962C8B-B14F-4D97-AF65-F5344CB8AC3E}">
-        <p14:creationId xmlns:p14="http://schemas.microsoft.com/office/powerpoint/2010/main" val="2345477731"/>
+        <p14:creationId xmlns:p14="http://schemas.microsoft.com/office/powerpoint/2010/main" val="4272134179"/>
       </p:ext>
     </p:extLst>
   </p:cSld>
@@ -836,6 +992,103 @@
           <a:bodyPr/>
           <a:lstStyle/>
           <a:p>
+            <a:r>
+              <a:rPr lang="en-US" b="0" dirty="0"/>
+              <a:t>Srinivasan et al. ,2020, Learning to be Safe: Deep RL with a Safety Critic </a:t>
+            </a:r>
+            <a:r>
+              <a:rPr lang="en-US" b="0" dirty="0">
+                <a:hlinkClick r:id="rId3"/>
+              </a:rPr>
+              <a:t>https://arxiv.org/abs/2010.14603</a:t>
+            </a:r>
+            <a:endParaRPr lang="en-US" b="0" dirty="0"/>
+          </a:p>
+          <a:p>
+            <a:endParaRPr lang="en-US" b="0" dirty="0"/>
+          </a:p>
+        </p:txBody>
+      </p:sp>
+      <p:sp>
+        <p:nvSpPr>
+          <p:cNvPr id="4" name="Slide Number Placeholder 3"/>
+          <p:cNvSpPr>
+            <a:spLocks noGrp="1"/>
+          </p:cNvSpPr>
+          <p:nvPr>
+            <p:ph type="sldNum" sz="quarter" idx="5"/>
+          </p:nvPr>
+        </p:nvSpPr>
+        <p:spPr/>
+        <p:txBody>
+          <a:bodyPr/>
+          <a:lstStyle/>
+          <a:p>
+            <a:fld id="{6F5E3EB3-4474-4F6D-B7CC-AA304012D246}" type="slidenum">
+              <a:rPr lang="en-US" smtClean="0"/>
+              <a:t>18</a:t>
+            </a:fld>
+            <a:endParaRPr lang="en-US"/>
+          </a:p>
+        </p:txBody>
+      </p:sp>
+    </p:spTree>
+    <p:extLst>
+      <p:ext uri="{BB962C8B-B14F-4D97-AF65-F5344CB8AC3E}">
+        <p14:creationId xmlns:p14="http://schemas.microsoft.com/office/powerpoint/2010/main" val="2345477731"/>
+      </p:ext>
+    </p:extLst>
+  </p:cSld>
+  <p:clrMapOvr>
+    <a:masterClrMapping/>
+  </p:clrMapOvr>
+</p:notes>
+</file>
+
+<file path=ppt/notesSlides/notesSlide13.xml><?xml version="1.0" encoding="utf-8"?>
+<p:notes xmlns:a="http://schemas.openxmlformats.org/drawingml/2006/main" xmlns:r="http://schemas.openxmlformats.org/officeDocument/2006/relationships" xmlns:p="http://schemas.openxmlformats.org/presentationml/2006/main">
+  <p:cSld>
+    <p:spTree>
+      <p:nvGrpSpPr>
+        <p:cNvPr id="1" name=""/>
+        <p:cNvGrpSpPr/>
+        <p:nvPr/>
+      </p:nvGrpSpPr>
+      <p:grpSpPr>
+        <a:xfrm>
+          <a:off x="0" y="0"/>
+          <a:ext cx="0" cy="0"/>
+          <a:chOff x="0" y="0"/>
+          <a:chExt cx="0" cy="0"/>
+        </a:xfrm>
+      </p:grpSpPr>
+      <p:sp>
+        <p:nvSpPr>
+          <p:cNvPr id="2" name="Slide Image Placeholder 1"/>
+          <p:cNvSpPr>
+            <a:spLocks noGrp="1" noRot="1" noChangeAspect="1"/>
+          </p:cNvSpPr>
+          <p:nvPr>
+            <p:ph type="sldImg"/>
+          </p:nvPr>
+        </p:nvSpPr>
+        <p:spPr/>
+      </p:sp>
+      <p:sp>
+        <p:nvSpPr>
+          <p:cNvPr id="3" name="Notes Placeholder 2"/>
+          <p:cNvSpPr>
+            <a:spLocks noGrp="1"/>
+          </p:cNvSpPr>
+          <p:nvPr>
+            <p:ph type="body" idx="1"/>
+          </p:nvPr>
+        </p:nvSpPr>
+        <p:spPr/>
+        <p:txBody>
+          <a:bodyPr/>
+          <a:lstStyle/>
+          <a:p>
             <a:pPr marL="0" marR="0" lvl="0" indent="0" algn="l" defTabSz="914400" rtl="0" eaLnBrk="1" fontAlgn="auto" latinLnBrk="0" hangingPunct="1">
               <a:lnSpc>
                 <a:spcPct val="100000"/>
@@ -921,7 +1174,7 @@
           <a:p>
             <a:fld id="{6F5E3EB3-4474-4F6D-B7CC-AA304012D246}" type="slidenum">
               <a:rPr lang="en-US" smtClean="0"/>
-              <a:t>18</a:t>
+              <a:t>19</a:t>
             </a:fld>
             <a:endParaRPr lang="en-US"/>
           </a:p>
@@ -1296,80 +1549,121 @@
           <a:bodyPr/>
           <a:lstStyle/>
           <a:p>
-            <a:pPr marL="0" marR="0" lvl="0" indent="0" algn="l" defTabSz="914400" rtl="0" eaLnBrk="1" fontAlgn="auto" latinLnBrk="0" hangingPunct="1">
-              <a:lnSpc>
-                <a:spcPct val="100000"/>
-              </a:lnSpc>
+            <a:pPr marL="0" marR="0">
               <a:spcBef>
                 <a:spcPts val="0"/>
               </a:spcBef>
               <a:spcAft>
                 <a:spcPts val="0"/>
               </a:spcAft>
-              <a:buClrTx/>
-              <a:buSzTx/>
-              <a:buFontTx/>
-              <a:buNone/>
-              <a:tabLst/>
-              <a:defRPr/>
             </a:pPr>
             <a:r>
-              <a:rPr lang="en-US" sz="1200" dirty="0" err="1">
+              <a:rPr lang="en-US" sz="1800" dirty="0">
                 <a:effectLst/>
-              </a:rPr>
-              <a:t>Dulac</a:t>
-            </a:r>
-            <a:r>
-              <a:rPr lang="en-US" sz="1200" dirty="0">
+                <a:latin typeface="Calibri" panose="020F0502020204030204" pitchFamily="34" charset="0"/>
+              </a:rPr>
+              <a:t>Dan </a:t>
+            </a:r>
+            <a:r>
+              <a:rPr lang="en-US" sz="1800" dirty="0" err="1">
                 <a:effectLst/>
-              </a:rPr>
-              <a:t>-Arnold, Mankowitz, Hester, 2019, </a:t>
-            </a:r>
-            <a:r>
-              <a:rPr lang="en-US" sz="1200" dirty="0"/>
-              <a:t>Challenges of Real-World Reinforcement Learning</a:t>
-            </a:r>
-            <a:endParaRPr lang="it-IT" dirty="0"/>
-          </a:p>
-          <a:p>
-            <a:pPr marL="0" marR="0" lvl="0" indent="0" algn="l" defTabSz="914400" rtl="0" eaLnBrk="1" fontAlgn="auto" latinLnBrk="0" hangingPunct="1">
-              <a:lnSpc>
-                <a:spcPct val="100000"/>
-              </a:lnSpc>
+                <a:latin typeface="Calibri" panose="020F0502020204030204" pitchFamily="34" charset="0"/>
+              </a:rPr>
+              <a:t>Hendrycks</a:t>
+            </a:r>
+            <a:r>
+              <a:rPr lang="en-US" sz="1800" dirty="0">
+                <a:effectLst/>
+                <a:latin typeface="Calibri" panose="020F0502020204030204" pitchFamily="34" charset="0"/>
+              </a:rPr>
+              <a:t>, Nicholas </a:t>
+            </a:r>
+            <a:r>
+              <a:rPr lang="en-US" sz="1800" dirty="0" err="1">
+                <a:effectLst/>
+                <a:latin typeface="Calibri" panose="020F0502020204030204" pitchFamily="34" charset="0"/>
+              </a:rPr>
+              <a:t>Carlini</a:t>
+            </a:r>
+            <a:r>
+              <a:rPr lang="en-US" sz="1800" dirty="0">
+                <a:effectLst/>
+                <a:latin typeface="Calibri" panose="020F0502020204030204" pitchFamily="34" charset="0"/>
+              </a:rPr>
+              <a:t>, John Schulman and Jacob Steinhardt.</a:t>
+            </a:r>
+            <a:r>
+              <a:rPr lang="en-US" sz="1800" b="1" dirty="0">
+                <a:effectLst/>
+                <a:latin typeface="Calibri" panose="020F0502020204030204" pitchFamily="34" charset="0"/>
+              </a:rPr>
+              <a:t> Unsolved problems in ml safety. </a:t>
+            </a:r>
+            <a:r>
+              <a:rPr lang="en-US" sz="1800" dirty="0">
+                <a:effectLst/>
+                <a:latin typeface="Calibri" panose="020F0502020204030204" pitchFamily="34" charset="0"/>
+              </a:rPr>
+              <a:t>In </a:t>
+            </a:r>
+            <a:r>
+              <a:rPr lang="en-US" sz="1800" dirty="0" err="1">
+                <a:effectLst/>
+                <a:latin typeface="Calibri" panose="020F0502020204030204" pitchFamily="34" charset="0"/>
+              </a:rPr>
+              <a:t>arXiv</a:t>
+            </a:r>
+            <a:r>
+              <a:rPr lang="en-US" sz="1800" dirty="0">
+                <a:effectLst/>
+                <a:latin typeface="Calibri" panose="020F0502020204030204" pitchFamily="34" charset="0"/>
+              </a:rPr>
+              <a:t> preprint arXiv:2109.13916, 2021. </a:t>
+            </a:r>
+          </a:p>
+          <a:p>
+            <a:pPr marL="0" marR="0">
               <a:spcBef>
                 <a:spcPts val="0"/>
               </a:spcBef>
               <a:spcAft>
                 <a:spcPts val="0"/>
               </a:spcAft>
-              <a:buClrTx/>
-              <a:buSzTx/>
-              <a:buFontTx/>
-              <a:buNone/>
-              <a:tabLst/>
-              <a:defRPr/>
             </a:pPr>
             <a:r>
-              <a:rPr lang="it-IT" dirty="0"/>
-              <a:t>Amodei et al., 2016, Concrete </a:t>
-            </a:r>
-            <a:r>
-              <a:rPr lang="it-IT" dirty="0" err="1"/>
-              <a:t>Problems</a:t>
-            </a:r>
-            <a:r>
-              <a:rPr lang="it-IT" dirty="0"/>
-              <a:t> in AI </a:t>
-            </a:r>
-            <a:r>
-              <a:rPr lang="it-IT" dirty="0" err="1"/>
-              <a:t>Safety</a:t>
-            </a:r>
-            <a:r>
-              <a:rPr lang="it-IT" dirty="0"/>
-              <a:t> - https://arxiv.org/abs/1606.06565</a:t>
-            </a:r>
-            <a:endParaRPr lang="en-US" dirty="0"/>
+              <a:rPr lang="en-US" sz="1800" dirty="0">
+                <a:effectLst/>
+                <a:latin typeface="Calibri" panose="020F0502020204030204" pitchFamily="34" charset="0"/>
+                <a:hlinkClick r:id="rId3"/>
+              </a:rPr>
+              <a:t>https://www.hpi.uni-potsdam.de/giese/bibadmin/show.php?id=17717</a:t>
+            </a:r>
+            <a:endParaRPr lang="en-US" sz="1800" dirty="0">
+              <a:effectLst/>
+              <a:latin typeface="Calibri" panose="020F0502020204030204" pitchFamily="34" charset="0"/>
+            </a:endParaRPr>
+          </a:p>
+          <a:p>
+            <a:pPr marL="0" marR="0">
+              <a:spcBef>
+                <a:spcPts val="0"/>
+              </a:spcBef>
+              <a:spcAft>
+                <a:spcPts val="0"/>
+              </a:spcAft>
+            </a:pPr>
+            <a:r>
+              <a:rPr lang="en-US" sz="1800" dirty="0">
+                <a:effectLst/>
+                <a:latin typeface="Calibri" panose="020F0502020204030204" pitchFamily="34" charset="0"/>
+                <a:hlinkClick r:id="rId4"/>
+              </a:rPr>
+              <a:t>https://arxiv.org/pdf/2109.13916.pdf</a:t>
+            </a:r>
+            <a:endParaRPr lang="en-US" sz="1800" dirty="0">
+              <a:effectLst/>
+              <a:latin typeface="Calibri" panose="020F0502020204030204" pitchFamily="34" charset="0"/>
+            </a:endParaRPr>
           </a:p>
           <a:p>
             <a:endParaRPr lang="en-US" dirty="0"/>
@@ -1402,7 +1696,7 @@
     </p:spTree>
     <p:extLst>
       <p:ext uri="{BB962C8B-B14F-4D97-AF65-F5344CB8AC3E}">
-        <p14:creationId xmlns:p14="http://schemas.microsoft.com/office/powerpoint/2010/main" val="1714345748"/>
+        <p14:creationId xmlns:p14="http://schemas.microsoft.com/office/powerpoint/2010/main" val="3451206451"/>
       </p:ext>
     </p:extLst>
   </p:cSld>
@@ -1456,6 +1750,82 @@
           <a:bodyPr/>
           <a:lstStyle/>
           <a:p>
+            <a:pPr marL="0" marR="0" lvl="0" indent="0" algn="l" defTabSz="914400" rtl="0" eaLnBrk="1" fontAlgn="auto" latinLnBrk="0" hangingPunct="1">
+              <a:lnSpc>
+                <a:spcPct val="100000"/>
+              </a:lnSpc>
+              <a:spcBef>
+                <a:spcPts val="0"/>
+              </a:spcBef>
+              <a:spcAft>
+                <a:spcPts val="0"/>
+              </a:spcAft>
+              <a:buClrTx/>
+              <a:buSzTx/>
+              <a:buFontTx/>
+              <a:buNone/>
+              <a:tabLst/>
+              <a:defRPr/>
+            </a:pPr>
+            <a:r>
+              <a:rPr lang="en-US" sz="1200" dirty="0" err="1">
+                <a:effectLst/>
+              </a:rPr>
+              <a:t>Dulac</a:t>
+            </a:r>
+            <a:r>
+              <a:rPr lang="en-US" sz="1200" dirty="0">
+                <a:effectLst/>
+              </a:rPr>
+              <a:t>-Arnold, Mankowitz, Hester, 2019, </a:t>
+            </a:r>
+            <a:r>
+              <a:rPr lang="en-US" sz="1200" dirty="0"/>
+              <a:t>Challenges of Real-World Reinforcement Learning</a:t>
+            </a:r>
+            <a:endParaRPr lang="it-IT" dirty="0"/>
+          </a:p>
+          <a:p>
+            <a:pPr marL="0" marR="0" lvl="0" indent="0" algn="l" defTabSz="914400" rtl="0" eaLnBrk="1" fontAlgn="auto" latinLnBrk="0" hangingPunct="1">
+              <a:lnSpc>
+                <a:spcPct val="100000"/>
+              </a:lnSpc>
+              <a:spcBef>
+                <a:spcPts val="0"/>
+              </a:spcBef>
+              <a:spcAft>
+                <a:spcPts val="0"/>
+              </a:spcAft>
+              <a:buClrTx/>
+              <a:buSzTx/>
+              <a:buFontTx/>
+              <a:buNone/>
+              <a:tabLst/>
+              <a:defRPr/>
+            </a:pPr>
+            <a:r>
+              <a:rPr lang="it-IT" dirty="0"/>
+              <a:t>Amodei et al., 2016, Concrete </a:t>
+            </a:r>
+            <a:r>
+              <a:rPr lang="it-IT" dirty="0" err="1"/>
+              <a:t>Problems</a:t>
+            </a:r>
+            <a:r>
+              <a:rPr lang="it-IT" dirty="0"/>
+              <a:t> in AI </a:t>
+            </a:r>
+            <a:r>
+              <a:rPr lang="it-IT" dirty="0" err="1"/>
+              <a:t>Safety</a:t>
+            </a:r>
+            <a:r>
+              <a:rPr lang="it-IT" dirty="0"/>
+              <a:t> - https://arxiv.org/abs/1606.06565</a:t>
+            </a:r>
+            <a:endParaRPr lang="en-US" dirty="0"/>
+          </a:p>
+          <a:p>
             <a:endParaRPr lang="en-US" dirty="0"/>
           </a:p>
         </p:txBody>
@@ -1486,7 +1856,7 @@
     </p:spTree>
     <p:extLst>
       <p:ext uri="{BB962C8B-B14F-4D97-AF65-F5344CB8AC3E}">
-        <p14:creationId xmlns:p14="http://schemas.microsoft.com/office/powerpoint/2010/main" val="1539265833"/>
+        <p14:creationId xmlns:p14="http://schemas.microsoft.com/office/powerpoint/2010/main" val="1714345748"/>
       </p:ext>
     </p:extLst>
   </p:cSld>
@@ -1540,196 +1910,7 @@
           <a:bodyPr/>
           <a:lstStyle/>
           <a:p>
-            <a:r>
-              <a:rPr lang="en-US" b="0" i="0" dirty="0">
-                <a:solidFill>
-                  <a:srgbClr val="0D0D0D"/>
-                </a:solidFill>
-                <a:effectLst/>
-                <a:latin typeface="IvarText"/>
-              </a:rPr>
-              <a:t>[0] https://spectrum.ieee.org/ai-failures</a:t>
-            </a:r>
-          </a:p>
-          <a:p>
-            <a:r>
-              <a:rPr lang="en-US" b="0" i="0" dirty="0">
-                <a:solidFill>
-                  <a:srgbClr val="0D0D0D"/>
-                </a:solidFill>
-                <a:effectLst/>
-                <a:latin typeface="IvarText"/>
-              </a:rPr>
-              <a:t>[1] https://ieeexplore.ieee.org/document/8578273</a:t>
-            </a:r>
-          </a:p>
-          <a:p>
-            <a:r>
-              <a:rPr lang="en-US" b="0" i="0" dirty="0">
-                <a:solidFill>
-                  <a:srgbClr val="0D0D0D"/>
-                </a:solidFill>
-                <a:effectLst/>
-                <a:latin typeface="IvarText"/>
-              </a:rPr>
-              <a:t>[2] https://arxiv.org/abs/1710.08864</a:t>
-            </a:r>
-          </a:p>
-          <a:p>
-            <a:r>
-              <a:rPr lang="en-US" b="0" i="0" dirty="0">
-                <a:solidFill>
-                  <a:srgbClr val="0D0D0D"/>
-                </a:solidFill>
-                <a:effectLst/>
-                <a:latin typeface="IvarText"/>
-              </a:rPr>
-              <a:t>[3] http://anhnguyen.me/project/fooling/</a:t>
-            </a:r>
-          </a:p>
-          <a:p>
-            <a:r>
-              <a:rPr lang="en-US" b="0" i="0" dirty="0">
-                <a:solidFill>
-                  <a:srgbClr val="0D0D0D"/>
-                </a:solidFill>
-                <a:effectLst/>
-                <a:latin typeface="IvarText"/>
-              </a:rPr>
-              <a:t>[4] https://spectrum.ieee.org/the-human-os/biomedical/imaging/medical-imaging-ai-software-vulnerable-to-covert-attacks</a:t>
-            </a:r>
-          </a:p>
-          <a:p>
-            <a:r>
-              <a:rPr lang="en-US" b="0" i="0" dirty="0">
-                <a:solidFill>
-                  <a:srgbClr val="0D0D0D"/>
-                </a:solidFill>
-                <a:effectLst/>
-                <a:latin typeface="IvarText"/>
-              </a:rPr>
-              <a:t>[5] https://spectrum.ieee.org/racial-bias-found-in-algorithms-that-determine-health-care-for-millions-of-patients</a:t>
-            </a:r>
-          </a:p>
-          <a:p>
-            <a:r>
-              <a:rPr lang="en-US" b="0" i="0" dirty="0">
-                <a:solidFill>
-                  <a:srgbClr val="0D0D0D"/>
-                </a:solidFill>
-                <a:effectLst/>
-                <a:latin typeface="IvarText"/>
-              </a:rPr>
-              <a:t>[6] https://spectrum.ieee.org/what-is-deepfake</a:t>
-            </a:r>
-          </a:p>
-          <a:p>
-            <a:r>
-              <a:rPr lang="en-US" b="0" i="0" dirty="0">
-                <a:solidFill>
-                  <a:srgbClr val="0D0D0D"/>
-                </a:solidFill>
-                <a:effectLst/>
-                <a:latin typeface="IvarText"/>
-              </a:rPr>
-              <a:t>[7] http://anhnguyen.me/project/sam/</a:t>
-            </a:r>
-          </a:p>
-          <a:p>
-            <a:r>
-              <a:rPr lang="en-US" b="0" i="0" dirty="0">
-                <a:solidFill>
-                  <a:srgbClr val="0D0D0D"/>
-                </a:solidFill>
-                <a:effectLst/>
-                <a:latin typeface="IvarText"/>
-              </a:rPr>
-              <a:t>[8] https://spectrum.ieee.org/fatal-tesla-autopilot-crash-reminds-us-that-robots-arent-perfect</a:t>
-            </a:r>
-          </a:p>
-          <a:p>
-            <a:r>
-              <a:rPr lang="en-US" b="0" i="0" dirty="0">
-                <a:solidFill>
-                  <a:srgbClr val="0D0D0D"/>
-                </a:solidFill>
-                <a:effectLst/>
-                <a:latin typeface="IvarText"/>
-              </a:rPr>
-              <a:t>[9] https://www.tesla.com/blog/tragic-loss</a:t>
-            </a:r>
-          </a:p>
-          <a:p>
-            <a:r>
-              <a:rPr lang="en-US" b="0" i="0" dirty="0">
-                <a:solidFill>
-                  <a:srgbClr val="0D0D0D"/>
-                </a:solidFill>
-                <a:effectLst/>
-                <a:latin typeface="IvarText"/>
-              </a:rPr>
-              <a:t>[10] https://arxiv.org/abs/2011.06225</a:t>
-            </a:r>
-          </a:p>
-          <a:p>
-            <a:r>
-              <a:rPr lang="en-US" b="0" i="0" dirty="0">
-                <a:solidFill>
-                  <a:srgbClr val="0D0D0D"/>
-                </a:solidFill>
-                <a:effectLst/>
-                <a:latin typeface="IvarText"/>
-              </a:rPr>
-              <a:t>[11] https://www.sciencedirect.com/science/article/pii/S0010482521002122</a:t>
-            </a:r>
-          </a:p>
-          <a:p>
-            <a:r>
-              <a:rPr lang="en-US" b="0" i="0" dirty="0">
-                <a:solidFill>
-                  <a:srgbClr val="0D0D0D"/>
-                </a:solidFill>
-                <a:effectLst/>
-                <a:latin typeface="IvarText"/>
-              </a:rPr>
-              <a:t>[12] https://arxiv.org/abs/2005.02439</a:t>
-            </a:r>
-          </a:p>
-          <a:p>
-            <a:r>
-              <a:rPr lang="en-US" b="0" i="0" dirty="0">
-                <a:solidFill>
-                  <a:srgbClr val="0D0D0D"/>
-                </a:solidFill>
-                <a:effectLst/>
-                <a:latin typeface="IvarText"/>
-              </a:rPr>
-              <a:t>[13] https://arxiv.org/abs/2010.12779</a:t>
-            </a:r>
-          </a:p>
-          <a:p>
-            <a:r>
-              <a:rPr lang="en-US" b="0" i="0" dirty="0">
-                <a:solidFill>
-                  <a:srgbClr val="0D0D0D"/>
-                </a:solidFill>
-                <a:effectLst/>
-                <a:latin typeface="IvarText"/>
-              </a:rPr>
-              <a:t>[14] https://viterbischool.usc.edu/news/2020/11/new-test-reveals-ai-still-lacks-common-sense/</a:t>
-            </a:r>
-          </a:p>
-          <a:p>
-            <a:r>
-              <a:rPr lang="en-US" b="0" i="0" dirty="0">
-                <a:solidFill>
-                  <a:srgbClr val="0D0D0D"/>
-                </a:solidFill>
-                <a:effectLst/>
-                <a:latin typeface="IvarText"/>
-              </a:rPr>
-              <a:t>[15] https://arxiv.org/abs/2103.03874</a:t>
-            </a:r>
+            <a:endParaRPr lang="en-US" dirty="0"/>
           </a:p>
         </p:txBody>
       </p:sp>
@@ -1748,9 +1929,9 @@
           <a:bodyPr/>
           <a:lstStyle/>
           <a:p>
-            <a:fld id="{6F5E3EB3-4474-4F6D-B7CC-AA304012D246}" type="slidenum">
+            <a:fld id="{9271DED1-4C91-4561-A99B-E6676363E223}" type="slidenum">
               <a:rPr lang="en-US" smtClean="0"/>
-              <a:t>11</a:t>
+              <a:t>10</a:t>
             </a:fld>
             <a:endParaRPr lang="en-US"/>
           </a:p>
@@ -1759,7 +1940,7 @@
     </p:spTree>
     <p:extLst>
       <p:ext uri="{BB962C8B-B14F-4D97-AF65-F5344CB8AC3E}">
-        <p14:creationId xmlns:p14="http://schemas.microsoft.com/office/powerpoint/2010/main" val="4266692034"/>
+        <p14:creationId xmlns:p14="http://schemas.microsoft.com/office/powerpoint/2010/main" val="1539265833"/>
       </p:ext>
     </p:extLst>
   </p:cSld>
@@ -2032,7 +2213,7 @@
     </p:spTree>
     <p:extLst>
       <p:ext uri="{BB962C8B-B14F-4D97-AF65-F5344CB8AC3E}">
-        <p14:creationId xmlns:p14="http://schemas.microsoft.com/office/powerpoint/2010/main" val="3829483177"/>
+        <p14:creationId xmlns:p14="http://schemas.microsoft.com/office/powerpoint/2010/main" val="4266692034"/>
       </p:ext>
     </p:extLst>
   </p:cSld>
@@ -2087,174 +2268,195 @@
           <a:lstStyle/>
           <a:p>
             <a:r>
-              <a:rPr lang="en-US" dirty="0"/>
-              <a:t>Shield for performance: </a:t>
-            </a:r>
-          </a:p>
-          <a:p>
-            <a:r>
-              <a:rPr lang="en-US" dirty="0"/>
-              <a:t>- difficulty to add new features (priority to public transport)</a:t>
-            </a:r>
-          </a:p>
-          <a:p>
-            <a:r>
-              <a:rPr lang="en-US" dirty="0"/>
-              <a:t> - poor performance on untrained behavior (learned on uniform traffic, deployed on rush-hour traffic)</a:t>
-            </a:r>
-          </a:p>
-          <a:p>
-            <a:pPr marL="171450" indent="-171450">
-              <a:buFontTx/>
-              <a:buChar char="-"/>
-            </a:pPr>
-            <a:r>
-              <a:rPr lang="en-US" dirty="0"/>
-              <a:t>no local fairness (farm road turns green eventually)</a:t>
-            </a:r>
-          </a:p>
-          <a:p>
-            <a:pPr marL="0" indent="0">
-              <a:buFontTx/>
-              <a:buNone/>
-            </a:pPr>
-            <a:r>
-              <a:rPr lang="en-US" dirty="0"/>
-              <a:t>Time shields:</a:t>
-            </a:r>
-          </a:p>
-          <a:p>
-            <a:pPr marL="171450" indent="-171450">
-              <a:buFontTx/>
-              <a:buChar char="-"/>
-            </a:pPr>
-            <a:r>
-              <a:rPr lang="en-US" dirty="0"/>
-              <a:t>Complex timing is difficult to learn</a:t>
-            </a:r>
-          </a:p>
-          <a:p>
-            <a:pPr marL="171450" indent="-171450">
-              <a:buFontTx/>
-              <a:buChar char="-"/>
-            </a:pPr>
-            <a:r>
-              <a:rPr lang="en-US" dirty="0"/>
-              <a:t>Enforce it with shield from timed automata specs</a:t>
-            </a:r>
-          </a:p>
-          <a:p>
-            <a:r>
-              <a:rPr lang="en-US" dirty="0"/>
-              <a:t>Multi-agent shields (enforce global safety by quantitative interference costs):</a:t>
-            </a:r>
-          </a:p>
-          <a:p>
-            <a:r>
-              <a:rPr lang="en-US" dirty="0"/>
-              <a:t>- Counting cost function</a:t>
-            </a:r>
-          </a:p>
-          <a:p>
-            <a:pPr marL="171450" indent="-171450">
-              <a:buFontTx/>
-              <a:buChar char="-"/>
-            </a:pPr>
-            <a:r>
-              <a:rPr lang="en-US" dirty="0"/>
-              <a:t>Different costs for interferences with different agents</a:t>
-            </a:r>
-          </a:p>
-          <a:p>
-            <a:pPr marL="171450" indent="-171450">
-              <a:buFontTx/>
-              <a:buChar char="-"/>
-            </a:pPr>
-            <a:r>
-              <a:rPr lang="en-US" dirty="0"/>
-              <a:t>Fair shielding (do not always interfere with the same agent repeatedly)</a:t>
-            </a:r>
-          </a:p>
-          <a:p>
-            <a:pPr marL="0" indent="0">
-              <a:buFontTx/>
-              <a:buNone/>
-            </a:pPr>
-            <a:r>
-              <a:rPr lang="en-US" dirty="0"/>
-              <a:t>What information is necessary to synthesize the shield?</a:t>
-            </a:r>
-          </a:p>
-          <a:p>
-            <a:pPr marL="0" indent="0">
-              <a:buFontTx/>
-              <a:buNone/>
-            </a:pPr>
-            <a:r>
-              <a:rPr lang="en-US" dirty="0"/>
-              <a:t>System and environment are adversarial. It does not need any information of any.</a:t>
-            </a:r>
-          </a:p>
-          <a:p>
-            <a:pPr marL="0" indent="0">
-              <a:buFontTx/>
-              <a:buNone/>
-            </a:pPr>
-            <a:endParaRPr lang="en-US" dirty="0"/>
-          </a:p>
-          <a:p>
-            <a:pPr marL="0" indent="0">
-              <a:buFontTx/>
-              <a:buNone/>
-            </a:pPr>
-            <a:r>
-              <a:rPr lang="en-US" dirty="0"/>
-              <a:t>Prior knowledge that guarantees safe learning operation enforce by the shield like the flight envelope.</a:t>
-            </a:r>
-          </a:p>
-          <a:p>
-            <a:pPr marL="0" indent="0">
-              <a:buFontTx/>
-              <a:buNone/>
-            </a:pPr>
-            <a:r>
-              <a:rPr lang="en-US" dirty="0"/>
-              <a:t>Shield could be a robust control, that provide guarantees at the expense of loss of optimality.</a:t>
-            </a:r>
-          </a:p>
-          <a:p>
-            <a:pPr marL="0" indent="0">
-              <a:buFontTx/>
-              <a:buNone/>
-            </a:pPr>
-            <a:r>
-              <a:rPr lang="en-US" dirty="0"/>
-              <a:t>Related to Runtime Verification (He’s work).</a:t>
-            </a:r>
-          </a:p>
-          <a:p>
-            <a:pPr marL="0" indent="0">
-              <a:buFontTx/>
-              <a:buNone/>
-            </a:pPr>
-            <a:endParaRPr lang="en-US" dirty="0"/>
-          </a:p>
-          <a:p>
-            <a:pPr marL="0" indent="0">
-              <a:buFontTx/>
-              <a:buNone/>
-            </a:pPr>
-            <a:r>
-              <a:rPr lang="en-US" dirty="0"/>
-              <a:t>TODO: Add Shield as one approach. Add other approaches from safety-critical community.</a:t>
-            </a:r>
-          </a:p>
-          <a:p>
-            <a:pPr marL="0" indent="0">
-              <a:buFontTx/>
-              <a:buNone/>
-            </a:pPr>
-            <a:endParaRPr lang="en-US" dirty="0"/>
+              <a:rPr lang="en-US" b="0" i="0" dirty="0">
+                <a:solidFill>
+                  <a:srgbClr val="0D0D0D"/>
+                </a:solidFill>
+                <a:effectLst/>
+                <a:latin typeface="IvarText"/>
+              </a:rPr>
+              <a:t>[0] https://spectrum.ieee.org/ai-failures</a:t>
+            </a:r>
+          </a:p>
+          <a:p>
+            <a:r>
+              <a:rPr lang="en-US" b="0" i="0" dirty="0">
+                <a:solidFill>
+                  <a:srgbClr val="0D0D0D"/>
+                </a:solidFill>
+                <a:effectLst/>
+                <a:latin typeface="IvarText"/>
+              </a:rPr>
+              <a:t>[1] https://ieeexplore.ieee.org/document/8578273</a:t>
+            </a:r>
+          </a:p>
+          <a:p>
+            <a:r>
+              <a:rPr lang="en-US" b="0" i="0" dirty="0">
+                <a:solidFill>
+                  <a:srgbClr val="0D0D0D"/>
+                </a:solidFill>
+                <a:effectLst/>
+                <a:latin typeface="IvarText"/>
+              </a:rPr>
+              <a:t>[2] https://arxiv.org/abs/1710.08864</a:t>
+            </a:r>
+          </a:p>
+          <a:p>
+            <a:r>
+              <a:rPr lang="en-US" b="0" i="0" dirty="0">
+                <a:solidFill>
+                  <a:srgbClr val="0D0D0D"/>
+                </a:solidFill>
+                <a:effectLst/>
+                <a:latin typeface="IvarText"/>
+              </a:rPr>
+              <a:t>[3] http://anhnguyen.me/project/fooling/</a:t>
+            </a:r>
+          </a:p>
+          <a:p>
+            <a:r>
+              <a:rPr lang="en-US" b="0" i="0" dirty="0">
+                <a:solidFill>
+                  <a:srgbClr val="0D0D0D"/>
+                </a:solidFill>
+                <a:effectLst/>
+                <a:latin typeface="IvarText"/>
+              </a:rPr>
+              <a:t>[4] https://spectrum.ieee.org/the-human-os/biomedical/imaging/medical-imaging-ai-software-vulnerable-to-covert-attacks</a:t>
+            </a:r>
+          </a:p>
+          <a:p>
+            <a:r>
+              <a:rPr lang="en-US" b="0" i="0" dirty="0">
+                <a:solidFill>
+                  <a:srgbClr val="0D0D0D"/>
+                </a:solidFill>
+                <a:effectLst/>
+                <a:latin typeface="IvarText"/>
+              </a:rPr>
+              <a:t>[5] https://spectrum.ieee.org/racial-bias-found-in-algorithms-that-determine-health-care-for-millions-of-patients</a:t>
+            </a:r>
+          </a:p>
+          <a:p>
+            <a:r>
+              <a:rPr lang="en-US" b="0" i="0" dirty="0">
+                <a:solidFill>
+                  <a:srgbClr val="0D0D0D"/>
+                </a:solidFill>
+                <a:effectLst/>
+                <a:latin typeface="IvarText"/>
+              </a:rPr>
+              <a:t>[6] https://spectrum.ieee.org/what-is-deepfake</a:t>
+            </a:r>
+          </a:p>
+          <a:p>
+            <a:r>
+              <a:rPr lang="en-US" b="0" i="0" dirty="0">
+                <a:solidFill>
+                  <a:srgbClr val="0D0D0D"/>
+                </a:solidFill>
+                <a:effectLst/>
+                <a:latin typeface="IvarText"/>
+              </a:rPr>
+              <a:t>[7] http://anhnguyen.me/project/sam/</a:t>
+            </a:r>
+          </a:p>
+          <a:p>
+            <a:r>
+              <a:rPr lang="en-US" b="0" i="0" dirty="0">
+                <a:solidFill>
+                  <a:srgbClr val="0D0D0D"/>
+                </a:solidFill>
+                <a:effectLst/>
+                <a:latin typeface="IvarText"/>
+              </a:rPr>
+              <a:t>[8] https://spectrum.ieee.org/fatal-tesla-autopilot-crash-reminds-us-that-robots-arent-perfect</a:t>
+            </a:r>
+          </a:p>
+          <a:p>
+            <a:r>
+              <a:rPr lang="en-US" b="0" i="0" dirty="0">
+                <a:solidFill>
+                  <a:srgbClr val="0D0D0D"/>
+                </a:solidFill>
+                <a:effectLst/>
+                <a:latin typeface="IvarText"/>
+              </a:rPr>
+              <a:t>[9] https://www.tesla.com/blog/tragic-loss</a:t>
+            </a:r>
+          </a:p>
+          <a:p>
+            <a:r>
+              <a:rPr lang="en-US" b="0" i="0" dirty="0">
+                <a:solidFill>
+                  <a:srgbClr val="0D0D0D"/>
+                </a:solidFill>
+                <a:effectLst/>
+                <a:latin typeface="IvarText"/>
+              </a:rPr>
+              <a:t>[10] https://arxiv.org/abs/2011.06225</a:t>
+            </a:r>
+          </a:p>
+          <a:p>
+            <a:r>
+              <a:rPr lang="en-US" b="0" i="0" dirty="0">
+                <a:solidFill>
+                  <a:srgbClr val="0D0D0D"/>
+                </a:solidFill>
+                <a:effectLst/>
+                <a:latin typeface="IvarText"/>
+              </a:rPr>
+              <a:t>[11] https://www.sciencedirect.com/science/article/pii/S0010482521002122</a:t>
+            </a:r>
+          </a:p>
+          <a:p>
+            <a:r>
+              <a:rPr lang="en-US" b="0" i="0" dirty="0">
+                <a:solidFill>
+                  <a:srgbClr val="0D0D0D"/>
+                </a:solidFill>
+                <a:effectLst/>
+                <a:latin typeface="IvarText"/>
+              </a:rPr>
+              <a:t>[12] https://arxiv.org/abs/2005.02439</a:t>
+            </a:r>
+          </a:p>
+          <a:p>
+            <a:r>
+              <a:rPr lang="en-US" b="0" i="0" dirty="0">
+                <a:solidFill>
+                  <a:srgbClr val="0D0D0D"/>
+                </a:solidFill>
+                <a:effectLst/>
+                <a:latin typeface="IvarText"/>
+              </a:rPr>
+              <a:t>[13] https://arxiv.org/abs/2010.12779</a:t>
+            </a:r>
+          </a:p>
+          <a:p>
+            <a:r>
+              <a:rPr lang="en-US" b="0" i="0" dirty="0">
+                <a:solidFill>
+                  <a:srgbClr val="0D0D0D"/>
+                </a:solidFill>
+                <a:effectLst/>
+                <a:latin typeface="IvarText"/>
+              </a:rPr>
+              <a:t>[14] https://viterbischool.usc.edu/news/2020/11/new-test-reveals-ai-still-lacks-common-sense/</a:t>
+            </a:r>
+          </a:p>
+          <a:p>
+            <a:r>
+              <a:rPr lang="en-US" b="0" i="0" dirty="0">
+                <a:solidFill>
+                  <a:srgbClr val="0D0D0D"/>
+                </a:solidFill>
+                <a:effectLst/>
+                <a:latin typeface="IvarText"/>
+              </a:rPr>
+              <a:t>[15] https://arxiv.org/abs/2103.03874</a:t>
+            </a:r>
           </a:p>
         </p:txBody>
       </p:sp>
@@ -2275,7 +2477,7 @@
           <a:p>
             <a:fld id="{6F5E3EB3-4474-4F6D-B7CC-AA304012D246}" type="slidenum">
               <a:rPr lang="en-US" smtClean="0"/>
-              <a:t>15</a:t>
+              <a:t>13</a:t>
             </a:fld>
             <a:endParaRPr lang="en-US"/>
           </a:p>
@@ -2284,7 +2486,7 @@
     </p:spTree>
     <p:extLst>
       <p:ext uri="{BB962C8B-B14F-4D97-AF65-F5344CB8AC3E}">
-        <p14:creationId xmlns:p14="http://schemas.microsoft.com/office/powerpoint/2010/main" val="926329545"/>
+        <p14:creationId xmlns:p14="http://schemas.microsoft.com/office/powerpoint/2010/main" val="3829483177"/>
       </p:ext>
     </p:extLst>
   </p:cSld>
@@ -4018,7 +4220,7 @@
           <a:p>
             <a:fld id="{4DDB5538-DA78-4C2C-BF6B-9485BBAF1D80}" type="datetimeFigureOut">
               <a:rPr lang="en-US" smtClean="0"/>
-              <a:t>2/23/2022</a:t>
+              <a:t>4/13/2022</a:t>
             </a:fld>
             <a:endParaRPr lang="en-US"/>
           </a:p>
@@ -4307,7 +4509,7 @@
           <a:p>
             <a:fld id="{4DDB5538-DA78-4C2C-BF6B-9485BBAF1D80}" type="datetimeFigureOut">
               <a:rPr lang="en-US" smtClean="0"/>
-              <a:t>2/23/2022</a:t>
+              <a:t>4/13/2022</a:t>
             </a:fld>
             <a:endParaRPr lang="en-US"/>
           </a:p>
@@ -4596,7 +4798,7 @@
           <a:p>
             <a:fld id="{4DDB5538-DA78-4C2C-BF6B-9485BBAF1D80}" type="datetimeFigureOut">
               <a:rPr lang="en-US" smtClean="0"/>
-              <a:t>2/23/2022</a:t>
+              <a:t>4/13/2022</a:t>
             </a:fld>
             <a:endParaRPr lang="en-US"/>
           </a:p>
@@ -4885,7 +5087,7 @@
           <a:p>
             <a:fld id="{4DDB5538-DA78-4C2C-BF6B-9485BBAF1D80}" type="datetimeFigureOut">
               <a:rPr lang="en-US" smtClean="0"/>
-              <a:t>2/23/2022</a:t>
+              <a:t>4/13/2022</a:t>
             </a:fld>
             <a:endParaRPr lang="en-US"/>
           </a:p>
@@ -5122,7 +5324,7 @@
           <a:p>
             <a:fld id="{4DDB5538-DA78-4C2C-BF6B-9485BBAF1D80}" type="datetimeFigureOut">
               <a:rPr lang="en-US" smtClean="0"/>
-              <a:t>2/23/2022</a:t>
+              <a:t>4/13/2022</a:t>
             </a:fld>
             <a:endParaRPr lang="en-US"/>
           </a:p>
@@ -5579,7 +5781,7 @@
           <a:p>
             <a:fld id="{4DDB5538-DA78-4C2C-BF6B-9485BBAF1D80}" type="datetimeFigureOut">
               <a:rPr lang="en-US" smtClean="0"/>
-              <a:t>2/23/2022</a:t>
+              <a:t>4/13/2022</a:t>
             </a:fld>
             <a:endParaRPr lang="en-US"/>
           </a:p>
@@ -5900,7 +6102,7 @@
             </a:fld>
             <a:r>
               <a:rPr lang="en-US" dirty="0"/>
-              <a:t>/12</a:t>
+              <a:t>/20</a:t>
             </a:r>
           </a:p>
         </p:txBody>
@@ -8218,7 +8420,7 @@
           <a:p>
             <a:fld id="{4DDB5538-DA78-4C2C-BF6B-9485BBAF1D80}" type="datetimeFigureOut">
               <a:rPr lang="en-US" smtClean="0"/>
-              <a:t>2/23/2022</a:t>
+              <a:t>4/13/2022</a:t>
             </a:fld>
             <a:endParaRPr lang="en-US"/>
           </a:p>
@@ -8468,7 +8670,7 @@
           <a:p>
             <a:fld id="{4DDB5538-DA78-4C2C-BF6B-9485BBAF1D80}" type="datetimeFigureOut">
               <a:rPr lang="en-US" smtClean="0"/>
-              <a:t>2/23/2022</a:t>
+              <a:t>4/13/2022</a:t>
             </a:fld>
             <a:endParaRPr lang="en-US"/>
           </a:p>
@@ -8854,7 +9056,7 @@
           <a:p>
             <a:fld id="{4DDB5538-DA78-4C2C-BF6B-9485BBAF1D80}" type="datetimeFigureOut">
               <a:rPr lang="en-US" smtClean="0"/>
-              <a:t>2/23/2022</a:t>
+              <a:t>4/13/2022</a:t>
             </a:fld>
             <a:endParaRPr lang="en-US"/>
           </a:p>
@@ -9114,7 +9316,7 @@
           <a:p>
             <a:fld id="{4DDB5538-DA78-4C2C-BF6B-9485BBAF1D80}" type="datetimeFigureOut">
               <a:rPr lang="en-US" smtClean="0"/>
-              <a:t>2/23/2022</a:t>
+              <a:t>4/13/2022</a:t>
             </a:fld>
             <a:endParaRPr lang="en-US"/>
           </a:p>
@@ -11512,6 +11714,387 @@
           <p:cNvPr id="2" name="Title 1">
             <a:extLst>
               <a:ext uri="{FF2B5EF4-FFF2-40B4-BE49-F238E27FC236}">
+                <a16:creationId xmlns:a16="http://schemas.microsoft.com/office/drawing/2014/main" id="{94C797DD-6CEF-4883-9073-34E314803741}"/>
+              </a:ext>
+            </a:extLst>
+          </p:cNvPr>
+          <p:cNvSpPr>
+            <a:spLocks noGrp="1"/>
+          </p:cNvSpPr>
+          <p:nvPr>
+            <p:ph type="title"/>
+          </p:nvPr>
+        </p:nvSpPr>
+        <p:spPr>
+          <a:xfrm>
+            <a:off x="236091" y="144001"/>
+            <a:ext cx="9884831" cy="514738"/>
+          </a:xfrm>
+        </p:spPr>
+        <p:txBody>
+          <a:bodyPr/>
+          <a:lstStyle/>
+          <a:p>
+            <a:r>
+              <a:rPr lang="en-US" sz="2400" dirty="0">
+                <a:solidFill>
+                  <a:schemeClr val="tx1"/>
+                </a:solidFill>
+              </a:rPr>
+              <a:t>Challenges of Real-World Reinforcement Learning </a:t>
+            </a:r>
+            <a:r>
+              <a:rPr lang="en-US" sz="1600" dirty="0">
+                <a:solidFill>
+                  <a:schemeClr val="tx1"/>
+                </a:solidFill>
+              </a:rPr>
+              <a:t>[</a:t>
+            </a:r>
+            <a:r>
+              <a:rPr lang="en-US" sz="1600" dirty="0" err="1">
+                <a:solidFill>
+                  <a:schemeClr val="tx1"/>
+                </a:solidFill>
+                <a:effectLst/>
+              </a:rPr>
+              <a:t>Dulac</a:t>
+            </a:r>
+            <a:r>
+              <a:rPr lang="en-US" sz="1600" dirty="0">
+                <a:solidFill>
+                  <a:schemeClr val="tx1"/>
+                </a:solidFill>
+                <a:effectLst/>
+              </a:rPr>
+              <a:t>-Arnold 2019</a:t>
+            </a:r>
+            <a:r>
+              <a:rPr lang="en-US" sz="1600" dirty="0">
+                <a:solidFill>
+                  <a:schemeClr val="tx1"/>
+                </a:solidFill>
+              </a:rPr>
+              <a:t>]</a:t>
+            </a:r>
+          </a:p>
+        </p:txBody>
+      </p:sp>
+      <p:sp>
+        <p:nvSpPr>
+          <p:cNvPr id="3" name="Content Placeholder 2">
+            <a:extLst>
+              <a:ext uri="{FF2B5EF4-FFF2-40B4-BE49-F238E27FC236}">
+                <a16:creationId xmlns:a16="http://schemas.microsoft.com/office/drawing/2014/main" id="{CB3B958D-0456-464C-BBA5-A63CD4A85516}"/>
+              </a:ext>
+            </a:extLst>
+          </p:cNvPr>
+          <p:cNvSpPr>
+            <a:spLocks noGrp="1"/>
+          </p:cNvSpPr>
+          <p:nvPr>
+            <p:ph idx="1"/>
+          </p:nvPr>
+        </p:nvSpPr>
+        <p:spPr>
+          <a:xfrm>
+            <a:off x="478369" y="1213308"/>
+            <a:ext cx="11596400" cy="2553520"/>
+          </a:xfrm>
+        </p:spPr>
+        <p:txBody>
+          <a:bodyPr/>
+          <a:lstStyle/>
+          <a:p>
+            <a:r>
+              <a:rPr lang="en-US" dirty="0">
+                <a:latin typeface="+mj-lt"/>
+              </a:rPr>
+              <a:t>Other challenges (not subjected to)</a:t>
+            </a:r>
+            <a:endParaRPr lang="en-US" dirty="0">
+              <a:effectLst/>
+              <a:latin typeface="+mj-lt"/>
+            </a:endParaRPr>
+          </a:p>
+          <a:p>
+            <a:pPr marL="457200" indent="-457200">
+              <a:buFont typeface="+mj-lt"/>
+              <a:buAutoNum type="arabicPeriod" startAt="6"/>
+            </a:pPr>
+            <a:r>
+              <a:rPr lang="en-US" dirty="0">
+                <a:effectLst/>
+                <a:latin typeface="+mj-lt"/>
+              </a:rPr>
+              <a:t>High-dimensional continuous state and action spaces.</a:t>
+            </a:r>
+          </a:p>
+          <a:p>
+            <a:pPr marL="457200" indent="-457200">
+              <a:buAutoNum type="arabicPeriod" startAt="6"/>
+            </a:pPr>
+            <a:r>
+              <a:rPr lang="en-US" dirty="0">
+                <a:effectLst/>
+                <a:latin typeface="+mj-lt"/>
+              </a:rPr>
+              <a:t>Reward functions that are unspecified, multi-objective, or risk-sensitive.</a:t>
+            </a:r>
+          </a:p>
+          <a:p>
+            <a:pPr marL="457200" indent="-457200">
+              <a:buAutoNum type="arabicPeriod" startAt="6"/>
+            </a:pPr>
+            <a:r>
+              <a:rPr lang="en-US" dirty="0">
+                <a:effectLst/>
+                <a:latin typeface="+mj-lt"/>
+              </a:rPr>
+              <a:t>System operators who desire explainable policies and actions.</a:t>
+            </a:r>
+          </a:p>
+          <a:p>
+            <a:pPr marL="457200" indent="-457200">
+              <a:buAutoNum type="arabicPeriod" startAt="6"/>
+            </a:pPr>
+            <a:r>
+              <a:rPr lang="en-US" dirty="0">
+                <a:effectLst/>
+                <a:latin typeface="+mj-lt"/>
+              </a:rPr>
+              <a:t>Large and/or unknown delays in the system actuators, sensors, or rewards</a:t>
+            </a:r>
+          </a:p>
+          <a:p>
+            <a:endParaRPr lang="en-US" dirty="0">
+              <a:latin typeface="+mj-lt"/>
+            </a:endParaRPr>
+          </a:p>
+        </p:txBody>
+      </p:sp>
+      <p:sp>
+        <p:nvSpPr>
+          <p:cNvPr id="5" name="TextBox 4">
+            <a:extLst>
+              <a:ext uri="{FF2B5EF4-FFF2-40B4-BE49-F238E27FC236}">
+                <a16:creationId xmlns:a16="http://schemas.microsoft.com/office/drawing/2014/main" id="{55858E3B-6411-464C-859D-25E81C74AEAD}"/>
+              </a:ext>
+            </a:extLst>
+          </p:cNvPr>
+          <p:cNvSpPr txBox="1"/>
+          <p:nvPr/>
+        </p:nvSpPr>
+        <p:spPr bwMode="gray">
+          <a:xfrm>
+            <a:off x="0" y="6461897"/>
+            <a:ext cx="11269786" cy="338554"/>
+          </a:xfrm>
+          <a:prstGeom prst="rect">
+            <a:avLst/>
+          </a:prstGeom>
+          <a:noFill/>
+        </p:spPr>
+        <p:txBody>
+          <a:bodyPr wrap="square">
+            <a:spAutoFit/>
+          </a:bodyPr>
+          <a:lstStyle/>
+          <a:p>
+            <a:r>
+              <a:rPr lang="en-US" sz="1600" dirty="0" err="1">
+                <a:effectLst/>
+              </a:rPr>
+              <a:t>Dulac</a:t>
+            </a:r>
+            <a:r>
+              <a:rPr lang="en-US" sz="1600" dirty="0">
+                <a:effectLst/>
+              </a:rPr>
+              <a:t>-Arnold, Mankowitz, Hester, 2019, </a:t>
+            </a:r>
+            <a:r>
+              <a:rPr lang="en-US" sz="1600" dirty="0"/>
+              <a:t>Challenges of Real-World Reinforcement Learning</a:t>
+            </a:r>
+          </a:p>
+        </p:txBody>
+      </p:sp>
+      <p:sp>
+        <p:nvSpPr>
+          <p:cNvPr id="6" name="TextBox 5">
+            <a:extLst>
+              <a:ext uri="{FF2B5EF4-FFF2-40B4-BE49-F238E27FC236}">
+                <a16:creationId xmlns:a16="http://schemas.microsoft.com/office/drawing/2014/main" id="{01C7FDBE-2D3E-4500-B787-07319D4DCF81}"/>
+              </a:ext>
+            </a:extLst>
+          </p:cNvPr>
+          <p:cNvSpPr txBox="1"/>
+          <p:nvPr/>
+        </p:nvSpPr>
+        <p:spPr bwMode="gray">
+          <a:xfrm>
+            <a:off x="2919046" y="3834620"/>
+            <a:ext cx="6244492" cy="923330"/>
+          </a:xfrm>
+          <a:prstGeom prst="rect">
+            <a:avLst/>
+          </a:prstGeom>
+          <a:solidFill>
+            <a:schemeClr val="accent3">
+              <a:lumMod val="20000"/>
+              <a:lumOff val="80000"/>
+            </a:schemeClr>
+          </a:solidFill>
+        </p:spPr>
+        <p:txBody>
+          <a:bodyPr wrap="square">
+            <a:spAutoFit/>
+          </a:bodyPr>
+          <a:lstStyle/>
+          <a:p>
+            <a:r>
+              <a:rPr lang="en-US" b="1" dirty="0">
+                <a:latin typeface="+mj-lt"/>
+              </a:rPr>
+              <a:t>Main reason-why:</a:t>
+            </a:r>
+            <a:r>
+              <a:rPr lang="en-US" dirty="0">
+                <a:latin typeface="+mj-lt"/>
+              </a:rPr>
+              <a:t> </a:t>
+            </a:r>
+          </a:p>
+          <a:p>
+            <a:r>
+              <a:rPr lang="en-US" dirty="0" err="1">
+                <a:latin typeface="+mj-lt"/>
+              </a:rPr>
+              <a:t>mRubis</a:t>
+            </a:r>
+            <a:r>
+              <a:rPr lang="en-US" dirty="0">
+                <a:latin typeface="+mj-lt"/>
+              </a:rPr>
+              <a:t> is not safety-critical and it does not operate within a physical process</a:t>
+            </a:r>
+          </a:p>
+        </p:txBody>
+      </p:sp>
+    </p:spTree>
+    <p:extLst>
+      <p:ext uri="{BB962C8B-B14F-4D97-AF65-F5344CB8AC3E}">
+        <p14:creationId xmlns:p14="http://schemas.microsoft.com/office/powerpoint/2010/main" val="909801186"/>
+      </p:ext>
+    </p:extLst>
+  </p:cSld>
+  <p:clrMapOvr>
+    <a:masterClrMapping/>
+  </p:clrMapOvr>
+  <p:timing>
+    <p:tnLst>
+      <p:par>
+        <p:cTn id="1" dur="indefinite" restart="never" nodeType="tmRoot">
+          <p:childTnLst>
+            <p:seq concurrent="1" nextAc="seek">
+              <p:cTn id="2" dur="indefinite" nodeType="mainSeq">
+                <p:childTnLst>
+                  <p:par>
+                    <p:cTn id="3" fill="hold">
+                      <p:stCondLst>
+                        <p:cond delay="indefinite"/>
+                      </p:stCondLst>
+                      <p:childTnLst>
+                        <p:par>
+                          <p:cTn id="4" fill="hold">
+                            <p:stCondLst>
+                              <p:cond delay="0"/>
+                            </p:stCondLst>
+                            <p:childTnLst>
+                              <p:par>
+                                <p:cTn id="5" presetID="1" presetClass="entr" presetSubtype="0" fill="hold" grpId="0" nodeType="clickEffect">
+                                  <p:stCondLst>
+                                    <p:cond delay="0"/>
+                                  </p:stCondLst>
+                                  <p:childTnLst>
+                                    <p:set>
+                                      <p:cBhvr>
+                                        <p:cTn id="6" dur="1" fill="hold">
+                                          <p:stCondLst>
+                                            <p:cond delay="0"/>
+                                          </p:stCondLst>
+                                        </p:cTn>
+                                        <p:tgtEl>
+                                          <p:spTgt spid="6"/>
+                                        </p:tgtEl>
+                                        <p:attrNameLst>
+                                          <p:attrName>style.visibility</p:attrName>
+                                        </p:attrNameLst>
+                                      </p:cBhvr>
+                                      <p:to>
+                                        <p:strVal val="visible"/>
+                                      </p:to>
+                                    </p:set>
+                                  </p:childTnLst>
+                                </p:cTn>
+                              </p:par>
+                            </p:childTnLst>
+                          </p:cTn>
+                        </p:par>
+                      </p:childTnLst>
+                    </p:cTn>
+                  </p:par>
+                </p:childTnLst>
+              </p:cTn>
+              <p:prevCondLst>
+                <p:cond evt="onPrev" delay="0">
+                  <p:tgtEl>
+                    <p:sldTgt/>
+                  </p:tgtEl>
+                </p:cond>
+              </p:prevCondLst>
+              <p:nextCondLst>
+                <p:cond evt="onNext" delay="0">
+                  <p:tgtEl>
+                    <p:sldTgt/>
+                  </p:tgtEl>
+                </p:cond>
+              </p:nextCondLst>
+            </p:seq>
+          </p:childTnLst>
+        </p:cTn>
+      </p:par>
+    </p:tnLst>
+    <p:bldLst>
+      <p:bldP spid="6" grpId="0" animBg="1"/>
+    </p:bldLst>
+  </p:timing>
+</p:sld>
+</file>
+
+<file path=ppt/slides/slide11.xml><?xml version="1.0" encoding="utf-8"?>
+<p:sld xmlns:a="http://schemas.openxmlformats.org/drawingml/2006/main" xmlns:r="http://schemas.openxmlformats.org/officeDocument/2006/relationships" xmlns:p="http://schemas.openxmlformats.org/presentationml/2006/main">
+  <p:cSld>
+    <p:spTree>
+      <p:nvGrpSpPr>
+        <p:cNvPr id="1" name=""/>
+        <p:cNvGrpSpPr/>
+        <p:nvPr/>
+      </p:nvGrpSpPr>
+      <p:grpSpPr>
+        <a:xfrm>
+          <a:off x="0" y="0"/>
+          <a:ext cx="0" cy="0"/>
+          <a:chOff x="0" y="0"/>
+          <a:chExt cx="0" cy="0"/>
+        </a:xfrm>
+      </p:grpSpPr>
+      <p:sp>
+        <p:nvSpPr>
+          <p:cNvPr id="2" name="Title 1">
+            <a:extLst>
+              <a:ext uri="{FF2B5EF4-FFF2-40B4-BE49-F238E27FC236}">
                 <a16:creationId xmlns:a16="http://schemas.microsoft.com/office/drawing/2014/main" id="{8324EDF8-9C8B-4878-B221-E3FBFB18E3EC}"/>
               </a:ext>
             </a:extLst>
@@ -11734,7 +12317,7 @@
 </p:sld>
 </file>
 
-<file path=ppt/slides/slide11.xml><?xml version="1.0" encoding="utf-8"?>
+<file path=ppt/slides/slide12.xml><?xml version="1.0" encoding="utf-8"?>
 <p:sld xmlns:a="http://schemas.openxmlformats.org/drawingml/2006/main" xmlns:r="http://schemas.openxmlformats.org/officeDocument/2006/relationships" xmlns:p="http://schemas.openxmlformats.org/presentationml/2006/main">
   <p:cSld>
     <p:spTree>
@@ -12386,7 +12969,7 @@
 </p:sld>
 </file>
 
-<file path=ppt/slides/slide12.xml><?xml version="1.0" encoding="utf-8"?>
+<file path=ppt/slides/slide13.xml><?xml version="1.0" encoding="utf-8"?>
 <p:sld xmlns:a="http://schemas.openxmlformats.org/drawingml/2006/main" xmlns:r="http://schemas.openxmlformats.org/officeDocument/2006/relationships" xmlns:p="http://schemas.openxmlformats.org/presentationml/2006/main">
   <p:cSld>
     <p:spTree>
@@ -12893,7 +13476,7 @@
 </p:sld>
 </file>
 
-<file path=ppt/slides/slide13.xml><?xml version="1.0" encoding="utf-8"?>
+<file path=ppt/slides/slide14.xml><?xml version="1.0" encoding="utf-8"?>
 <p:sld xmlns:a="http://schemas.openxmlformats.org/drawingml/2006/main" xmlns:r="http://schemas.openxmlformats.org/officeDocument/2006/relationships" xmlns:p="http://schemas.openxmlformats.org/presentationml/2006/main">
   <p:cSld>
     <p:spTree>
@@ -13404,7 +13987,7 @@
 </p:sld>
 </file>
 
-<file path=ppt/slides/slide14.xml><?xml version="1.0" encoding="utf-8"?>
+<file path=ppt/slides/slide15.xml><?xml version="1.0" encoding="utf-8"?>
 <p:sld xmlns:a="http://schemas.openxmlformats.org/drawingml/2006/main" xmlns:r="http://schemas.openxmlformats.org/officeDocument/2006/relationships" xmlns:p="http://schemas.openxmlformats.org/presentationml/2006/main">
   <p:cSld>
     <p:spTree>
@@ -13983,7 +14566,7 @@
 </p:sld>
 </file>
 
-<file path=ppt/slides/slide15.xml><?xml version="1.0" encoding="utf-8"?>
+<file path=ppt/slides/slide16.xml><?xml version="1.0" encoding="utf-8"?>
 <p:sld xmlns:a="http://schemas.openxmlformats.org/drawingml/2006/main" xmlns:r="http://schemas.openxmlformats.org/officeDocument/2006/relationships" xmlns:p="http://schemas.openxmlformats.org/presentationml/2006/main">
   <p:cSld>
     <p:spTree>
@@ -14475,7 +15058,7 @@
 </p:sld>
 </file>
 
-<file path=ppt/slides/slide16.xml><?xml version="1.0" encoding="utf-8"?>
+<file path=ppt/slides/slide17.xml><?xml version="1.0" encoding="utf-8"?>
 <p:sld xmlns:a="http://schemas.openxmlformats.org/drawingml/2006/main" xmlns:r="http://schemas.openxmlformats.org/officeDocument/2006/relationships" xmlns:p="http://schemas.openxmlformats.org/presentationml/2006/main">
   <p:cSld>
     <p:spTree>
@@ -15289,7 +15872,7 @@
 </p:sld>
 </file>
 
-<file path=ppt/slides/slide17.xml><?xml version="1.0" encoding="utf-8"?>
+<file path=ppt/slides/slide18.xml><?xml version="1.0" encoding="utf-8"?>
 <p:sld xmlns:a="http://schemas.openxmlformats.org/drawingml/2006/main" xmlns:r="http://schemas.openxmlformats.org/officeDocument/2006/relationships" xmlns:p="http://schemas.openxmlformats.org/presentationml/2006/main">
   <p:cSld>
     <p:spTree>
@@ -15769,7 +16352,7 @@
 </p:sld>
 </file>
 
-<file path=ppt/slides/slide18.xml><?xml version="1.0" encoding="utf-8"?>
+<file path=ppt/slides/slide19.xml><?xml version="1.0" encoding="utf-8"?>
 <p:sld xmlns:a="http://schemas.openxmlformats.org/drawingml/2006/main" xmlns:r="http://schemas.openxmlformats.org/officeDocument/2006/relationships" xmlns:p="http://schemas.openxmlformats.org/presentationml/2006/main">
   <p:cSld>
     <p:spTree>
@@ -16652,323 +17235,6 @@
 </p:sld>
 </file>
 
-<file path=ppt/slides/slide19.xml><?xml version="1.0" encoding="utf-8"?>
-<p:sld xmlns:a="http://schemas.openxmlformats.org/drawingml/2006/main" xmlns:r="http://schemas.openxmlformats.org/officeDocument/2006/relationships" xmlns:p="http://schemas.openxmlformats.org/presentationml/2006/main">
-  <p:cSld>
-    <p:spTree>
-      <p:nvGrpSpPr>
-        <p:cNvPr id="1" name=""/>
-        <p:cNvGrpSpPr/>
-        <p:nvPr/>
-      </p:nvGrpSpPr>
-      <p:grpSpPr>
-        <a:xfrm>
-          <a:off x="0" y="0"/>
-          <a:ext cx="0" cy="0"/>
-          <a:chOff x="0" y="0"/>
-          <a:chExt cx="0" cy="0"/>
-        </a:xfrm>
-      </p:grpSpPr>
-      <p:sp>
-        <p:nvSpPr>
-          <p:cNvPr id="2" name="Title 1">
-            <a:extLst>
-              <a:ext uri="{FF2B5EF4-FFF2-40B4-BE49-F238E27FC236}">
-                <a16:creationId xmlns:a16="http://schemas.microsoft.com/office/drawing/2014/main" id="{2F0E4713-B320-46CB-B18C-338797AB9B3C}"/>
-              </a:ext>
-            </a:extLst>
-          </p:cNvPr>
-          <p:cNvSpPr>
-            <a:spLocks noGrp="1"/>
-          </p:cNvSpPr>
-          <p:nvPr>
-            <p:ph type="title"/>
-          </p:nvPr>
-        </p:nvSpPr>
-        <p:spPr/>
-        <p:txBody>
-          <a:bodyPr/>
-          <a:lstStyle/>
-          <a:p>
-            <a:r>
-              <a:rPr lang="en-US" dirty="0"/>
-              <a:t>Next Tasks (papers are in the Zotero repo)</a:t>
-            </a:r>
-          </a:p>
-        </p:txBody>
-      </p:sp>
-      <p:sp>
-        <p:nvSpPr>
-          <p:cNvPr id="3" name="Content Placeholder 2">
-            <a:extLst>
-              <a:ext uri="{FF2B5EF4-FFF2-40B4-BE49-F238E27FC236}">
-                <a16:creationId xmlns:a16="http://schemas.microsoft.com/office/drawing/2014/main" id="{4CA83E99-1213-41FE-9D6B-163C48D03D5C}"/>
-              </a:ext>
-            </a:extLst>
-          </p:cNvPr>
-          <p:cNvSpPr>
-            <a:spLocks noGrp="1"/>
-          </p:cNvSpPr>
-          <p:nvPr>
-            <p:ph idx="1"/>
-          </p:nvPr>
-        </p:nvSpPr>
-        <p:spPr>
-          <a:xfrm>
-            <a:off x="478369" y="1213308"/>
-            <a:ext cx="11473384" cy="5231176"/>
-          </a:xfrm>
-        </p:spPr>
-        <p:txBody>
-          <a:bodyPr/>
-          <a:lstStyle/>
-          <a:p>
-            <a:pPr marL="0" marR="0" lvl="0" indent="0" algn="l" defTabSz="914400" rtl="0" eaLnBrk="1" fontAlgn="auto" latinLnBrk="0" hangingPunct="1">
-              <a:lnSpc>
-                <a:spcPct val="100000"/>
-              </a:lnSpc>
-              <a:spcBef>
-                <a:spcPts val="0"/>
-              </a:spcBef>
-              <a:spcAft>
-                <a:spcPts val="0"/>
-              </a:spcAft>
-              <a:buClrTx/>
-              <a:buSzTx/>
-              <a:buFontTx/>
-              <a:buNone/>
-              <a:tabLst/>
-              <a:defRPr/>
-            </a:pPr>
-            <a:r>
-              <a:rPr lang="en-US" sz="1800" b="1" dirty="0">
-                <a:latin typeface="+mj-lt"/>
-              </a:rPr>
-              <a:t>1. Safety Challenges in AI and RL</a:t>
-            </a:r>
-          </a:p>
-          <a:p>
-            <a:pPr marL="0" marR="0" lvl="0" indent="0" algn="l" defTabSz="914400" rtl="0" eaLnBrk="1" fontAlgn="auto" latinLnBrk="0" hangingPunct="1">
-              <a:lnSpc>
-                <a:spcPct val="100000"/>
-              </a:lnSpc>
-              <a:spcBef>
-                <a:spcPts val="0"/>
-              </a:spcBef>
-              <a:spcAft>
-                <a:spcPts val="0"/>
-              </a:spcAft>
-              <a:buClrTx/>
-              <a:buSzTx/>
-              <a:buFontTx/>
-              <a:buNone/>
-              <a:tabLst/>
-              <a:defRPr/>
-            </a:pPr>
-            <a:r>
-              <a:rPr lang="en-US" sz="1800" dirty="0">
-                <a:effectLst/>
-                <a:latin typeface="+mj-lt"/>
-              </a:rPr>
-              <a:t>- </a:t>
-            </a:r>
-            <a:r>
-              <a:rPr lang="en-US" sz="1800" dirty="0" err="1">
-                <a:effectLst/>
-                <a:latin typeface="+mj-lt"/>
-              </a:rPr>
-              <a:t>Dulac</a:t>
-            </a:r>
-            <a:r>
-              <a:rPr lang="en-US" sz="1800" dirty="0">
-                <a:effectLst/>
-                <a:latin typeface="+mj-lt"/>
-              </a:rPr>
-              <a:t>-Arnold, Mankowitz, Hester, 2019, </a:t>
-            </a:r>
-            <a:r>
-              <a:rPr lang="en-US" sz="1800" dirty="0">
-                <a:latin typeface="+mj-lt"/>
-              </a:rPr>
-              <a:t>Challenges of Real-World Reinforcement Learning</a:t>
-            </a:r>
-            <a:endParaRPr lang="it-IT" sz="1800" dirty="0">
-              <a:latin typeface="+mj-lt"/>
-            </a:endParaRPr>
-          </a:p>
-          <a:p>
-            <a:pPr marL="0" marR="0" lvl="0" indent="0" algn="l" defTabSz="914400" rtl="0" eaLnBrk="1" fontAlgn="auto" latinLnBrk="0" hangingPunct="1">
-              <a:lnSpc>
-                <a:spcPct val="100000"/>
-              </a:lnSpc>
-              <a:spcBef>
-                <a:spcPts val="0"/>
-              </a:spcBef>
-              <a:spcAft>
-                <a:spcPts val="0"/>
-              </a:spcAft>
-              <a:buClrTx/>
-              <a:buSzTx/>
-              <a:buFontTx/>
-              <a:buNone/>
-              <a:tabLst/>
-              <a:defRPr/>
-            </a:pPr>
-            <a:r>
-              <a:rPr lang="it-IT" sz="1800" dirty="0">
-                <a:latin typeface="+mj-lt"/>
-              </a:rPr>
-              <a:t>- Amodei et al., 2016, Concrete </a:t>
-            </a:r>
-            <a:r>
-              <a:rPr lang="it-IT" sz="1800" dirty="0" err="1">
-                <a:latin typeface="+mj-lt"/>
-              </a:rPr>
-              <a:t>Problems</a:t>
-            </a:r>
-            <a:r>
-              <a:rPr lang="it-IT" sz="1800" dirty="0">
-                <a:latin typeface="+mj-lt"/>
-              </a:rPr>
-              <a:t> in AI </a:t>
-            </a:r>
-            <a:r>
-              <a:rPr lang="it-IT" sz="1800" dirty="0" err="1">
-                <a:latin typeface="+mj-lt"/>
-              </a:rPr>
-              <a:t>Safety</a:t>
-            </a:r>
-            <a:r>
-              <a:rPr lang="it-IT" sz="1800" dirty="0">
-                <a:latin typeface="+mj-lt"/>
-              </a:rPr>
-              <a:t> - https://arxiv.org/abs/1606.06565</a:t>
-            </a:r>
-            <a:endParaRPr lang="en-US" sz="1800" dirty="0">
-              <a:latin typeface="+mj-lt"/>
-            </a:endParaRPr>
-          </a:p>
-          <a:p>
-            <a:endParaRPr lang="en-US" dirty="0">
-              <a:latin typeface="+mj-lt"/>
-            </a:endParaRPr>
-          </a:p>
-          <a:p>
-            <a:r>
-              <a:rPr lang="en-US" b="1" dirty="0">
-                <a:latin typeface="+mj-lt"/>
-              </a:rPr>
-              <a:t>2. Choose one of the Safety-RL papers to read and write a gist (8 lines)</a:t>
-            </a:r>
-          </a:p>
-          <a:p>
-            <a:pPr marL="342900" indent="-342900">
-              <a:buFont typeface="Arial" panose="020B0604020202020204" pitchFamily="34" charset="0"/>
-              <a:buChar char="•"/>
-            </a:pPr>
-            <a:r>
-              <a:rPr lang="en-US" dirty="0">
-                <a:latin typeface="+mj-lt"/>
-              </a:rPr>
-              <a:t>Context (domain and how it might relate to </a:t>
-            </a:r>
-            <a:r>
-              <a:rPr lang="en-US" dirty="0" err="1">
-                <a:latin typeface="+mj-lt"/>
-              </a:rPr>
-              <a:t>mRubis</a:t>
-            </a:r>
-            <a:r>
-              <a:rPr lang="en-US" dirty="0">
-                <a:latin typeface="+mj-lt"/>
-              </a:rPr>
-              <a:t>) </a:t>
-            </a:r>
-          </a:p>
-          <a:p>
-            <a:pPr marL="342900" indent="-342900">
-              <a:buFont typeface="Arial" panose="020B0604020202020204" pitchFamily="34" charset="0"/>
-              <a:buChar char="•"/>
-            </a:pPr>
-            <a:r>
-              <a:rPr lang="en-US" dirty="0">
-                <a:latin typeface="+mj-lt"/>
-              </a:rPr>
-              <a:t>Problem (what, why it matters, why is it challenging)</a:t>
-            </a:r>
-          </a:p>
-          <a:p>
-            <a:pPr marL="342900" indent="-342900">
-              <a:buFont typeface="Arial" panose="020B0604020202020204" pitchFamily="34" charset="0"/>
-              <a:buChar char="•"/>
-            </a:pPr>
-            <a:r>
-              <a:rPr lang="en-US" dirty="0">
-                <a:latin typeface="+mj-lt"/>
-              </a:rPr>
-              <a:t>Approach (why is it a good idea/insight, how it works, how it compares with others)</a:t>
-            </a:r>
-          </a:p>
-          <a:p>
-            <a:r>
-              <a:rPr lang="en-US" b="1" dirty="0">
-                <a:latin typeface="+mj-lt"/>
-              </a:rPr>
-              <a:t>3. Choose one of the Sim2Real papers and write a gist (8 lines)</a:t>
-            </a:r>
-          </a:p>
-          <a:p>
-            <a:endParaRPr lang="en-US" dirty="0">
-              <a:latin typeface="+mj-lt"/>
-            </a:endParaRPr>
-          </a:p>
-          <a:p>
-            <a:r>
-              <a:rPr lang="en-US" dirty="0">
-                <a:latin typeface="+mj-lt"/>
-              </a:rPr>
-              <a:t>For tasks 2 and 3, please check the following folders in Zotero:</a:t>
-            </a:r>
-          </a:p>
-          <a:p>
-            <a:pPr marL="342900" indent="-342900">
-              <a:buFontTx/>
-              <a:buChar char="-"/>
-            </a:pPr>
-            <a:r>
-              <a:rPr lang="en-US" dirty="0">
-                <a:latin typeface="+mj-lt"/>
-              </a:rPr>
-              <a:t>Safety (reinforcement learning)</a:t>
-            </a:r>
-          </a:p>
-          <a:p>
-            <a:pPr marL="342900" indent="-342900">
-              <a:buFontTx/>
-              <a:buChar char="-"/>
-            </a:pPr>
-            <a:r>
-              <a:rPr lang="en-US" dirty="0">
-                <a:latin typeface="+mj-lt"/>
-              </a:rPr>
-              <a:t>Sim2Real</a:t>
-            </a:r>
-          </a:p>
-        </p:txBody>
-      </p:sp>
-    </p:spTree>
-    <p:extLst>
-      <p:ext uri="{BB962C8B-B14F-4D97-AF65-F5344CB8AC3E}">
-        <p14:creationId xmlns:p14="http://schemas.microsoft.com/office/powerpoint/2010/main" val="583545354"/>
-      </p:ext>
-    </p:extLst>
-  </p:cSld>
-  <p:clrMapOvr>
-    <a:masterClrMapping/>
-  </p:clrMapOvr>
-</p:sld>
-</file>
-
 <file path=ppt/slides/slide2.xml><?xml version="1.0" encoding="utf-8"?>
 <p:sld xmlns:a="http://schemas.openxmlformats.org/drawingml/2006/main" xmlns:r="http://schemas.openxmlformats.org/officeDocument/2006/relationships" xmlns:p="http://schemas.openxmlformats.org/presentationml/2006/main">
   <p:cSld>
@@ -17773,6 +18039,323 @@
       </p:grpSpPr>
       <p:sp>
         <p:nvSpPr>
+          <p:cNvPr id="2" name="Title 1">
+            <a:extLst>
+              <a:ext uri="{FF2B5EF4-FFF2-40B4-BE49-F238E27FC236}">
+                <a16:creationId xmlns:a16="http://schemas.microsoft.com/office/drawing/2014/main" id="{2F0E4713-B320-46CB-B18C-338797AB9B3C}"/>
+              </a:ext>
+            </a:extLst>
+          </p:cNvPr>
+          <p:cNvSpPr>
+            <a:spLocks noGrp="1"/>
+          </p:cNvSpPr>
+          <p:nvPr>
+            <p:ph type="title"/>
+          </p:nvPr>
+        </p:nvSpPr>
+        <p:spPr/>
+        <p:txBody>
+          <a:bodyPr/>
+          <a:lstStyle/>
+          <a:p>
+            <a:r>
+              <a:rPr lang="en-US" dirty="0"/>
+              <a:t>Next Tasks (papers are in the Zotero repo)</a:t>
+            </a:r>
+          </a:p>
+        </p:txBody>
+      </p:sp>
+      <p:sp>
+        <p:nvSpPr>
+          <p:cNvPr id="3" name="Content Placeholder 2">
+            <a:extLst>
+              <a:ext uri="{FF2B5EF4-FFF2-40B4-BE49-F238E27FC236}">
+                <a16:creationId xmlns:a16="http://schemas.microsoft.com/office/drawing/2014/main" id="{4CA83E99-1213-41FE-9D6B-163C48D03D5C}"/>
+              </a:ext>
+            </a:extLst>
+          </p:cNvPr>
+          <p:cNvSpPr>
+            <a:spLocks noGrp="1"/>
+          </p:cNvSpPr>
+          <p:nvPr>
+            <p:ph idx="1"/>
+          </p:nvPr>
+        </p:nvSpPr>
+        <p:spPr>
+          <a:xfrm>
+            <a:off x="478369" y="1213308"/>
+            <a:ext cx="11473384" cy="5231176"/>
+          </a:xfrm>
+        </p:spPr>
+        <p:txBody>
+          <a:bodyPr/>
+          <a:lstStyle/>
+          <a:p>
+            <a:pPr marL="0" marR="0" lvl="0" indent="0" algn="l" defTabSz="914400" rtl="0" eaLnBrk="1" fontAlgn="auto" latinLnBrk="0" hangingPunct="1">
+              <a:lnSpc>
+                <a:spcPct val="100000"/>
+              </a:lnSpc>
+              <a:spcBef>
+                <a:spcPts val="0"/>
+              </a:spcBef>
+              <a:spcAft>
+                <a:spcPts val="0"/>
+              </a:spcAft>
+              <a:buClrTx/>
+              <a:buSzTx/>
+              <a:buFontTx/>
+              <a:buNone/>
+              <a:tabLst/>
+              <a:defRPr/>
+            </a:pPr>
+            <a:r>
+              <a:rPr lang="en-US" sz="1800" b="1" dirty="0">
+                <a:latin typeface="+mj-lt"/>
+              </a:rPr>
+              <a:t>1. Safety Challenges in AI and RL</a:t>
+            </a:r>
+          </a:p>
+          <a:p>
+            <a:pPr marL="0" marR="0" lvl="0" indent="0" algn="l" defTabSz="914400" rtl="0" eaLnBrk="1" fontAlgn="auto" latinLnBrk="0" hangingPunct="1">
+              <a:lnSpc>
+                <a:spcPct val="100000"/>
+              </a:lnSpc>
+              <a:spcBef>
+                <a:spcPts val="0"/>
+              </a:spcBef>
+              <a:spcAft>
+                <a:spcPts val="0"/>
+              </a:spcAft>
+              <a:buClrTx/>
+              <a:buSzTx/>
+              <a:buFontTx/>
+              <a:buNone/>
+              <a:tabLst/>
+              <a:defRPr/>
+            </a:pPr>
+            <a:r>
+              <a:rPr lang="en-US" sz="1800" dirty="0">
+                <a:effectLst/>
+                <a:latin typeface="+mj-lt"/>
+              </a:rPr>
+              <a:t>- </a:t>
+            </a:r>
+            <a:r>
+              <a:rPr lang="en-US" sz="1800" dirty="0" err="1">
+                <a:effectLst/>
+                <a:latin typeface="+mj-lt"/>
+              </a:rPr>
+              <a:t>Dulac</a:t>
+            </a:r>
+            <a:r>
+              <a:rPr lang="en-US" sz="1800" dirty="0">
+                <a:effectLst/>
+                <a:latin typeface="+mj-lt"/>
+              </a:rPr>
+              <a:t>-Arnold, Mankowitz, Hester, 2019, </a:t>
+            </a:r>
+            <a:r>
+              <a:rPr lang="en-US" sz="1800" dirty="0">
+                <a:latin typeface="+mj-lt"/>
+              </a:rPr>
+              <a:t>Challenges of Real-World Reinforcement Learning</a:t>
+            </a:r>
+            <a:endParaRPr lang="it-IT" sz="1800" dirty="0">
+              <a:latin typeface="+mj-lt"/>
+            </a:endParaRPr>
+          </a:p>
+          <a:p>
+            <a:pPr marL="0" marR="0" lvl="0" indent="0" algn="l" defTabSz="914400" rtl="0" eaLnBrk="1" fontAlgn="auto" latinLnBrk="0" hangingPunct="1">
+              <a:lnSpc>
+                <a:spcPct val="100000"/>
+              </a:lnSpc>
+              <a:spcBef>
+                <a:spcPts val="0"/>
+              </a:spcBef>
+              <a:spcAft>
+                <a:spcPts val="0"/>
+              </a:spcAft>
+              <a:buClrTx/>
+              <a:buSzTx/>
+              <a:buFontTx/>
+              <a:buNone/>
+              <a:tabLst/>
+              <a:defRPr/>
+            </a:pPr>
+            <a:r>
+              <a:rPr lang="it-IT" sz="1800" dirty="0">
+                <a:latin typeface="+mj-lt"/>
+              </a:rPr>
+              <a:t>- Amodei et al., 2016, Concrete </a:t>
+            </a:r>
+            <a:r>
+              <a:rPr lang="it-IT" sz="1800" dirty="0" err="1">
+                <a:latin typeface="+mj-lt"/>
+              </a:rPr>
+              <a:t>Problems</a:t>
+            </a:r>
+            <a:r>
+              <a:rPr lang="it-IT" sz="1800" dirty="0">
+                <a:latin typeface="+mj-lt"/>
+              </a:rPr>
+              <a:t> in AI </a:t>
+            </a:r>
+            <a:r>
+              <a:rPr lang="it-IT" sz="1800" dirty="0" err="1">
+                <a:latin typeface="+mj-lt"/>
+              </a:rPr>
+              <a:t>Safety</a:t>
+            </a:r>
+            <a:r>
+              <a:rPr lang="it-IT" sz="1800" dirty="0">
+                <a:latin typeface="+mj-lt"/>
+              </a:rPr>
+              <a:t> - https://arxiv.org/abs/1606.06565</a:t>
+            </a:r>
+            <a:endParaRPr lang="en-US" sz="1800" dirty="0">
+              <a:latin typeface="+mj-lt"/>
+            </a:endParaRPr>
+          </a:p>
+          <a:p>
+            <a:endParaRPr lang="en-US" dirty="0">
+              <a:latin typeface="+mj-lt"/>
+            </a:endParaRPr>
+          </a:p>
+          <a:p>
+            <a:r>
+              <a:rPr lang="en-US" b="1" dirty="0">
+                <a:latin typeface="+mj-lt"/>
+              </a:rPr>
+              <a:t>2. Choose one of the Safety-RL papers to read and write a gist (8 lines)</a:t>
+            </a:r>
+          </a:p>
+          <a:p>
+            <a:pPr marL="342900" indent="-342900">
+              <a:buFont typeface="Arial" panose="020B0604020202020204" pitchFamily="34" charset="0"/>
+              <a:buChar char="•"/>
+            </a:pPr>
+            <a:r>
+              <a:rPr lang="en-US" dirty="0">
+                <a:latin typeface="+mj-lt"/>
+              </a:rPr>
+              <a:t>Context (domain and how it might relate to </a:t>
+            </a:r>
+            <a:r>
+              <a:rPr lang="en-US" dirty="0" err="1">
+                <a:latin typeface="+mj-lt"/>
+              </a:rPr>
+              <a:t>mRubis</a:t>
+            </a:r>
+            <a:r>
+              <a:rPr lang="en-US" dirty="0">
+                <a:latin typeface="+mj-lt"/>
+              </a:rPr>
+              <a:t>) </a:t>
+            </a:r>
+          </a:p>
+          <a:p>
+            <a:pPr marL="342900" indent="-342900">
+              <a:buFont typeface="Arial" panose="020B0604020202020204" pitchFamily="34" charset="0"/>
+              <a:buChar char="•"/>
+            </a:pPr>
+            <a:r>
+              <a:rPr lang="en-US" dirty="0">
+                <a:latin typeface="+mj-lt"/>
+              </a:rPr>
+              <a:t>Problem (what, why it matters, why is it challenging)</a:t>
+            </a:r>
+          </a:p>
+          <a:p>
+            <a:pPr marL="342900" indent="-342900">
+              <a:buFont typeface="Arial" panose="020B0604020202020204" pitchFamily="34" charset="0"/>
+              <a:buChar char="•"/>
+            </a:pPr>
+            <a:r>
+              <a:rPr lang="en-US" dirty="0">
+                <a:latin typeface="+mj-lt"/>
+              </a:rPr>
+              <a:t>Approach (why is it a good idea/insight, how it works, how it compares with others)</a:t>
+            </a:r>
+          </a:p>
+          <a:p>
+            <a:r>
+              <a:rPr lang="en-US" b="1" dirty="0">
+                <a:latin typeface="+mj-lt"/>
+              </a:rPr>
+              <a:t>3. Choose one of the Sim2Real papers and write a gist (8 lines)</a:t>
+            </a:r>
+          </a:p>
+          <a:p>
+            <a:endParaRPr lang="en-US" dirty="0">
+              <a:latin typeface="+mj-lt"/>
+            </a:endParaRPr>
+          </a:p>
+          <a:p>
+            <a:r>
+              <a:rPr lang="en-US" dirty="0">
+                <a:latin typeface="+mj-lt"/>
+              </a:rPr>
+              <a:t>For tasks 2 and 3, please check the following folders in Zotero:</a:t>
+            </a:r>
+          </a:p>
+          <a:p>
+            <a:pPr marL="342900" indent="-342900">
+              <a:buFontTx/>
+              <a:buChar char="-"/>
+            </a:pPr>
+            <a:r>
+              <a:rPr lang="en-US" dirty="0">
+                <a:latin typeface="+mj-lt"/>
+              </a:rPr>
+              <a:t>Safety (reinforcement learning)</a:t>
+            </a:r>
+          </a:p>
+          <a:p>
+            <a:pPr marL="342900" indent="-342900">
+              <a:buFontTx/>
+              <a:buChar char="-"/>
+            </a:pPr>
+            <a:r>
+              <a:rPr lang="en-US" dirty="0">
+                <a:latin typeface="+mj-lt"/>
+              </a:rPr>
+              <a:t>Sim2Real</a:t>
+            </a:r>
+          </a:p>
+        </p:txBody>
+      </p:sp>
+    </p:spTree>
+    <p:extLst>
+      <p:ext uri="{BB962C8B-B14F-4D97-AF65-F5344CB8AC3E}">
+        <p14:creationId xmlns:p14="http://schemas.microsoft.com/office/powerpoint/2010/main" val="583545354"/>
+      </p:ext>
+    </p:extLst>
+  </p:cSld>
+  <p:clrMapOvr>
+    <a:masterClrMapping/>
+  </p:clrMapOvr>
+</p:sld>
+</file>
+
+<file path=ppt/slides/slide21.xml><?xml version="1.0" encoding="utf-8"?>
+<p:sld xmlns:a="http://schemas.openxmlformats.org/drawingml/2006/main" xmlns:r="http://schemas.openxmlformats.org/officeDocument/2006/relationships" xmlns:p="http://schemas.openxmlformats.org/presentationml/2006/main">
+  <p:cSld>
+    <p:spTree>
+      <p:nvGrpSpPr>
+        <p:cNvPr id="1" name=""/>
+        <p:cNvGrpSpPr/>
+        <p:nvPr/>
+      </p:nvGrpSpPr>
+      <p:grpSpPr>
+        <a:xfrm>
+          <a:off x="0" y="0"/>
+          <a:ext cx="0" cy="0"/>
+          <a:chOff x="0" y="0"/>
+          <a:chExt cx="0" cy="0"/>
+        </a:xfrm>
+      </p:grpSpPr>
+      <p:sp>
+        <p:nvSpPr>
           <p:cNvPr id="4" name="Title 3">
             <a:extLst>
               <a:ext uri="{FF2B5EF4-FFF2-40B4-BE49-F238E27FC236}">
@@ -17821,7 +18404,7 @@
 </p:sld>
 </file>
 
-<file path=ppt/slides/slide21.xml><?xml version="1.0" encoding="utf-8"?>
+<file path=ppt/slides/slide22.xml><?xml version="1.0" encoding="utf-8"?>
 <p:sld xmlns:a="http://schemas.openxmlformats.org/drawingml/2006/main" xmlns:r="http://schemas.openxmlformats.org/officeDocument/2006/relationships" xmlns:p="http://schemas.openxmlformats.org/presentationml/2006/main">
   <p:cSld>
     <p:spTree>
@@ -18506,151 +19089,6 @@
 </p:sld>
 </file>
 
-<file path=ppt/slides/slide22.xml><?xml version="1.0" encoding="utf-8"?>
-<p:sld xmlns:a="http://schemas.openxmlformats.org/drawingml/2006/main" xmlns:r="http://schemas.openxmlformats.org/officeDocument/2006/relationships" xmlns:p="http://schemas.openxmlformats.org/presentationml/2006/main">
-  <p:cSld>
-    <p:spTree>
-      <p:nvGrpSpPr>
-        <p:cNvPr id="1" name=""/>
-        <p:cNvGrpSpPr/>
-        <p:nvPr/>
-      </p:nvGrpSpPr>
-      <p:grpSpPr>
-        <a:xfrm>
-          <a:off x="0" y="0"/>
-          <a:ext cx="0" cy="0"/>
-          <a:chOff x="0" y="0"/>
-          <a:chExt cx="0" cy="0"/>
-        </a:xfrm>
-      </p:grpSpPr>
-      <p:sp>
-        <p:nvSpPr>
-          <p:cNvPr id="2" name="Title 1">
-            <a:extLst>
-              <a:ext uri="{FF2B5EF4-FFF2-40B4-BE49-F238E27FC236}">
-                <a16:creationId xmlns:a16="http://schemas.microsoft.com/office/drawing/2014/main" id="{11A8CBFF-0157-4F46-BA09-2E0740AE8DBF}"/>
-              </a:ext>
-            </a:extLst>
-          </p:cNvPr>
-          <p:cNvSpPr>
-            <a:spLocks noGrp="1"/>
-          </p:cNvSpPr>
-          <p:nvPr>
-            <p:ph type="title"/>
-          </p:nvPr>
-        </p:nvSpPr>
-        <p:spPr/>
-        <p:txBody>
-          <a:bodyPr/>
-          <a:lstStyle/>
-          <a:p>
-            <a:r>
-              <a:rPr lang="en-US" dirty="0"/>
-              <a:t>Preliminary Work-Packages</a:t>
-            </a:r>
-          </a:p>
-        </p:txBody>
-      </p:sp>
-      <p:sp>
-        <p:nvSpPr>
-          <p:cNvPr id="3" name="Content Placeholder 2">
-            <a:extLst>
-              <a:ext uri="{FF2B5EF4-FFF2-40B4-BE49-F238E27FC236}">
-                <a16:creationId xmlns:a16="http://schemas.microsoft.com/office/drawing/2014/main" id="{A3D61C00-2676-49F3-820E-54CB294C68D4}"/>
-              </a:ext>
-            </a:extLst>
-          </p:cNvPr>
-          <p:cNvSpPr>
-            <a:spLocks noGrp="1"/>
-          </p:cNvSpPr>
-          <p:nvPr>
-            <p:ph idx="1"/>
-          </p:nvPr>
-        </p:nvSpPr>
-        <p:spPr>
-          <a:xfrm>
-            <a:off x="478369" y="1213308"/>
-            <a:ext cx="11473384" cy="5387629"/>
-          </a:xfrm>
-        </p:spPr>
-        <p:txBody>
-          <a:bodyPr/>
-          <a:lstStyle/>
-          <a:p>
-            <a:r>
-              <a:rPr lang="en-US" b="1" dirty="0"/>
-              <a:t>1- Hidden Markov Model</a:t>
-            </a:r>
-          </a:p>
-          <a:p>
-            <a:r>
-              <a:rPr lang="en-US" dirty="0"/>
-              <a:t>Study how to move the HMM implemented in the Python side to the Java side</a:t>
-            </a:r>
-          </a:p>
-          <a:p>
-            <a:r>
-              <a:rPr lang="en-US" b="1" dirty="0"/>
-              <a:t>2- Failure Inject Mechanism</a:t>
-            </a:r>
-          </a:p>
-          <a:p>
-            <a:r>
-              <a:rPr lang="en-US" dirty="0"/>
-              <a:t>Study how to generate failure injects that reflect that failure propagation patterns</a:t>
-            </a:r>
-          </a:p>
-          <a:p>
-            <a:r>
-              <a:rPr lang="en-US" b="1" dirty="0"/>
-              <a:t>3- Reinforcement Learning</a:t>
-            </a:r>
-          </a:p>
-          <a:p>
-            <a:r>
-              <a:rPr lang="en-US" dirty="0"/>
-              <a:t>Study how to replace the Supervised Learning controller (Regression) with a Self-Supervised One (RL)</a:t>
-            </a:r>
-          </a:p>
-          <a:p>
-            <a:r>
-              <a:rPr lang="en-US" b="1" dirty="0"/>
-              <a:t>4- Monitoring</a:t>
-            </a:r>
-          </a:p>
-          <a:p>
-            <a:r>
-              <a:rPr lang="en-US" dirty="0"/>
-              <a:t>Study how to visualize the utility, risk, and mechanism gap between the Real and Simulated (Digital-Twin)</a:t>
-            </a:r>
-          </a:p>
-          <a:p>
-            <a:r>
-              <a:rPr lang="en-US" b="1" dirty="0"/>
-              <a:t>5- Adversarial Tests </a:t>
-            </a:r>
-          </a:p>
-          <a:p>
-            <a:r>
-              <a:rPr lang="en-US" dirty="0"/>
-              <a:t>Study how to generate stress tests that show how policies that have equivalent predictive outcome at training present distinct outcomes at adversarial test sets</a:t>
-            </a:r>
-          </a:p>
-        </p:txBody>
-      </p:sp>
-    </p:spTree>
-    <p:extLst>
-      <p:ext uri="{BB962C8B-B14F-4D97-AF65-F5344CB8AC3E}">
-        <p14:creationId xmlns:p14="http://schemas.microsoft.com/office/powerpoint/2010/main" val="3304893578"/>
-      </p:ext>
-    </p:extLst>
-  </p:cSld>
-  <p:clrMapOvr>
-    <a:masterClrMapping/>
-  </p:clrMapOvr>
-</p:sld>
-</file>
-
 <file path=ppt/slides/slide23.xml><?xml version="1.0" encoding="utf-8"?>
 <p:sld xmlns:a="http://schemas.openxmlformats.org/drawingml/2006/main" xmlns:r="http://schemas.openxmlformats.org/officeDocument/2006/relationships" xmlns:p="http://schemas.openxmlformats.org/presentationml/2006/main">
   <p:cSld>
@@ -18670,6 +19108,151 @@
       </p:grpSpPr>
       <p:sp>
         <p:nvSpPr>
+          <p:cNvPr id="2" name="Title 1">
+            <a:extLst>
+              <a:ext uri="{FF2B5EF4-FFF2-40B4-BE49-F238E27FC236}">
+                <a16:creationId xmlns:a16="http://schemas.microsoft.com/office/drawing/2014/main" id="{11A8CBFF-0157-4F46-BA09-2E0740AE8DBF}"/>
+              </a:ext>
+            </a:extLst>
+          </p:cNvPr>
+          <p:cNvSpPr>
+            <a:spLocks noGrp="1"/>
+          </p:cNvSpPr>
+          <p:nvPr>
+            <p:ph type="title"/>
+          </p:nvPr>
+        </p:nvSpPr>
+        <p:spPr/>
+        <p:txBody>
+          <a:bodyPr/>
+          <a:lstStyle/>
+          <a:p>
+            <a:r>
+              <a:rPr lang="en-US" dirty="0"/>
+              <a:t>Preliminary Work-Packages</a:t>
+            </a:r>
+          </a:p>
+        </p:txBody>
+      </p:sp>
+      <p:sp>
+        <p:nvSpPr>
+          <p:cNvPr id="3" name="Content Placeholder 2">
+            <a:extLst>
+              <a:ext uri="{FF2B5EF4-FFF2-40B4-BE49-F238E27FC236}">
+                <a16:creationId xmlns:a16="http://schemas.microsoft.com/office/drawing/2014/main" id="{A3D61C00-2676-49F3-820E-54CB294C68D4}"/>
+              </a:ext>
+            </a:extLst>
+          </p:cNvPr>
+          <p:cNvSpPr>
+            <a:spLocks noGrp="1"/>
+          </p:cNvSpPr>
+          <p:nvPr>
+            <p:ph idx="1"/>
+          </p:nvPr>
+        </p:nvSpPr>
+        <p:spPr>
+          <a:xfrm>
+            <a:off x="478369" y="1213308"/>
+            <a:ext cx="11473384" cy="5387629"/>
+          </a:xfrm>
+        </p:spPr>
+        <p:txBody>
+          <a:bodyPr/>
+          <a:lstStyle/>
+          <a:p>
+            <a:r>
+              <a:rPr lang="en-US" b="1" dirty="0"/>
+              <a:t>1- Hidden Markov Model</a:t>
+            </a:r>
+          </a:p>
+          <a:p>
+            <a:r>
+              <a:rPr lang="en-US" dirty="0"/>
+              <a:t>Study how to move the HMM implemented in the Python side to the Java side</a:t>
+            </a:r>
+          </a:p>
+          <a:p>
+            <a:r>
+              <a:rPr lang="en-US" b="1" dirty="0"/>
+              <a:t>2- Failure Inject Mechanism</a:t>
+            </a:r>
+          </a:p>
+          <a:p>
+            <a:r>
+              <a:rPr lang="en-US" dirty="0"/>
+              <a:t>Study how to generate failure injects that reflect that failure propagation patterns</a:t>
+            </a:r>
+          </a:p>
+          <a:p>
+            <a:r>
+              <a:rPr lang="en-US" b="1" dirty="0"/>
+              <a:t>3- Reinforcement Learning</a:t>
+            </a:r>
+          </a:p>
+          <a:p>
+            <a:r>
+              <a:rPr lang="en-US" dirty="0"/>
+              <a:t>Study how to replace the Supervised Learning controller (Regression) with a Self-Supervised One (RL)</a:t>
+            </a:r>
+          </a:p>
+          <a:p>
+            <a:r>
+              <a:rPr lang="en-US" b="1" dirty="0"/>
+              <a:t>4- Monitoring</a:t>
+            </a:r>
+          </a:p>
+          <a:p>
+            <a:r>
+              <a:rPr lang="en-US" dirty="0"/>
+              <a:t>Study how to visualize the utility, risk, and mechanism gap between the Real and Simulated (Digital-Twin)</a:t>
+            </a:r>
+          </a:p>
+          <a:p>
+            <a:r>
+              <a:rPr lang="en-US" b="1" dirty="0"/>
+              <a:t>5- Adversarial Tests </a:t>
+            </a:r>
+          </a:p>
+          <a:p>
+            <a:r>
+              <a:rPr lang="en-US" dirty="0"/>
+              <a:t>Study how to generate stress tests that show how policies that have equivalent predictive outcome at training present distinct outcomes at adversarial test sets</a:t>
+            </a:r>
+          </a:p>
+        </p:txBody>
+      </p:sp>
+    </p:spTree>
+    <p:extLst>
+      <p:ext uri="{BB962C8B-B14F-4D97-AF65-F5344CB8AC3E}">
+        <p14:creationId xmlns:p14="http://schemas.microsoft.com/office/powerpoint/2010/main" val="3304893578"/>
+      </p:ext>
+    </p:extLst>
+  </p:cSld>
+  <p:clrMapOvr>
+    <a:masterClrMapping/>
+  </p:clrMapOvr>
+</p:sld>
+</file>
+
+<file path=ppt/slides/slide24.xml><?xml version="1.0" encoding="utf-8"?>
+<p:sld xmlns:a="http://schemas.openxmlformats.org/drawingml/2006/main" xmlns:r="http://schemas.openxmlformats.org/officeDocument/2006/relationships" xmlns:p="http://schemas.openxmlformats.org/presentationml/2006/main">
+  <p:cSld>
+    <p:spTree>
+      <p:nvGrpSpPr>
+        <p:cNvPr id="1" name=""/>
+        <p:cNvGrpSpPr/>
+        <p:nvPr/>
+      </p:nvGrpSpPr>
+      <p:grpSpPr>
+        <a:xfrm>
+          <a:off x="0" y="0"/>
+          <a:ext cx="0" cy="0"/>
+          <a:chOff x="0" y="0"/>
+          <a:chExt cx="0" cy="0"/>
+        </a:xfrm>
+      </p:grpSpPr>
+      <p:sp>
+        <p:nvSpPr>
           <p:cNvPr id="8" name="Text Placeholder 7"/>
           <p:cNvSpPr>
             <a:spLocks noGrp="1"/>
@@ -18879,7 +19462,7 @@
           <a:p>
             <a:fld id="{B6764590-B09C-4C10-8479-FDA70719B682}" type="slidenum">
               <a:rPr lang="de-DE" smtClean="0"/>
-              <a:t>23</a:t>
+              <a:t>24</a:t>
             </a:fld>
             <a:endParaRPr lang="de-DE"/>
           </a:p>
@@ -20411,6 +20994,473 @@
 </file>
 
 <file path=ppt/slides/slide8.xml><?xml version="1.0" encoding="utf-8"?>
+<p:sld xmlns:a="http://schemas.openxmlformats.org/drawingml/2006/main" xmlns:r="http://schemas.openxmlformats.org/officeDocument/2006/relationships" xmlns:p="http://schemas.openxmlformats.org/presentationml/2006/main">
+  <p:cSld>
+    <p:spTree>
+      <p:nvGrpSpPr>
+        <p:cNvPr id="1" name=""/>
+        <p:cNvGrpSpPr/>
+        <p:nvPr/>
+      </p:nvGrpSpPr>
+      <p:grpSpPr>
+        <a:xfrm>
+          <a:off x="0" y="0"/>
+          <a:ext cx="0" cy="0"/>
+          <a:chOff x="0" y="0"/>
+          <a:chExt cx="0" cy="0"/>
+        </a:xfrm>
+      </p:grpSpPr>
+      <p:sp>
+        <p:nvSpPr>
+          <p:cNvPr id="2" name="Title 1">
+            <a:extLst>
+              <a:ext uri="{FF2B5EF4-FFF2-40B4-BE49-F238E27FC236}">
+                <a16:creationId xmlns:a16="http://schemas.microsoft.com/office/drawing/2014/main" id="{2A1D40EB-5AA6-4D8D-888C-ABAC7862B50E}"/>
+              </a:ext>
+            </a:extLst>
+          </p:cNvPr>
+          <p:cNvSpPr>
+            <a:spLocks noGrp="1"/>
+          </p:cNvSpPr>
+          <p:nvPr>
+            <p:ph type="title"/>
+          </p:nvPr>
+        </p:nvSpPr>
+        <p:spPr/>
+        <p:txBody>
+          <a:bodyPr/>
+          <a:lstStyle/>
+          <a:p>
+            <a:r>
+              <a:rPr lang="en-US" dirty="0"/>
+              <a:t>Unsolved problems in ml safety </a:t>
+            </a:r>
+            <a:r>
+              <a:rPr lang="en-US" sz="1800" dirty="0"/>
+              <a:t>[</a:t>
+            </a:r>
+            <a:r>
+              <a:rPr lang="en-US" sz="1800" dirty="0" err="1"/>
+              <a:t>Hendrycks</a:t>
+            </a:r>
+            <a:r>
+              <a:rPr lang="en-US" sz="1800" dirty="0"/>
+              <a:t> et al 21]</a:t>
+            </a:r>
+            <a:endParaRPr lang="en-US" dirty="0"/>
+          </a:p>
+        </p:txBody>
+      </p:sp>
+      <p:sp>
+        <p:nvSpPr>
+          <p:cNvPr id="3" name="Content Placeholder 2">
+            <a:extLst>
+              <a:ext uri="{FF2B5EF4-FFF2-40B4-BE49-F238E27FC236}">
+                <a16:creationId xmlns:a16="http://schemas.microsoft.com/office/drawing/2014/main" id="{667CB83A-6A6A-4A8B-97B9-654BDCB27534}"/>
+              </a:ext>
+            </a:extLst>
+          </p:cNvPr>
+          <p:cNvSpPr>
+            <a:spLocks noGrp="1"/>
+          </p:cNvSpPr>
+          <p:nvPr>
+            <p:ph idx="1"/>
+          </p:nvPr>
+        </p:nvSpPr>
+        <p:spPr>
+          <a:xfrm>
+            <a:off x="478369" y="1068929"/>
+            <a:ext cx="11473384" cy="5168081"/>
+          </a:xfrm>
+        </p:spPr>
+        <p:txBody>
+          <a:bodyPr/>
+          <a:lstStyle/>
+          <a:p>
+            <a:pPr marL="0" marR="0">
+              <a:spcBef>
+                <a:spcPts val="0"/>
+              </a:spcBef>
+              <a:spcAft>
+                <a:spcPts val="0"/>
+              </a:spcAft>
+            </a:pPr>
+            <a:r>
+              <a:rPr lang="en-US" sz="1800" b="1" dirty="0">
+                <a:effectLst/>
+                <a:latin typeface="Calibri" panose="020F0502020204030204" pitchFamily="34" charset="0"/>
+              </a:rPr>
+              <a:t>1- Robustness</a:t>
+            </a:r>
+          </a:p>
+          <a:p>
+            <a:pPr marL="0" marR="0">
+              <a:spcBef>
+                <a:spcPts val="0"/>
+              </a:spcBef>
+              <a:spcAft>
+                <a:spcPts val="0"/>
+              </a:spcAft>
+            </a:pPr>
+            <a:r>
+              <a:rPr lang="en-US" sz="1800" dirty="0">
+                <a:effectLst/>
+                <a:latin typeface="Calibri" panose="020F0502020204030204" pitchFamily="34" charset="0"/>
+              </a:rPr>
+              <a:t>Black Swans (adapt to evolving environment, extreme/rare events) </a:t>
+            </a:r>
+          </a:p>
+          <a:p>
+            <a:pPr marL="0" marR="0">
+              <a:spcBef>
+                <a:spcPts val="0"/>
+              </a:spcBef>
+              <a:spcAft>
+                <a:spcPts val="0"/>
+              </a:spcAft>
+            </a:pPr>
+            <a:r>
+              <a:rPr lang="en-US" sz="1800" dirty="0">
+                <a:effectLst/>
+                <a:latin typeface="Calibri" panose="020F0502020204030204" pitchFamily="34" charset="0"/>
+              </a:rPr>
+              <a:t>Adversaries (handle diverse attacks, detect unforeseen ones, distribution shifts) </a:t>
+            </a:r>
+          </a:p>
+          <a:p>
+            <a:pPr marL="0" marR="0">
+              <a:spcBef>
+                <a:spcPts val="0"/>
+              </a:spcBef>
+              <a:spcAft>
+                <a:spcPts val="0"/>
+              </a:spcAft>
+            </a:pPr>
+            <a:r>
+              <a:rPr lang="en-US" sz="1800" b="1" dirty="0">
+                <a:effectLst/>
+                <a:latin typeface="Calibri" panose="020F0502020204030204" pitchFamily="34" charset="0"/>
+              </a:rPr>
+              <a:t>2- Monitoring</a:t>
+            </a:r>
+          </a:p>
+          <a:p>
+            <a:pPr marL="0" marR="0">
+              <a:spcBef>
+                <a:spcPts val="0"/>
+              </a:spcBef>
+              <a:spcAft>
+                <a:spcPts val="0"/>
+              </a:spcAft>
+            </a:pPr>
+            <a:r>
+              <a:rPr lang="en-US" sz="1800" dirty="0">
+                <a:effectLst/>
+                <a:latin typeface="Calibri" panose="020F0502020204030204" pitchFamily="34" charset="0"/>
+              </a:rPr>
+              <a:t>Anomaly detection (warn operators, flagging misuses)</a:t>
+            </a:r>
+          </a:p>
+          <a:p>
+            <a:pPr marL="0" marR="0">
+              <a:spcBef>
+                <a:spcPts val="0"/>
+              </a:spcBef>
+              <a:spcAft>
+                <a:spcPts val="0"/>
+              </a:spcAft>
+            </a:pPr>
+            <a:r>
+              <a:rPr lang="en-US" sz="1800" dirty="0">
+                <a:effectLst/>
+                <a:latin typeface="Calibri" panose="020F0502020204030204" pitchFamily="34" charset="0"/>
+              </a:rPr>
+              <a:t>Representative Models (calibration, when to override) </a:t>
+            </a:r>
+          </a:p>
+          <a:p>
+            <a:pPr marL="0" marR="0">
+              <a:spcBef>
+                <a:spcPts val="0"/>
+              </a:spcBef>
+              <a:spcAft>
+                <a:spcPts val="0"/>
+              </a:spcAft>
+            </a:pPr>
+            <a:r>
+              <a:rPr lang="en-US" sz="1800" dirty="0">
+                <a:effectLst/>
+                <a:latin typeface="Calibri" panose="020F0502020204030204" pitchFamily="34" charset="0"/>
+              </a:rPr>
+              <a:t>Hidden functionality (model Trojans, scan for capabilities)</a:t>
+            </a:r>
+          </a:p>
+          <a:p>
+            <a:pPr marL="0" marR="0">
+              <a:spcBef>
+                <a:spcPts val="0"/>
+              </a:spcBef>
+              <a:spcAft>
+                <a:spcPts val="0"/>
+              </a:spcAft>
+            </a:pPr>
+            <a:r>
+              <a:rPr lang="en-US" sz="1800" b="1" dirty="0">
+                <a:effectLst/>
+                <a:latin typeface="Calibri" panose="020F0502020204030204" pitchFamily="34" charset="0"/>
+              </a:rPr>
+              <a:t>3- Alignment</a:t>
+            </a:r>
+          </a:p>
+          <a:p>
+            <a:pPr marL="0" marR="0">
+              <a:spcBef>
+                <a:spcPts val="0"/>
+              </a:spcBef>
+              <a:spcAft>
+                <a:spcPts val="0"/>
+              </a:spcAft>
+            </a:pPr>
+            <a:r>
+              <a:rPr lang="en-US" sz="1800" dirty="0">
+                <a:effectLst/>
+                <a:latin typeface="Calibri" panose="020F0502020204030204" pitchFamily="34" charset="0"/>
+              </a:rPr>
+              <a:t>Specification (nebulous goals, complex objectives) </a:t>
+            </a:r>
+          </a:p>
+          <a:p>
+            <a:pPr marL="0" marR="0">
+              <a:spcBef>
+                <a:spcPts val="0"/>
+              </a:spcBef>
+              <a:spcAft>
+                <a:spcPts val="0"/>
+              </a:spcAft>
+            </a:pPr>
+            <a:r>
+              <a:rPr lang="en-US" sz="1800" dirty="0">
+                <a:effectLst/>
+                <a:latin typeface="Calibri" panose="020F0502020204030204" pitchFamily="34" charset="0"/>
+              </a:rPr>
+              <a:t>Optimization (multi-objective, trade-offs) </a:t>
+            </a:r>
+          </a:p>
+          <a:p>
+            <a:pPr marL="0" marR="0">
+              <a:spcBef>
+                <a:spcPts val="0"/>
+              </a:spcBef>
+              <a:spcAft>
+                <a:spcPts val="0"/>
+              </a:spcAft>
+            </a:pPr>
+            <a:r>
+              <a:rPr lang="en-US" sz="1800" dirty="0">
+                <a:effectLst/>
+                <a:latin typeface="Calibri" panose="020F0502020204030204" pitchFamily="34" charset="0"/>
+              </a:rPr>
+              <a:t>Brittleness (prevent overoptimization, proxy gaming/reward hacking) </a:t>
+            </a:r>
+          </a:p>
+          <a:p>
+            <a:pPr marL="0" marR="0">
+              <a:spcBef>
+                <a:spcPts val="0"/>
+              </a:spcBef>
+              <a:spcAft>
+                <a:spcPts val="0"/>
+              </a:spcAft>
+            </a:pPr>
+            <a:r>
+              <a:rPr lang="en-US" sz="1800" dirty="0">
+                <a:effectLst/>
+                <a:latin typeface="Calibri" panose="020F0502020204030204" pitchFamily="34" charset="0"/>
+              </a:rPr>
+              <a:t>Unintended </a:t>
+            </a:r>
+            <a:r>
+              <a:rPr lang="en-US" sz="1800">
+                <a:effectLst/>
+                <a:latin typeface="Calibri" panose="020F0502020204030204" pitchFamily="34" charset="0"/>
+              </a:rPr>
+              <a:t>Consequences (emergent </a:t>
+            </a:r>
+            <a:r>
+              <a:rPr lang="en-US" sz="1800" dirty="0">
+                <a:effectLst/>
+                <a:latin typeface="Calibri" panose="020F0502020204030204" pitchFamily="34" charset="0"/>
+              </a:rPr>
+              <a:t>power-seeking goals, cautious and constrained behavior)</a:t>
+            </a:r>
+          </a:p>
+          <a:p>
+            <a:pPr marL="0" marR="0">
+              <a:spcBef>
+                <a:spcPts val="0"/>
+              </a:spcBef>
+              <a:spcAft>
+                <a:spcPts val="0"/>
+              </a:spcAft>
+            </a:pPr>
+            <a:r>
+              <a:rPr lang="en-US" sz="1800" b="1" dirty="0">
+                <a:effectLst/>
+                <a:latin typeface="Calibri" panose="020F0502020204030204" pitchFamily="34" charset="0"/>
+              </a:rPr>
+              <a:t>4- External Safety</a:t>
+            </a:r>
+          </a:p>
+          <a:p>
+            <a:pPr marL="0" marR="0">
+              <a:spcBef>
+                <a:spcPts val="0"/>
+              </a:spcBef>
+              <a:spcAft>
+                <a:spcPts val="0"/>
+              </a:spcAft>
+            </a:pPr>
+            <a:r>
+              <a:rPr lang="en-US" sz="1800" dirty="0">
+                <a:effectLst/>
+                <a:latin typeface="Calibri" panose="020F0502020204030204" pitchFamily="34" charset="0"/>
+              </a:rPr>
+              <a:t>ML for cybersecurity (patching and detecting attacks)</a:t>
+            </a:r>
+          </a:p>
+          <a:p>
+            <a:pPr marL="0" marR="0">
+              <a:spcBef>
+                <a:spcPts val="0"/>
+              </a:spcBef>
+              <a:spcAft>
+                <a:spcPts val="0"/>
+              </a:spcAft>
+            </a:pPr>
+            <a:r>
+              <a:rPr lang="en-US" sz="1800" dirty="0">
+                <a:effectLst/>
+                <a:latin typeface="Calibri" panose="020F0502020204030204" pitchFamily="34" charset="0"/>
+              </a:rPr>
+              <a:t>Informed decision making (forecast events and effects, raise concerns)</a:t>
+            </a:r>
+          </a:p>
+        </p:txBody>
+      </p:sp>
+      <p:sp>
+        <p:nvSpPr>
+          <p:cNvPr id="4" name="TextBox 3">
+            <a:extLst>
+              <a:ext uri="{FF2B5EF4-FFF2-40B4-BE49-F238E27FC236}">
+                <a16:creationId xmlns:a16="http://schemas.microsoft.com/office/drawing/2014/main" id="{4C257EDA-F2ED-468F-9A87-24AAB3F1BD16}"/>
+              </a:ext>
+            </a:extLst>
+          </p:cNvPr>
+          <p:cNvSpPr txBox="1"/>
+          <p:nvPr/>
+        </p:nvSpPr>
+        <p:spPr bwMode="gray">
+          <a:xfrm>
+            <a:off x="0" y="6461897"/>
+            <a:ext cx="11269786" cy="338554"/>
+          </a:xfrm>
+          <a:prstGeom prst="rect">
+            <a:avLst/>
+          </a:prstGeom>
+          <a:noFill/>
+        </p:spPr>
+        <p:txBody>
+          <a:bodyPr wrap="square">
+            <a:spAutoFit/>
+          </a:bodyPr>
+          <a:lstStyle/>
+          <a:p>
+            <a:r>
+              <a:rPr lang="en-US" sz="1600" dirty="0" err="1">
+                <a:effectLst/>
+              </a:rPr>
+              <a:t>Hendrycks</a:t>
+            </a:r>
+            <a:r>
+              <a:rPr lang="en-US" sz="1600" dirty="0">
+                <a:effectLst/>
+              </a:rPr>
+              <a:t> et al., 2021, Unsolved problems in ml safety. In </a:t>
+            </a:r>
+            <a:r>
+              <a:rPr lang="en-US" sz="1600" dirty="0" err="1">
+                <a:effectLst/>
+              </a:rPr>
+              <a:t>arXiv</a:t>
+            </a:r>
+            <a:r>
+              <a:rPr lang="en-US" sz="1600" dirty="0">
+                <a:effectLst/>
+              </a:rPr>
+              <a:t> preprint arXiv:2109.13916</a:t>
+            </a:r>
+            <a:endParaRPr lang="en-US" sz="1600" dirty="0"/>
+          </a:p>
+        </p:txBody>
+      </p:sp>
+      <p:pic>
+        <p:nvPicPr>
+          <p:cNvPr id="6" name="Picture 5">
+            <a:extLst>
+              <a:ext uri="{FF2B5EF4-FFF2-40B4-BE49-F238E27FC236}">
+                <a16:creationId xmlns:a16="http://schemas.microsoft.com/office/drawing/2014/main" id="{19C880AD-31C1-43E7-8418-44BF7650B29D}"/>
+              </a:ext>
+            </a:extLst>
+          </p:cNvPr>
+          <p:cNvPicPr>
+            <a:picLocks noChangeAspect="1"/>
+          </p:cNvPicPr>
+          <p:nvPr/>
+        </p:nvPicPr>
+        <p:blipFill>
+          <a:blip r:embed="rId3"/>
+          <a:stretch>
+            <a:fillRect/>
+          </a:stretch>
+        </p:blipFill>
+        <p:spPr>
+          <a:xfrm>
+            <a:off x="6280484" y="2079667"/>
+            <a:ext cx="5767137" cy="2449819"/>
+          </a:xfrm>
+          <a:prstGeom prst="rect">
+            <a:avLst/>
+          </a:prstGeom>
+        </p:spPr>
+        <p:style>
+          <a:lnRef idx="2">
+            <a:schemeClr val="accent6"/>
+          </a:lnRef>
+          <a:fillRef idx="1">
+            <a:schemeClr val="lt1"/>
+          </a:fillRef>
+          <a:effectRef idx="0">
+            <a:schemeClr val="accent6"/>
+          </a:effectRef>
+          <a:fontRef idx="minor">
+            <a:schemeClr val="dk1"/>
+          </a:fontRef>
+        </p:style>
+      </p:pic>
+    </p:spTree>
+    <p:extLst>
+      <p:ext uri="{BB962C8B-B14F-4D97-AF65-F5344CB8AC3E}">
+        <p14:creationId xmlns:p14="http://schemas.microsoft.com/office/powerpoint/2010/main" val="2659271891"/>
+      </p:ext>
+    </p:extLst>
+  </p:cSld>
+  <p:clrMapOvr>
+    <a:masterClrMapping/>
+  </p:clrMapOvr>
+</p:sld>
+</file>
+
+<file path=ppt/slides/slide9.xml><?xml version="1.0" encoding="utf-8"?>
 <p:sld xmlns:a="http://schemas.openxmlformats.org/drawingml/2006/main" xmlns:r="http://schemas.openxmlformats.org/officeDocument/2006/relationships" xmlns:p="http://schemas.openxmlformats.org/presentationml/2006/main">
   <p:cSld>
     <p:spTree>
@@ -21161,387 +22211,6 @@
         </p:cTn>
       </p:par>
     </p:tnLst>
-  </p:timing>
-</p:sld>
-</file>
-
-<file path=ppt/slides/slide9.xml><?xml version="1.0" encoding="utf-8"?>
-<p:sld xmlns:a="http://schemas.openxmlformats.org/drawingml/2006/main" xmlns:r="http://schemas.openxmlformats.org/officeDocument/2006/relationships" xmlns:p="http://schemas.openxmlformats.org/presentationml/2006/main">
-  <p:cSld>
-    <p:spTree>
-      <p:nvGrpSpPr>
-        <p:cNvPr id="1" name=""/>
-        <p:cNvGrpSpPr/>
-        <p:nvPr/>
-      </p:nvGrpSpPr>
-      <p:grpSpPr>
-        <a:xfrm>
-          <a:off x="0" y="0"/>
-          <a:ext cx="0" cy="0"/>
-          <a:chOff x="0" y="0"/>
-          <a:chExt cx="0" cy="0"/>
-        </a:xfrm>
-      </p:grpSpPr>
-      <p:sp>
-        <p:nvSpPr>
-          <p:cNvPr id="2" name="Title 1">
-            <a:extLst>
-              <a:ext uri="{FF2B5EF4-FFF2-40B4-BE49-F238E27FC236}">
-                <a16:creationId xmlns:a16="http://schemas.microsoft.com/office/drawing/2014/main" id="{94C797DD-6CEF-4883-9073-34E314803741}"/>
-              </a:ext>
-            </a:extLst>
-          </p:cNvPr>
-          <p:cNvSpPr>
-            <a:spLocks noGrp="1"/>
-          </p:cNvSpPr>
-          <p:nvPr>
-            <p:ph type="title"/>
-          </p:nvPr>
-        </p:nvSpPr>
-        <p:spPr>
-          <a:xfrm>
-            <a:off x="236091" y="144001"/>
-            <a:ext cx="9884831" cy="514738"/>
-          </a:xfrm>
-        </p:spPr>
-        <p:txBody>
-          <a:bodyPr/>
-          <a:lstStyle/>
-          <a:p>
-            <a:r>
-              <a:rPr lang="en-US" sz="2400" dirty="0">
-                <a:solidFill>
-                  <a:schemeClr val="tx1"/>
-                </a:solidFill>
-              </a:rPr>
-              <a:t>Challenges of Real-World Reinforcement Learning </a:t>
-            </a:r>
-            <a:r>
-              <a:rPr lang="en-US" sz="1600" dirty="0">
-                <a:solidFill>
-                  <a:schemeClr val="tx1"/>
-                </a:solidFill>
-              </a:rPr>
-              <a:t>[</a:t>
-            </a:r>
-            <a:r>
-              <a:rPr lang="en-US" sz="1600" dirty="0" err="1">
-                <a:solidFill>
-                  <a:schemeClr val="tx1"/>
-                </a:solidFill>
-                <a:effectLst/>
-              </a:rPr>
-              <a:t>Dulac</a:t>
-            </a:r>
-            <a:r>
-              <a:rPr lang="en-US" sz="1600" dirty="0">
-                <a:solidFill>
-                  <a:schemeClr val="tx1"/>
-                </a:solidFill>
-                <a:effectLst/>
-              </a:rPr>
-              <a:t>-Arnold 2019</a:t>
-            </a:r>
-            <a:r>
-              <a:rPr lang="en-US" sz="1600" dirty="0">
-                <a:solidFill>
-                  <a:schemeClr val="tx1"/>
-                </a:solidFill>
-              </a:rPr>
-              <a:t>]</a:t>
-            </a:r>
-          </a:p>
-        </p:txBody>
-      </p:sp>
-      <p:sp>
-        <p:nvSpPr>
-          <p:cNvPr id="3" name="Content Placeholder 2">
-            <a:extLst>
-              <a:ext uri="{FF2B5EF4-FFF2-40B4-BE49-F238E27FC236}">
-                <a16:creationId xmlns:a16="http://schemas.microsoft.com/office/drawing/2014/main" id="{CB3B958D-0456-464C-BBA5-A63CD4A85516}"/>
-              </a:ext>
-            </a:extLst>
-          </p:cNvPr>
-          <p:cNvSpPr>
-            <a:spLocks noGrp="1"/>
-          </p:cNvSpPr>
-          <p:nvPr>
-            <p:ph idx="1"/>
-          </p:nvPr>
-        </p:nvSpPr>
-        <p:spPr>
-          <a:xfrm>
-            <a:off x="478369" y="1213308"/>
-            <a:ext cx="11596400" cy="2553520"/>
-          </a:xfrm>
-        </p:spPr>
-        <p:txBody>
-          <a:bodyPr/>
-          <a:lstStyle/>
-          <a:p>
-            <a:r>
-              <a:rPr lang="en-US" dirty="0">
-                <a:latin typeface="+mj-lt"/>
-              </a:rPr>
-              <a:t>Other challenges (not subjected to)</a:t>
-            </a:r>
-            <a:endParaRPr lang="en-US" dirty="0">
-              <a:effectLst/>
-              <a:latin typeface="+mj-lt"/>
-            </a:endParaRPr>
-          </a:p>
-          <a:p>
-            <a:pPr marL="457200" indent="-457200">
-              <a:buFont typeface="+mj-lt"/>
-              <a:buAutoNum type="arabicPeriod" startAt="6"/>
-            </a:pPr>
-            <a:r>
-              <a:rPr lang="en-US" dirty="0">
-                <a:effectLst/>
-                <a:latin typeface="+mj-lt"/>
-              </a:rPr>
-              <a:t>High-dimensional continuous state and action spaces.</a:t>
-            </a:r>
-          </a:p>
-          <a:p>
-            <a:pPr marL="457200" indent="-457200">
-              <a:buAutoNum type="arabicPeriod" startAt="6"/>
-            </a:pPr>
-            <a:r>
-              <a:rPr lang="en-US" dirty="0">
-                <a:effectLst/>
-                <a:latin typeface="+mj-lt"/>
-              </a:rPr>
-              <a:t>Reward functions that are unspecified, multi-objective, or risk-sensitive.</a:t>
-            </a:r>
-          </a:p>
-          <a:p>
-            <a:pPr marL="457200" indent="-457200">
-              <a:buAutoNum type="arabicPeriod" startAt="6"/>
-            </a:pPr>
-            <a:r>
-              <a:rPr lang="en-US" dirty="0">
-                <a:effectLst/>
-                <a:latin typeface="+mj-lt"/>
-              </a:rPr>
-              <a:t>System operators who desire explainable policies and actions.</a:t>
-            </a:r>
-          </a:p>
-          <a:p>
-            <a:pPr marL="457200" indent="-457200">
-              <a:buAutoNum type="arabicPeriod" startAt="6"/>
-            </a:pPr>
-            <a:r>
-              <a:rPr lang="en-US" dirty="0">
-                <a:effectLst/>
-                <a:latin typeface="+mj-lt"/>
-              </a:rPr>
-              <a:t>Large and/or unknown delays in the system actuators, sensors, or rewards</a:t>
-            </a:r>
-          </a:p>
-          <a:p>
-            <a:endParaRPr lang="en-US" dirty="0">
-              <a:latin typeface="+mj-lt"/>
-            </a:endParaRPr>
-          </a:p>
-        </p:txBody>
-      </p:sp>
-      <p:sp>
-        <p:nvSpPr>
-          <p:cNvPr id="5" name="TextBox 4">
-            <a:extLst>
-              <a:ext uri="{FF2B5EF4-FFF2-40B4-BE49-F238E27FC236}">
-                <a16:creationId xmlns:a16="http://schemas.microsoft.com/office/drawing/2014/main" id="{55858E3B-6411-464C-859D-25E81C74AEAD}"/>
-              </a:ext>
-            </a:extLst>
-          </p:cNvPr>
-          <p:cNvSpPr txBox="1"/>
-          <p:nvPr/>
-        </p:nvSpPr>
-        <p:spPr bwMode="gray">
-          <a:xfrm>
-            <a:off x="0" y="6461897"/>
-            <a:ext cx="11269786" cy="338554"/>
-          </a:xfrm>
-          <a:prstGeom prst="rect">
-            <a:avLst/>
-          </a:prstGeom>
-          <a:noFill/>
-        </p:spPr>
-        <p:txBody>
-          <a:bodyPr wrap="square">
-            <a:spAutoFit/>
-          </a:bodyPr>
-          <a:lstStyle/>
-          <a:p>
-            <a:r>
-              <a:rPr lang="en-US" sz="1600" dirty="0" err="1">
-                <a:effectLst/>
-              </a:rPr>
-              <a:t>Dulac</a:t>
-            </a:r>
-            <a:r>
-              <a:rPr lang="en-US" sz="1600" dirty="0">
-                <a:effectLst/>
-              </a:rPr>
-              <a:t>-Arnold, Mankowitz, Hester, 2019, </a:t>
-            </a:r>
-            <a:r>
-              <a:rPr lang="en-US" sz="1600" dirty="0"/>
-              <a:t>Challenges of Real-World Reinforcement Learning</a:t>
-            </a:r>
-          </a:p>
-        </p:txBody>
-      </p:sp>
-      <p:sp>
-        <p:nvSpPr>
-          <p:cNvPr id="6" name="TextBox 5">
-            <a:extLst>
-              <a:ext uri="{FF2B5EF4-FFF2-40B4-BE49-F238E27FC236}">
-                <a16:creationId xmlns:a16="http://schemas.microsoft.com/office/drawing/2014/main" id="{01C7FDBE-2D3E-4500-B787-07319D4DCF81}"/>
-              </a:ext>
-            </a:extLst>
-          </p:cNvPr>
-          <p:cNvSpPr txBox="1"/>
-          <p:nvPr/>
-        </p:nvSpPr>
-        <p:spPr bwMode="gray">
-          <a:xfrm>
-            <a:off x="2919046" y="3834620"/>
-            <a:ext cx="6244492" cy="923330"/>
-          </a:xfrm>
-          <a:prstGeom prst="rect">
-            <a:avLst/>
-          </a:prstGeom>
-          <a:solidFill>
-            <a:schemeClr val="accent3">
-              <a:lumMod val="20000"/>
-              <a:lumOff val="80000"/>
-            </a:schemeClr>
-          </a:solidFill>
-        </p:spPr>
-        <p:txBody>
-          <a:bodyPr wrap="square">
-            <a:spAutoFit/>
-          </a:bodyPr>
-          <a:lstStyle/>
-          <a:p>
-            <a:r>
-              <a:rPr lang="en-US" b="1" dirty="0">
-                <a:latin typeface="+mj-lt"/>
-              </a:rPr>
-              <a:t>Main reason-why:</a:t>
-            </a:r>
-            <a:r>
-              <a:rPr lang="en-US" dirty="0">
-                <a:latin typeface="+mj-lt"/>
-              </a:rPr>
-              <a:t> </a:t>
-            </a:r>
-          </a:p>
-          <a:p>
-            <a:r>
-              <a:rPr lang="en-US" dirty="0" err="1">
-                <a:latin typeface="+mj-lt"/>
-              </a:rPr>
-              <a:t>mRubis</a:t>
-            </a:r>
-            <a:r>
-              <a:rPr lang="en-US" dirty="0">
-                <a:latin typeface="+mj-lt"/>
-              </a:rPr>
-              <a:t> is not safety-critical and it does not operate within a physical process</a:t>
-            </a:r>
-          </a:p>
-        </p:txBody>
-      </p:sp>
-    </p:spTree>
-    <p:extLst>
-      <p:ext uri="{BB962C8B-B14F-4D97-AF65-F5344CB8AC3E}">
-        <p14:creationId xmlns:p14="http://schemas.microsoft.com/office/powerpoint/2010/main" val="909801186"/>
-      </p:ext>
-    </p:extLst>
-  </p:cSld>
-  <p:clrMapOvr>
-    <a:masterClrMapping/>
-  </p:clrMapOvr>
-  <p:timing>
-    <p:tnLst>
-      <p:par>
-        <p:cTn id="1" dur="indefinite" restart="never" nodeType="tmRoot">
-          <p:childTnLst>
-            <p:seq concurrent="1" nextAc="seek">
-              <p:cTn id="2" dur="indefinite" nodeType="mainSeq">
-                <p:childTnLst>
-                  <p:par>
-                    <p:cTn id="3" fill="hold">
-                      <p:stCondLst>
-                        <p:cond delay="indefinite"/>
-                      </p:stCondLst>
-                      <p:childTnLst>
-                        <p:par>
-                          <p:cTn id="4" fill="hold">
-                            <p:stCondLst>
-                              <p:cond delay="0"/>
-                            </p:stCondLst>
-                            <p:childTnLst>
-                              <p:par>
-                                <p:cTn id="5" presetID="1" presetClass="entr" presetSubtype="0" fill="hold" grpId="0" nodeType="clickEffect">
-                                  <p:stCondLst>
-                                    <p:cond delay="0"/>
-                                  </p:stCondLst>
-                                  <p:childTnLst>
-                                    <p:set>
-                                      <p:cBhvr>
-                                        <p:cTn id="6" dur="1" fill="hold">
-                                          <p:stCondLst>
-                                            <p:cond delay="0"/>
-                                          </p:stCondLst>
-                                        </p:cTn>
-                                        <p:tgtEl>
-                                          <p:spTgt spid="6"/>
-                                        </p:tgtEl>
-                                        <p:attrNameLst>
-                                          <p:attrName>style.visibility</p:attrName>
-                                        </p:attrNameLst>
-                                      </p:cBhvr>
-                                      <p:to>
-                                        <p:strVal val="visible"/>
-                                      </p:to>
-                                    </p:set>
-                                  </p:childTnLst>
-                                </p:cTn>
-                              </p:par>
-                            </p:childTnLst>
-                          </p:cTn>
-                        </p:par>
-                      </p:childTnLst>
-                    </p:cTn>
-                  </p:par>
-                </p:childTnLst>
-              </p:cTn>
-              <p:prevCondLst>
-                <p:cond evt="onPrev" delay="0">
-                  <p:tgtEl>
-                    <p:sldTgt/>
-                  </p:tgtEl>
-                </p:cond>
-              </p:prevCondLst>
-              <p:nextCondLst>
-                <p:cond evt="onNext" delay="0">
-                  <p:tgtEl>
-                    <p:sldTgt/>
-                  </p:tgtEl>
-                </p:cond>
-              </p:nextCondLst>
-            </p:seq>
-          </p:childTnLst>
-        </p:cTn>
-      </p:par>
-    </p:tnLst>
-    <p:bldLst>
-      <p:bldP spid="6" grpId="0" animBg="1"/>
-    </p:bldLst>
   </p:timing>
 </p:sld>
 </file>
